--- a/documents/Text_summarizer.pptx
+++ b/documents/Text_summarizer.pptx
@@ -52,7 +52,7 @@
       </p:grpSpPr>
       <p:sp>
         <p:nvSpPr>
-          <p:cNvPr id="138" name="PlaceHolder 1"/>
+          <p:cNvPr id="129" name="PlaceHolder 1"/>
           <p:cNvSpPr>
             <a:spLocks noGrp="1"/>
           </p:cNvSpPr>
@@ -72,27 +72,22 @@
         <p:txBody>
           <a:bodyPr lIns="0" rIns="0" tIns="0" bIns="0" anchor="ctr"/>
           <a:p>
-            <a:r>
-              <a:rPr b="0" lang="en-US" sz="1800" spc="-1" strike="noStrike">
-                <a:solidFill>
-                  <a:srgbClr val="000000"/>
-                </a:solidFill>
-                <a:latin typeface="Constantia"/>
+            <a:pPr algn="ctr"/>
+            <a:r>
+              <a:rPr b="0" lang="en-IN" sz="4400" spc="-1" strike="noStrike">
+                <a:latin typeface="Arial"/>
               </a:rPr>
               <a:t>Click to move the slide</a:t>
             </a:r>
-            <a:endParaRPr b="0" lang="en-US" sz="1800" spc="-1" strike="noStrike">
-              <a:solidFill>
-                <a:srgbClr val="000000"/>
-              </a:solidFill>
-              <a:latin typeface="Constantia"/>
-            </a:endParaRPr>
-          </a:p>
-        </p:txBody>
-      </p:sp>
-      <p:sp>
-        <p:nvSpPr>
-          <p:cNvPr id="139" name="PlaceHolder 2"/>
+            <a:endParaRPr b="0" lang="en-IN" sz="4400" spc="-1" strike="noStrike">
+              <a:latin typeface="Arial"/>
+            </a:endParaRPr>
+          </a:p>
+        </p:txBody>
+      </p:sp>
+      <p:sp>
+        <p:nvSpPr>
+          <p:cNvPr id="130" name="PlaceHolder 2"/>
           <p:cNvSpPr>
             <a:spLocks noGrp="1"/>
           </p:cNvSpPr>
@@ -126,7 +121,7 @@
       </p:sp>
       <p:sp>
         <p:nvSpPr>
-          <p:cNvPr id="140" name="PlaceHolder 3"/>
+          <p:cNvPr id="131" name="PlaceHolder 3"/>
           <p:cNvSpPr>
             <a:spLocks noGrp="1"/>
           </p:cNvSpPr>
@@ -160,7 +155,7 @@
       </p:sp>
       <p:sp>
         <p:nvSpPr>
-          <p:cNvPr id="141" name="PlaceHolder 4"/>
+          <p:cNvPr id="132" name="PlaceHolder 4"/>
           <p:cNvSpPr>
             <a:spLocks noGrp="1"/>
           </p:cNvSpPr>
@@ -195,7 +190,7 @@
       </p:sp>
       <p:sp>
         <p:nvSpPr>
-          <p:cNvPr id="142" name="PlaceHolder 5"/>
+          <p:cNvPr id="133" name="PlaceHolder 5"/>
           <p:cNvSpPr>
             <a:spLocks noGrp="1"/>
           </p:cNvSpPr>
@@ -219,7 +214,7 @@
               <a:rPr b="0" lang="en-IN" sz="1400" spc="-1" strike="noStrike">
                 <a:latin typeface="Times New Roman"/>
               </a:rPr>
-              <a:t> </a:t>
+              <a:t>&lt;footer&gt;</a:t>
             </a:r>
             <a:endParaRPr b="0" lang="en-IN" sz="1400" spc="-1" strike="noStrike">
               <a:latin typeface="Times New Roman"/>
@@ -229,7 +224,7 @@
       </p:sp>
       <p:sp>
         <p:nvSpPr>
-          <p:cNvPr id="143" name="PlaceHolder 6"/>
+          <p:cNvPr id="134" name="PlaceHolder 6"/>
           <p:cNvSpPr>
             <a:spLocks noGrp="1"/>
           </p:cNvSpPr>
@@ -250,11 +245,11 @@
           <a:bodyPr lIns="0" rIns="0" tIns="0" bIns="0" anchor="b"/>
           <a:p>
             <a:pPr algn="r"/>
-            <a:fld id="{4F71DED6-63A4-4C7E-A618-395C030861DD}" type="slidenum">
+            <a:fld id="{52B792D0-13DE-4277-9CE0-448486CF3167}" type="slidenum">
               <a:rPr b="0" lang="en-IN" sz="1400" spc="-1" strike="noStrike">
                 <a:latin typeface="Times New Roman"/>
               </a:rPr>
-              <a:t>1</a:t>
+              <a:t>&lt;number&gt;</a:t>
             </a:fld>
             <a:endParaRPr b="0" lang="en-IN" sz="1400" spc="-1" strike="noStrike">
               <a:latin typeface="Times New Roman"/>
@@ -287,7 +282,7 @@
       </p:grpSpPr>
       <p:sp>
         <p:nvSpPr>
-          <p:cNvPr id="181" name="PlaceHolder 1"/>
+          <p:cNvPr id="172" name="PlaceHolder 1"/>
           <p:cNvSpPr>
             <a:spLocks noGrp="1"/>
           </p:cNvSpPr>
@@ -298,16 +293,16 @@
         <p:spPr>
           <a:xfrm>
             <a:off x="279360" y="685800"/>
-            <a:ext cx="6298920" cy="3428640"/>
-          </a:xfrm>
-          <a:prstGeom prst="rect">
-            <a:avLst/>
-          </a:prstGeom>
-        </p:spPr>
-      </p:sp>
-      <p:sp>
-        <p:nvSpPr>
-          <p:cNvPr id="182" name="PlaceHolder 2"/>
+            <a:ext cx="6298560" cy="3428280"/>
+          </a:xfrm>
+          <a:prstGeom prst="rect">
+            <a:avLst/>
+          </a:prstGeom>
+        </p:spPr>
+      </p:sp>
+      <p:sp>
+        <p:nvSpPr>
+          <p:cNvPr id="173" name="PlaceHolder 2"/>
           <p:cNvSpPr>
             <a:spLocks noGrp="1"/>
           </p:cNvSpPr>
@@ -318,14 +313,14 @@
         <p:spPr>
           <a:xfrm>
             <a:off x="685800" y="4343400"/>
-            <a:ext cx="5486040" cy="4114440"/>
-          </a:xfrm>
-          <a:prstGeom prst="rect">
-            <a:avLst/>
-          </a:prstGeom>
-        </p:spPr>
-        <p:txBody>
-          <a:bodyPr/>
+            <a:ext cx="5485680" cy="4114080"/>
+          </a:xfrm>
+          <a:prstGeom prst="rect">
+            <a:avLst/>
+          </a:prstGeom>
+        </p:spPr>
+        <p:txBody>
+          <a:bodyPr lIns="0" rIns="0" tIns="0" bIns="0"/>
           <a:p>
             <a:endParaRPr b="0" lang="en-IN" sz="2000" spc="-1" strike="noStrike">
               <a:latin typeface="Arial"/>
@@ -335,14 +330,14 @@
       </p:sp>
       <p:sp>
         <p:nvSpPr>
-          <p:cNvPr id="183" name="TextShape 3"/>
-          <p:cNvSpPr txBox="1"/>
+          <p:cNvPr id="174" name="CustomShape 3"/>
+          <p:cNvSpPr/>
           <p:nvPr/>
         </p:nvSpPr>
         <p:spPr>
           <a:xfrm>
             <a:off x="3884760" y="8685360"/>
-            <a:ext cx="2971440" cy="456840"/>
+            <a:ext cx="2971080" cy="456480"/>
           </a:xfrm>
           <a:prstGeom prst="rect">
             <a:avLst/>
@@ -352,15 +347,21 @@
             <a:noFill/>
           </a:ln>
         </p:spPr>
-        <p:txBody>
-          <a:bodyPr anchor="b"/>
+        <p:style>
+          <a:lnRef idx="0"/>
+          <a:fillRef idx="0"/>
+          <a:effectRef idx="0"/>
+          <a:fontRef idx="minor"/>
+        </p:style>
+        <p:txBody>
+          <a:bodyPr lIns="90000" rIns="90000" tIns="45000" bIns="45000" anchor="b"/>
           <a:p>
             <a:pPr algn="r">
               <a:lnSpc>
                 <a:spcPct val="100000"/>
               </a:lnSpc>
             </a:pPr>
-            <a:fld id="{C9EC41BB-287A-44B3-8A7D-BD8D7D998A55}" type="slidenum">
+            <a:fld id="{255AE299-8203-49EF-A798-88EEFD145230}" type="slidenum">
               <a:rPr b="0" lang="en-IN" sz="1200" spc="-1" strike="noStrike">
                 <a:solidFill>
                   <a:srgbClr val="000000"/>
@@ -371,7 +372,7 @@
               <a:t>&lt;number&gt;</a:t>
             </a:fld>
             <a:endParaRPr b="0" lang="en-IN" sz="1200" spc="-1" strike="noStrike">
-              <a:latin typeface="Times New Roman"/>
+              <a:latin typeface="Arial"/>
             </a:endParaRPr>
           </a:p>
         </p:txBody>
@@ -422,7 +423,7 @@
       </p:grpSpPr>
       <p:sp>
         <p:nvSpPr>
-          <p:cNvPr id="31" name="PlaceHolder 1"/>
+          <p:cNvPr id="28" name="PlaceHolder 1"/>
           <p:cNvSpPr>
             <a:spLocks noGrp="1"/>
           </p:cNvSpPr>
@@ -433,7 +434,7 @@
         <p:spPr>
           <a:xfrm>
             <a:off x="735120" y="1371600"/>
-            <a:ext cx="10820160" cy="1828440"/>
+            <a:ext cx="10819800" cy="1828080"/>
           </a:xfrm>
           <a:prstGeom prst="rect">
             <a:avLst/>
@@ -442,18 +443,16 @@
         <p:txBody>
           <a:bodyPr lIns="0" rIns="0" tIns="0" bIns="0" anchor="ctr"/>
           <a:p>
-            <a:endParaRPr b="0" lang="en-US" sz="1800" spc="-1" strike="noStrike">
-              <a:solidFill>
-                <a:srgbClr val="ffffff"/>
-              </a:solidFill>
-              <a:latin typeface="Constantia"/>
-            </a:endParaRPr>
-          </a:p>
-        </p:txBody>
-      </p:sp>
-      <p:sp>
-        <p:nvSpPr>
-          <p:cNvPr id="32" name="PlaceHolder 2"/>
+            <a:pPr algn="ctr"/>
+            <a:endParaRPr b="0" lang="en-IN" sz="4400" spc="-1" strike="noStrike">
+              <a:latin typeface="Arial"/>
+            </a:endParaRPr>
+          </a:p>
+        </p:txBody>
+      </p:sp>
+      <p:sp>
+        <p:nvSpPr>
+          <p:cNvPr id="29" name="PlaceHolder 2"/>
           <p:cNvSpPr>
             <a:spLocks noGrp="1"/>
           </p:cNvSpPr>
@@ -475,18 +474,15 @@
             <a:normAutofit/>
           </a:bodyPr>
           <a:p>
-            <a:endParaRPr b="0" lang="en-US" sz="2600" spc="-1" strike="noStrike">
-              <a:solidFill>
-                <a:srgbClr val="ffffff"/>
-              </a:solidFill>
-              <a:latin typeface="Constantia"/>
-            </a:endParaRPr>
-          </a:p>
-        </p:txBody>
-      </p:sp>
-      <p:sp>
-        <p:nvSpPr>
-          <p:cNvPr id="33" name="PlaceHolder 3"/>
+            <a:endParaRPr b="0" lang="en-IN" sz="3200" spc="-1" strike="noStrike">
+              <a:latin typeface="Arial"/>
+            </a:endParaRPr>
+          </a:p>
+        </p:txBody>
+      </p:sp>
+      <p:sp>
+        <p:nvSpPr>
+          <p:cNvPr id="30" name="PlaceHolder 3"/>
           <p:cNvSpPr>
             <a:spLocks noGrp="1"/>
           </p:cNvSpPr>
@@ -508,11 +504,8 @@
             <a:normAutofit/>
           </a:bodyPr>
           <a:p>
-            <a:endParaRPr b="0" lang="en-US" sz="2600" spc="-1" strike="noStrike">
-              <a:solidFill>
-                <a:srgbClr val="ffffff"/>
-              </a:solidFill>
-              <a:latin typeface="Constantia"/>
+            <a:endParaRPr b="0" lang="en-IN" sz="3200" spc="-1" strike="noStrike">
+              <a:latin typeface="Arial"/>
             </a:endParaRPr>
           </a:p>
         </p:txBody>
@@ -541,7 +534,7 @@
       </p:grpSpPr>
       <p:sp>
         <p:nvSpPr>
-          <p:cNvPr id="34" name="PlaceHolder 1"/>
+          <p:cNvPr id="31" name="PlaceHolder 1"/>
           <p:cNvSpPr>
             <a:spLocks noGrp="1"/>
           </p:cNvSpPr>
@@ -552,7 +545,7 @@
         <p:spPr>
           <a:xfrm>
             <a:off x="735120" y="1371600"/>
-            <a:ext cx="10820160" cy="1828440"/>
+            <a:ext cx="10819800" cy="1828080"/>
           </a:xfrm>
           <a:prstGeom prst="rect">
             <a:avLst/>
@@ -561,18 +554,16 @@
         <p:txBody>
           <a:bodyPr lIns="0" rIns="0" tIns="0" bIns="0" anchor="ctr"/>
           <a:p>
-            <a:endParaRPr b="0" lang="en-US" sz="1800" spc="-1" strike="noStrike">
-              <a:solidFill>
-                <a:srgbClr val="ffffff"/>
-              </a:solidFill>
-              <a:latin typeface="Constantia"/>
-            </a:endParaRPr>
-          </a:p>
-        </p:txBody>
-      </p:sp>
-      <p:sp>
-        <p:nvSpPr>
-          <p:cNvPr id="35" name="PlaceHolder 2"/>
+            <a:pPr algn="ctr"/>
+            <a:endParaRPr b="0" lang="en-IN" sz="4400" spc="-1" strike="noStrike">
+              <a:latin typeface="Arial"/>
+            </a:endParaRPr>
+          </a:p>
+        </p:txBody>
+      </p:sp>
+      <p:sp>
+        <p:nvSpPr>
+          <p:cNvPr id="32" name="PlaceHolder 2"/>
           <p:cNvSpPr>
             <a:spLocks noGrp="1"/>
           </p:cNvSpPr>
@@ -594,18 +585,15 @@
             <a:normAutofit/>
           </a:bodyPr>
           <a:p>
-            <a:endParaRPr b="0" lang="en-US" sz="2600" spc="-1" strike="noStrike">
-              <a:solidFill>
-                <a:srgbClr val="ffffff"/>
-              </a:solidFill>
-              <a:latin typeface="Constantia"/>
-            </a:endParaRPr>
-          </a:p>
-        </p:txBody>
-      </p:sp>
-      <p:sp>
-        <p:nvSpPr>
-          <p:cNvPr id="36" name="PlaceHolder 3"/>
+            <a:endParaRPr b="0" lang="en-IN" sz="3200" spc="-1" strike="noStrike">
+              <a:latin typeface="Arial"/>
+            </a:endParaRPr>
+          </a:p>
+        </p:txBody>
+      </p:sp>
+      <p:sp>
+        <p:nvSpPr>
+          <p:cNvPr id="33" name="PlaceHolder 3"/>
           <p:cNvSpPr>
             <a:spLocks noGrp="1"/>
           </p:cNvSpPr>
@@ -627,18 +615,15 @@
             <a:normAutofit/>
           </a:bodyPr>
           <a:p>
-            <a:endParaRPr b="0" lang="en-US" sz="2600" spc="-1" strike="noStrike">
-              <a:solidFill>
-                <a:srgbClr val="ffffff"/>
-              </a:solidFill>
-              <a:latin typeface="Constantia"/>
-            </a:endParaRPr>
-          </a:p>
-        </p:txBody>
-      </p:sp>
-      <p:sp>
-        <p:nvSpPr>
-          <p:cNvPr id="37" name="PlaceHolder 4"/>
+            <a:endParaRPr b="0" lang="en-IN" sz="3200" spc="-1" strike="noStrike">
+              <a:latin typeface="Arial"/>
+            </a:endParaRPr>
+          </a:p>
+        </p:txBody>
+      </p:sp>
+      <p:sp>
+        <p:nvSpPr>
+          <p:cNvPr id="34" name="PlaceHolder 4"/>
           <p:cNvSpPr>
             <a:spLocks noGrp="1"/>
           </p:cNvSpPr>
@@ -660,18 +645,15 @@
             <a:normAutofit/>
           </a:bodyPr>
           <a:p>
-            <a:endParaRPr b="0" lang="en-US" sz="2600" spc="-1" strike="noStrike">
-              <a:solidFill>
-                <a:srgbClr val="ffffff"/>
-              </a:solidFill>
-              <a:latin typeface="Constantia"/>
-            </a:endParaRPr>
-          </a:p>
-        </p:txBody>
-      </p:sp>
-      <p:sp>
-        <p:nvSpPr>
-          <p:cNvPr id="38" name="PlaceHolder 5"/>
+            <a:endParaRPr b="0" lang="en-IN" sz="3200" spc="-1" strike="noStrike">
+              <a:latin typeface="Arial"/>
+            </a:endParaRPr>
+          </a:p>
+        </p:txBody>
+      </p:sp>
+      <p:sp>
+        <p:nvSpPr>
+          <p:cNvPr id="35" name="PlaceHolder 5"/>
           <p:cNvSpPr>
             <a:spLocks noGrp="1"/>
           </p:cNvSpPr>
@@ -693,11 +675,8 @@
             <a:normAutofit/>
           </a:bodyPr>
           <a:p>
-            <a:endParaRPr b="0" lang="en-US" sz="2600" spc="-1" strike="noStrike">
-              <a:solidFill>
-                <a:srgbClr val="ffffff"/>
-              </a:solidFill>
-              <a:latin typeface="Constantia"/>
+            <a:endParaRPr b="0" lang="en-IN" sz="3200" spc="-1" strike="noStrike">
+              <a:latin typeface="Arial"/>
             </a:endParaRPr>
           </a:p>
         </p:txBody>
@@ -726,7 +705,7 @@
       </p:grpSpPr>
       <p:sp>
         <p:nvSpPr>
-          <p:cNvPr id="39" name="PlaceHolder 1"/>
+          <p:cNvPr id="36" name="PlaceHolder 1"/>
           <p:cNvSpPr>
             <a:spLocks noGrp="1"/>
           </p:cNvSpPr>
@@ -737,7 +716,7 @@
         <p:spPr>
           <a:xfrm>
             <a:off x="735120" y="1371600"/>
-            <a:ext cx="10820160" cy="1828440"/>
+            <a:ext cx="10819800" cy="1828080"/>
           </a:xfrm>
           <a:prstGeom prst="rect">
             <a:avLst/>
@@ -746,18 +725,16 @@
         <p:txBody>
           <a:bodyPr lIns="0" rIns="0" tIns="0" bIns="0" anchor="ctr"/>
           <a:p>
-            <a:endParaRPr b="0" lang="en-US" sz="1800" spc="-1" strike="noStrike">
-              <a:solidFill>
-                <a:srgbClr val="ffffff"/>
-              </a:solidFill>
-              <a:latin typeface="Constantia"/>
-            </a:endParaRPr>
-          </a:p>
-        </p:txBody>
-      </p:sp>
-      <p:sp>
-        <p:nvSpPr>
-          <p:cNvPr id="40" name="PlaceHolder 2"/>
+            <a:pPr algn="ctr"/>
+            <a:endParaRPr b="0" lang="en-IN" sz="4400" spc="-1" strike="noStrike">
+              <a:latin typeface="Arial"/>
+            </a:endParaRPr>
+          </a:p>
+        </p:txBody>
+      </p:sp>
+      <p:sp>
+        <p:nvSpPr>
+          <p:cNvPr id="37" name="PlaceHolder 2"/>
           <p:cNvSpPr>
             <a:spLocks noGrp="1"/>
           </p:cNvSpPr>
@@ -779,18 +756,15 @@
             <a:normAutofit/>
           </a:bodyPr>
           <a:p>
-            <a:endParaRPr b="0" lang="en-US" sz="2600" spc="-1" strike="noStrike">
-              <a:solidFill>
-                <a:srgbClr val="ffffff"/>
-              </a:solidFill>
-              <a:latin typeface="Constantia"/>
-            </a:endParaRPr>
-          </a:p>
-        </p:txBody>
-      </p:sp>
-      <p:sp>
-        <p:nvSpPr>
-          <p:cNvPr id="41" name="PlaceHolder 3"/>
+            <a:endParaRPr b="0" lang="en-IN" sz="3200" spc="-1" strike="noStrike">
+              <a:latin typeface="Arial"/>
+            </a:endParaRPr>
+          </a:p>
+        </p:txBody>
+      </p:sp>
+      <p:sp>
+        <p:nvSpPr>
+          <p:cNvPr id="38" name="PlaceHolder 3"/>
           <p:cNvSpPr>
             <a:spLocks noGrp="1"/>
           </p:cNvSpPr>
@@ -812,18 +786,15 @@
             <a:normAutofit/>
           </a:bodyPr>
           <a:p>
-            <a:endParaRPr b="0" lang="en-US" sz="2600" spc="-1" strike="noStrike">
-              <a:solidFill>
-                <a:srgbClr val="ffffff"/>
-              </a:solidFill>
-              <a:latin typeface="Constantia"/>
-            </a:endParaRPr>
-          </a:p>
-        </p:txBody>
-      </p:sp>
-      <p:sp>
-        <p:nvSpPr>
-          <p:cNvPr id="42" name="PlaceHolder 4"/>
+            <a:endParaRPr b="0" lang="en-IN" sz="3200" spc="-1" strike="noStrike">
+              <a:latin typeface="Arial"/>
+            </a:endParaRPr>
+          </a:p>
+        </p:txBody>
+      </p:sp>
+      <p:sp>
+        <p:nvSpPr>
+          <p:cNvPr id="39" name="PlaceHolder 4"/>
           <p:cNvSpPr>
             <a:spLocks noGrp="1"/>
           </p:cNvSpPr>
@@ -845,18 +816,15 @@
             <a:normAutofit/>
           </a:bodyPr>
           <a:p>
-            <a:endParaRPr b="0" lang="en-US" sz="2600" spc="-1" strike="noStrike">
-              <a:solidFill>
-                <a:srgbClr val="ffffff"/>
-              </a:solidFill>
-              <a:latin typeface="Constantia"/>
-            </a:endParaRPr>
-          </a:p>
-        </p:txBody>
-      </p:sp>
-      <p:sp>
-        <p:nvSpPr>
-          <p:cNvPr id="43" name="PlaceHolder 5"/>
+            <a:endParaRPr b="0" lang="en-IN" sz="3200" spc="-1" strike="noStrike">
+              <a:latin typeface="Arial"/>
+            </a:endParaRPr>
+          </a:p>
+        </p:txBody>
+      </p:sp>
+      <p:sp>
+        <p:nvSpPr>
+          <p:cNvPr id="40" name="PlaceHolder 5"/>
           <p:cNvSpPr>
             <a:spLocks noGrp="1"/>
           </p:cNvSpPr>
@@ -878,18 +846,15 @@
             <a:normAutofit/>
           </a:bodyPr>
           <a:p>
-            <a:endParaRPr b="0" lang="en-US" sz="2600" spc="-1" strike="noStrike">
-              <a:solidFill>
-                <a:srgbClr val="ffffff"/>
-              </a:solidFill>
-              <a:latin typeface="Constantia"/>
-            </a:endParaRPr>
-          </a:p>
-        </p:txBody>
-      </p:sp>
-      <p:sp>
-        <p:nvSpPr>
-          <p:cNvPr id="44" name="PlaceHolder 6"/>
+            <a:endParaRPr b="0" lang="en-IN" sz="3200" spc="-1" strike="noStrike">
+              <a:latin typeface="Arial"/>
+            </a:endParaRPr>
+          </a:p>
+        </p:txBody>
+      </p:sp>
+      <p:sp>
+        <p:nvSpPr>
+          <p:cNvPr id="41" name="PlaceHolder 6"/>
           <p:cNvSpPr>
             <a:spLocks noGrp="1"/>
           </p:cNvSpPr>
@@ -911,18 +876,15 @@
             <a:normAutofit/>
           </a:bodyPr>
           <a:p>
-            <a:endParaRPr b="0" lang="en-US" sz="2600" spc="-1" strike="noStrike">
-              <a:solidFill>
-                <a:srgbClr val="ffffff"/>
-              </a:solidFill>
-              <a:latin typeface="Constantia"/>
-            </a:endParaRPr>
-          </a:p>
-        </p:txBody>
-      </p:sp>
-      <p:sp>
-        <p:nvSpPr>
-          <p:cNvPr id="45" name="PlaceHolder 7"/>
+            <a:endParaRPr b="0" lang="en-IN" sz="3200" spc="-1" strike="noStrike">
+              <a:latin typeface="Arial"/>
+            </a:endParaRPr>
+          </a:p>
+        </p:txBody>
+      </p:sp>
+      <p:sp>
+        <p:nvSpPr>
+          <p:cNvPr id="42" name="PlaceHolder 7"/>
           <p:cNvSpPr>
             <a:spLocks noGrp="1"/>
           </p:cNvSpPr>
@@ -944,11 +906,8 @@
             <a:normAutofit/>
           </a:bodyPr>
           <a:p>
-            <a:endParaRPr b="0" lang="en-US" sz="2600" spc="-1" strike="noStrike">
-              <a:solidFill>
-                <a:srgbClr val="ffffff"/>
-              </a:solidFill>
-              <a:latin typeface="Constantia"/>
+            <a:endParaRPr b="0" lang="en-IN" sz="3200" spc="-1" strike="noStrike">
+              <a:latin typeface="Arial"/>
             </a:endParaRPr>
           </a:p>
         </p:txBody>
@@ -999,7 +958,7 @@
       </p:grpSpPr>
       <p:sp>
         <p:nvSpPr>
-          <p:cNvPr id="56" name="PlaceHolder 1"/>
+          <p:cNvPr id="50" name="PlaceHolder 1"/>
           <p:cNvSpPr>
             <a:spLocks noGrp="1"/>
           </p:cNvSpPr>
@@ -1010,7 +969,7 @@
         <p:spPr>
           <a:xfrm>
             <a:off x="735120" y="1371600"/>
-            <a:ext cx="10820160" cy="1828440"/>
+            <a:ext cx="10819800" cy="1828080"/>
           </a:xfrm>
           <a:prstGeom prst="rect">
             <a:avLst/>
@@ -1019,18 +978,16 @@
         <p:txBody>
           <a:bodyPr lIns="0" rIns="0" tIns="0" bIns="0" anchor="ctr"/>
           <a:p>
-            <a:endParaRPr b="0" lang="en-US" sz="1800" spc="-1" strike="noStrike">
-              <a:solidFill>
-                <a:srgbClr val="ffffff"/>
-              </a:solidFill>
-              <a:latin typeface="Constantia"/>
-            </a:endParaRPr>
-          </a:p>
-        </p:txBody>
-      </p:sp>
-      <p:sp>
-        <p:nvSpPr>
-          <p:cNvPr id="57" name="PlaceHolder 2"/>
+            <a:pPr algn="ctr"/>
+            <a:endParaRPr b="0" lang="en-IN" sz="4400" spc="-1" strike="noStrike">
+              <a:latin typeface="Arial"/>
+            </a:endParaRPr>
+          </a:p>
+        </p:txBody>
+      </p:sp>
+      <p:sp>
+        <p:nvSpPr>
+          <p:cNvPr id="51" name="PlaceHolder 2"/>
           <p:cNvSpPr>
             <a:spLocks noGrp="1"/>
           </p:cNvSpPr>
@@ -1081,7 +1038,7 @@
       </p:grpSpPr>
       <p:sp>
         <p:nvSpPr>
-          <p:cNvPr id="58" name="PlaceHolder 1"/>
+          <p:cNvPr id="52" name="PlaceHolder 1"/>
           <p:cNvSpPr>
             <a:spLocks noGrp="1"/>
           </p:cNvSpPr>
@@ -1092,7 +1049,7 @@
         <p:spPr>
           <a:xfrm>
             <a:off x="735120" y="1371600"/>
-            <a:ext cx="10820160" cy="1828440"/>
+            <a:ext cx="10819800" cy="1828080"/>
           </a:xfrm>
           <a:prstGeom prst="rect">
             <a:avLst/>
@@ -1101,18 +1058,16 @@
         <p:txBody>
           <a:bodyPr lIns="0" rIns="0" tIns="0" bIns="0" anchor="ctr"/>
           <a:p>
-            <a:endParaRPr b="0" lang="en-US" sz="1800" spc="-1" strike="noStrike">
-              <a:solidFill>
-                <a:srgbClr val="ffffff"/>
-              </a:solidFill>
-              <a:latin typeface="Constantia"/>
-            </a:endParaRPr>
-          </a:p>
-        </p:txBody>
-      </p:sp>
-      <p:sp>
-        <p:nvSpPr>
-          <p:cNvPr id="59" name="PlaceHolder 2"/>
+            <a:pPr algn="ctr"/>
+            <a:endParaRPr b="0" lang="en-IN" sz="4400" spc="-1" strike="noStrike">
+              <a:latin typeface="Arial"/>
+            </a:endParaRPr>
+          </a:p>
+        </p:txBody>
+      </p:sp>
+      <p:sp>
+        <p:nvSpPr>
+          <p:cNvPr id="53" name="PlaceHolder 2"/>
           <p:cNvSpPr>
             <a:spLocks noGrp="1"/>
           </p:cNvSpPr>
@@ -1134,11 +1089,8 @@
             <a:normAutofit/>
           </a:bodyPr>
           <a:p>
-            <a:endParaRPr b="0" lang="en-US" sz="2600" spc="-1" strike="noStrike">
-              <a:solidFill>
-                <a:srgbClr val="ffffff"/>
-              </a:solidFill>
-              <a:latin typeface="Constantia"/>
+            <a:endParaRPr b="0" lang="en-IN" sz="3200" spc="-1" strike="noStrike">
+              <a:latin typeface="Arial"/>
             </a:endParaRPr>
           </a:p>
         </p:txBody>
@@ -1167,7 +1119,7 @@
       </p:grpSpPr>
       <p:sp>
         <p:nvSpPr>
-          <p:cNvPr id="60" name="PlaceHolder 1"/>
+          <p:cNvPr id="54" name="PlaceHolder 1"/>
           <p:cNvSpPr>
             <a:spLocks noGrp="1"/>
           </p:cNvSpPr>
@@ -1178,7 +1130,7 @@
         <p:spPr>
           <a:xfrm>
             <a:off x="735120" y="1371600"/>
-            <a:ext cx="10820160" cy="1828440"/>
+            <a:ext cx="10819800" cy="1828080"/>
           </a:xfrm>
           <a:prstGeom prst="rect">
             <a:avLst/>
@@ -1187,18 +1139,16 @@
         <p:txBody>
           <a:bodyPr lIns="0" rIns="0" tIns="0" bIns="0" anchor="ctr"/>
           <a:p>
-            <a:endParaRPr b="0" lang="en-US" sz="1800" spc="-1" strike="noStrike">
-              <a:solidFill>
-                <a:srgbClr val="ffffff"/>
-              </a:solidFill>
-              <a:latin typeface="Constantia"/>
-            </a:endParaRPr>
-          </a:p>
-        </p:txBody>
-      </p:sp>
-      <p:sp>
-        <p:nvSpPr>
-          <p:cNvPr id="61" name="PlaceHolder 2"/>
+            <a:pPr algn="ctr"/>
+            <a:endParaRPr b="0" lang="en-IN" sz="4400" spc="-1" strike="noStrike">
+              <a:latin typeface="Arial"/>
+            </a:endParaRPr>
+          </a:p>
+        </p:txBody>
+      </p:sp>
+      <p:sp>
+        <p:nvSpPr>
+          <p:cNvPr id="55" name="PlaceHolder 2"/>
           <p:cNvSpPr>
             <a:spLocks noGrp="1"/>
           </p:cNvSpPr>
@@ -1220,18 +1170,15 @@
             <a:normAutofit/>
           </a:bodyPr>
           <a:p>
-            <a:endParaRPr b="0" lang="en-US" sz="2600" spc="-1" strike="noStrike">
-              <a:solidFill>
-                <a:srgbClr val="ffffff"/>
-              </a:solidFill>
-              <a:latin typeface="Constantia"/>
-            </a:endParaRPr>
-          </a:p>
-        </p:txBody>
-      </p:sp>
-      <p:sp>
-        <p:nvSpPr>
-          <p:cNvPr id="62" name="PlaceHolder 3"/>
+            <a:endParaRPr b="0" lang="en-IN" sz="3200" spc="-1" strike="noStrike">
+              <a:latin typeface="Arial"/>
+            </a:endParaRPr>
+          </a:p>
+        </p:txBody>
+      </p:sp>
+      <p:sp>
+        <p:nvSpPr>
+          <p:cNvPr id="56" name="PlaceHolder 3"/>
           <p:cNvSpPr>
             <a:spLocks noGrp="1"/>
           </p:cNvSpPr>
@@ -1253,11 +1200,8 @@
             <a:normAutofit/>
           </a:bodyPr>
           <a:p>
-            <a:endParaRPr b="0" lang="en-US" sz="2600" spc="-1" strike="noStrike">
-              <a:solidFill>
-                <a:srgbClr val="ffffff"/>
-              </a:solidFill>
-              <a:latin typeface="Constantia"/>
+            <a:endParaRPr b="0" lang="en-IN" sz="3200" spc="-1" strike="noStrike">
+              <a:latin typeface="Arial"/>
             </a:endParaRPr>
           </a:p>
         </p:txBody>
@@ -1286,7 +1230,7 @@
       </p:grpSpPr>
       <p:sp>
         <p:nvSpPr>
-          <p:cNvPr id="63" name="PlaceHolder 1"/>
+          <p:cNvPr id="57" name="PlaceHolder 1"/>
           <p:cNvSpPr>
             <a:spLocks noGrp="1"/>
           </p:cNvSpPr>
@@ -1297,7 +1241,7 @@
         <p:spPr>
           <a:xfrm>
             <a:off x="735120" y="1371600"/>
-            <a:ext cx="10820160" cy="1828440"/>
+            <a:ext cx="10819800" cy="1828080"/>
           </a:xfrm>
           <a:prstGeom prst="rect">
             <a:avLst/>
@@ -1306,11 +1250,9 @@
         <p:txBody>
           <a:bodyPr lIns="0" rIns="0" tIns="0" bIns="0" anchor="ctr"/>
           <a:p>
-            <a:endParaRPr b="0" lang="en-US" sz="1800" spc="-1" strike="noStrike">
-              <a:solidFill>
-                <a:srgbClr val="ffffff"/>
-              </a:solidFill>
-              <a:latin typeface="Constantia"/>
+            <a:pPr algn="ctr"/>
+            <a:endParaRPr b="0" lang="en-IN" sz="4400" spc="-1" strike="noStrike">
+              <a:latin typeface="Arial"/>
             </a:endParaRPr>
           </a:p>
         </p:txBody>
@@ -1339,7 +1281,7 @@
       </p:grpSpPr>
       <p:sp>
         <p:nvSpPr>
-          <p:cNvPr id="64" name="PlaceHolder 1"/>
+          <p:cNvPr id="58" name="PlaceHolder 1"/>
           <p:cNvSpPr>
             <a:spLocks noGrp="1"/>
           </p:cNvSpPr>
@@ -1350,7 +1292,7 @@
         <p:spPr>
           <a:xfrm>
             <a:off x="735120" y="1371600"/>
-            <a:ext cx="10820160" cy="8476920"/>
+            <a:ext cx="10819800" cy="8475120"/>
           </a:xfrm>
           <a:prstGeom prst="rect">
             <a:avLst/>
@@ -1390,7 +1332,7 @@
       </p:grpSpPr>
       <p:sp>
         <p:nvSpPr>
-          <p:cNvPr id="65" name="PlaceHolder 1"/>
+          <p:cNvPr id="59" name="PlaceHolder 1"/>
           <p:cNvSpPr>
             <a:spLocks noGrp="1"/>
           </p:cNvSpPr>
@@ -1401,7 +1343,7 @@
         <p:spPr>
           <a:xfrm>
             <a:off x="735120" y="1371600"/>
-            <a:ext cx="10820160" cy="1828440"/>
+            <a:ext cx="10819800" cy="1828080"/>
           </a:xfrm>
           <a:prstGeom prst="rect">
             <a:avLst/>
@@ -1410,18 +1352,16 @@
         <p:txBody>
           <a:bodyPr lIns="0" rIns="0" tIns="0" bIns="0" anchor="ctr"/>
           <a:p>
-            <a:endParaRPr b="0" lang="en-US" sz="1800" spc="-1" strike="noStrike">
-              <a:solidFill>
-                <a:srgbClr val="ffffff"/>
-              </a:solidFill>
-              <a:latin typeface="Constantia"/>
-            </a:endParaRPr>
-          </a:p>
-        </p:txBody>
-      </p:sp>
-      <p:sp>
-        <p:nvSpPr>
-          <p:cNvPr id="66" name="PlaceHolder 2"/>
+            <a:pPr algn="ctr"/>
+            <a:endParaRPr b="0" lang="en-IN" sz="4400" spc="-1" strike="noStrike">
+              <a:latin typeface="Arial"/>
+            </a:endParaRPr>
+          </a:p>
+        </p:txBody>
+      </p:sp>
+      <p:sp>
+        <p:nvSpPr>
+          <p:cNvPr id="60" name="PlaceHolder 2"/>
           <p:cNvSpPr>
             <a:spLocks noGrp="1"/>
           </p:cNvSpPr>
@@ -1443,18 +1383,15 @@
             <a:normAutofit/>
           </a:bodyPr>
           <a:p>
-            <a:endParaRPr b="0" lang="en-US" sz="2600" spc="-1" strike="noStrike">
-              <a:solidFill>
-                <a:srgbClr val="ffffff"/>
-              </a:solidFill>
-              <a:latin typeface="Constantia"/>
-            </a:endParaRPr>
-          </a:p>
-        </p:txBody>
-      </p:sp>
-      <p:sp>
-        <p:nvSpPr>
-          <p:cNvPr id="67" name="PlaceHolder 3"/>
+            <a:endParaRPr b="0" lang="en-IN" sz="3200" spc="-1" strike="noStrike">
+              <a:latin typeface="Arial"/>
+            </a:endParaRPr>
+          </a:p>
+        </p:txBody>
+      </p:sp>
+      <p:sp>
+        <p:nvSpPr>
+          <p:cNvPr id="61" name="PlaceHolder 3"/>
           <p:cNvSpPr>
             <a:spLocks noGrp="1"/>
           </p:cNvSpPr>
@@ -1476,18 +1413,15 @@
             <a:normAutofit/>
           </a:bodyPr>
           <a:p>
-            <a:endParaRPr b="0" lang="en-US" sz="2600" spc="-1" strike="noStrike">
-              <a:solidFill>
-                <a:srgbClr val="ffffff"/>
-              </a:solidFill>
-              <a:latin typeface="Constantia"/>
-            </a:endParaRPr>
-          </a:p>
-        </p:txBody>
-      </p:sp>
-      <p:sp>
-        <p:nvSpPr>
-          <p:cNvPr id="68" name="PlaceHolder 4"/>
+            <a:endParaRPr b="0" lang="en-IN" sz="3200" spc="-1" strike="noStrike">
+              <a:latin typeface="Arial"/>
+            </a:endParaRPr>
+          </a:p>
+        </p:txBody>
+      </p:sp>
+      <p:sp>
+        <p:nvSpPr>
+          <p:cNvPr id="62" name="PlaceHolder 4"/>
           <p:cNvSpPr>
             <a:spLocks noGrp="1"/>
           </p:cNvSpPr>
@@ -1509,11 +1443,8 @@
             <a:normAutofit/>
           </a:bodyPr>
           <a:p>
-            <a:endParaRPr b="0" lang="en-US" sz="2600" spc="-1" strike="noStrike">
-              <a:solidFill>
-                <a:srgbClr val="ffffff"/>
-              </a:solidFill>
-              <a:latin typeface="Constantia"/>
+            <a:endParaRPr b="0" lang="en-IN" sz="3200" spc="-1" strike="noStrike">
+              <a:latin typeface="Arial"/>
             </a:endParaRPr>
           </a:p>
         </p:txBody>
@@ -1542,7 +1473,7 @@
       </p:grpSpPr>
       <p:sp>
         <p:nvSpPr>
-          <p:cNvPr id="10" name="PlaceHolder 1"/>
+          <p:cNvPr id="7" name="PlaceHolder 1"/>
           <p:cNvSpPr>
             <a:spLocks noGrp="1"/>
           </p:cNvSpPr>
@@ -1553,7 +1484,7 @@
         <p:spPr>
           <a:xfrm>
             <a:off x="735120" y="1371600"/>
-            <a:ext cx="10820160" cy="1828440"/>
+            <a:ext cx="10819800" cy="1828080"/>
           </a:xfrm>
           <a:prstGeom prst="rect">
             <a:avLst/>
@@ -1562,18 +1493,16 @@
         <p:txBody>
           <a:bodyPr lIns="0" rIns="0" tIns="0" bIns="0" anchor="ctr"/>
           <a:p>
-            <a:endParaRPr b="0" lang="en-US" sz="1800" spc="-1" strike="noStrike">
-              <a:solidFill>
-                <a:srgbClr val="ffffff"/>
-              </a:solidFill>
-              <a:latin typeface="Constantia"/>
-            </a:endParaRPr>
-          </a:p>
-        </p:txBody>
-      </p:sp>
-      <p:sp>
-        <p:nvSpPr>
-          <p:cNvPr id="11" name="PlaceHolder 2"/>
+            <a:pPr algn="ctr"/>
+            <a:endParaRPr b="0" lang="en-IN" sz="4400" spc="-1" strike="noStrike">
+              <a:latin typeface="Arial"/>
+            </a:endParaRPr>
+          </a:p>
+        </p:txBody>
+      </p:sp>
+      <p:sp>
+        <p:nvSpPr>
+          <p:cNvPr id="8" name="PlaceHolder 2"/>
           <p:cNvSpPr>
             <a:spLocks noGrp="1"/>
           </p:cNvSpPr>
@@ -1624,7 +1553,7 @@
       </p:grpSpPr>
       <p:sp>
         <p:nvSpPr>
-          <p:cNvPr id="69" name="PlaceHolder 1"/>
+          <p:cNvPr id="63" name="PlaceHolder 1"/>
           <p:cNvSpPr>
             <a:spLocks noGrp="1"/>
           </p:cNvSpPr>
@@ -1635,7 +1564,7 @@
         <p:spPr>
           <a:xfrm>
             <a:off x="735120" y="1371600"/>
-            <a:ext cx="10820160" cy="1828440"/>
+            <a:ext cx="10819800" cy="1828080"/>
           </a:xfrm>
           <a:prstGeom prst="rect">
             <a:avLst/>
@@ -1644,18 +1573,16 @@
         <p:txBody>
           <a:bodyPr lIns="0" rIns="0" tIns="0" bIns="0" anchor="ctr"/>
           <a:p>
-            <a:endParaRPr b="0" lang="en-US" sz="1800" spc="-1" strike="noStrike">
-              <a:solidFill>
-                <a:srgbClr val="ffffff"/>
-              </a:solidFill>
-              <a:latin typeface="Constantia"/>
-            </a:endParaRPr>
-          </a:p>
-        </p:txBody>
-      </p:sp>
-      <p:sp>
-        <p:nvSpPr>
-          <p:cNvPr id="70" name="PlaceHolder 2"/>
+            <a:pPr algn="ctr"/>
+            <a:endParaRPr b="0" lang="en-IN" sz="4400" spc="-1" strike="noStrike">
+              <a:latin typeface="Arial"/>
+            </a:endParaRPr>
+          </a:p>
+        </p:txBody>
+      </p:sp>
+      <p:sp>
+        <p:nvSpPr>
+          <p:cNvPr id="64" name="PlaceHolder 2"/>
           <p:cNvSpPr>
             <a:spLocks noGrp="1"/>
           </p:cNvSpPr>
@@ -1677,18 +1604,15 @@
             <a:normAutofit/>
           </a:bodyPr>
           <a:p>
-            <a:endParaRPr b="0" lang="en-US" sz="2600" spc="-1" strike="noStrike">
-              <a:solidFill>
-                <a:srgbClr val="ffffff"/>
-              </a:solidFill>
-              <a:latin typeface="Constantia"/>
-            </a:endParaRPr>
-          </a:p>
-        </p:txBody>
-      </p:sp>
-      <p:sp>
-        <p:nvSpPr>
-          <p:cNvPr id="71" name="PlaceHolder 3"/>
+            <a:endParaRPr b="0" lang="en-IN" sz="3200" spc="-1" strike="noStrike">
+              <a:latin typeface="Arial"/>
+            </a:endParaRPr>
+          </a:p>
+        </p:txBody>
+      </p:sp>
+      <p:sp>
+        <p:nvSpPr>
+          <p:cNvPr id="65" name="PlaceHolder 3"/>
           <p:cNvSpPr>
             <a:spLocks noGrp="1"/>
           </p:cNvSpPr>
@@ -1710,18 +1634,15 @@
             <a:normAutofit/>
           </a:bodyPr>
           <a:p>
-            <a:endParaRPr b="0" lang="en-US" sz="2600" spc="-1" strike="noStrike">
-              <a:solidFill>
-                <a:srgbClr val="ffffff"/>
-              </a:solidFill>
-              <a:latin typeface="Constantia"/>
-            </a:endParaRPr>
-          </a:p>
-        </p:txBody>
-      </p:sp>
-      <p:sp>
-        <p:nvSpPr>
-          <p:cNvPr id="72" name="PlaceHolder 4"/>
+            <a:endParaRPr b="0" lang="en-IN" sz="3200" spc="-1" strike="noStrike">
+              <a:latin typeface="Arial"/>
+            </a:endParaRPr>
+          </a:p>
+        </p:txBody>
+      </p:sp>
+      <p:sp>
+        <p:nvSpPr>
+          <p:cNvPr id="66" name="PlaceHolder 4"/>
           <p:cNvSpPr>
             <a:spLocks noGrp="1"/>
           </p:cNvSpPr>
@@ -1743,11 +1664,8 @@
             <a:normAutofit/>
           </a:bodyPr>
           <a:p>
-            <a:endParaRPr b="0" lang="en-US" sz="2600" spc="-1" strike="noStrike">
-              <a:solidFill>
-                <a:srgbClr val="ffffff"/>
-              </a:solidFill>
-              <a:latin typeface="Constantia"/>
+            <a:endParaRPr b="0" lang="en-IN" sz="3200" spc="-1" strike="noStrike">
+              <a:latin typeface="Arial"/>
             </a:endParaRPr>
           </a:p>
         </p:txBody>
@@ -1776,7 +1694,7 @@
       </p:grpSpPr>
       <p:sp>
         <p:nvSpPr>
-          <p:cNvPr id="73" name="PlaceHolder 1"/>
+          <p:cNvPr id="67" name="PlaceHolder 1"/>
           <p:cNvSpPr>
             <a:spLocks noGrp="1"/>
           </p:cNvSpPr>
@@ -1787,7 +1705,7 @@
         <p:spPr>
           <a:xfrm>
             <a:off x="735120" y="1371600"/>
-            <a:ext cx="10820160" cy="1828440"/>
+            <a:ext cx="10819800" cy="1828080"/>
           </a:xfrm>
           <a:prstGeom prst="rect">
             <a:avLst/>
@@ -1796,18 +1714,16 @@
         <p:txBody>
           <a:bodyPr lIns="0" rIns="0" tIns="0" bIns="0" anchor="ctr"/>
           <a:p>
-            <a:endParaRPr b="0" lang="en-US" sz="1800" spc="-1" strike="noStrike">
-              <a:solidFill>
-                <a:srgbClr val="ffffff"/>
-              </a:solidFill>
-              <a:latin typeface="Constantia"/>
-            </a:endParaRPr>
-          </a:p>
-        </p:txBody>
-      </p:sp>
-      <p:sp>
-        <p:nvSpPr>
-          <p:cNvPr id="74" name="PlaceHolder 2"/>
+            <a:pPr algn="ctr"/>
+            <a:endParaRPr b="0" lang="en-IN" sz="4400" spc="-1" strike="noStrike">
+              <a:latin typeface="Arial"/>
+            </a:endParaRPr>
+          </a:p>
+        </p:txBody>
+      </p:sp>
+      <p:sp>
+        <p:nvSpPr>
+          <p:cNvPr id="68" name="PlaceHolder 2"/>
           <p:cNvSpPr>
             <a:spLocks noGrp="1"/>
           </p:cNvSpPr>
@@ -1829,18 +1745,15 @@
             <a:normAutofit/>
           </a:bodyPr>
           <a:p>
-            <a:endParaRPr b="0" lang="en-US" sz="2600" spc="-1" strike="noStrike">
-              <a:solidFill>
-                <a:srgbClr val="ffffff"/>
-              </a:solidFill>
-              <a:latin typeface="Constantia"/>
-            </a:endParaRPr>
-          </a:p>
-        </p:txBody>
-      </p:sp>
-      <p:sp>
-        <p:nvSpPr>
-          <p:cNvPr id="75" name="PlaceHolder 3"/>
+            <a:endParaRPr b="0" lang="en-IN" sz="3200" spc="-1" strike="noStrike">
+              <a:latin typeface="Arial"/>
+            </a:endParaRPr>
+          </a:p>
+        </p:txBody>
+      </p:sp>
+      <p:sp>
+        <p:nvSpPr>
+          <p:cNvPr id="69" name="PlaceHolder 3"/>
           <p:cNvSpPr>
             <a:spLocks noGrp="1"/>
           </p:cNvSpPr>
@@ -1862,18 +1775,15 @@
             <a:normAutofit/>
           </a:bodyPr>
           <a:p>
-            <a:endParaRPr b="0" lang="en-US" sz="2600" spc="-1" strike="noStrike">
-              <a:solidFill>
-                <a:srgbClr val="ffffff"/>
-              </a:solidFill>
-              <a:latin typeface="Constantia"/>
-            </a:endParaRPr>
-          </a:p>
-        </p:txBody>
-      </p:sp>
-      <p:sp>
-        <p:nvSpPr>
-          <p:cNvPr id="76" name="PlaceHolder 4"/>
+            <a:endParaRPr b="0" lang="en-IN" sz="3200" spc="-1" strike="noStrike">
+              <a:latin typeface="Arial"/>
+            </a:endParaRPr>
+          </a:p>
+        </p:txBody>
+      </p:sp>
+      <p:sp>
+        <p:nvSpPr>
+          <p:cNvPr id="70" name="PlaceHolder 4"/>
           <p:cNvSpPr>
             <a:spLocks noGrp="1"/>
           </p:cNvSpPr>
@@ -1895,11 +1805,8 @@
             <a:normAutofit/>
           </a:bodyPr>
           <a:p>
-            <a:endParaRPr b="0" lang="en-US" sz="2600" spc="-1" strike="noStrike">
-              <a:solidFill>
-                <a:srgbClr val="ffffff"/>
-              </a:solidFill>
-              <a:latin typeface="Constantia"/>
+            <a:endParaRPr b="0" lang="en-IN" sz="3200" spc="-1" strike="noStrike">
+              <a:latin typeface="Arial"/>
             </a:endParaRPr>
           </a:p>
         </p:txBody>
@@ -1928,7 +1835,7 @@
       </p:grpSpPr>
       <p:sp>
         <p:nvSpPr>
-          <p:cNvPr id="77" name="PlaceHolder 1"/>
+          <p:cNvPr id="71" name="PlaceHolder 1"/>
           <p:cNvSpPr>
             <a:spLocks noGrp="1"/>
           </p:cNvSpPr>
@@ -1939,7 +1846,7 @@
         <p:spPr>
           <a:xfrm>
             <a:off x="735120" y="1371600"/>
-            <a:ext cx="10820160" cy="1828440"/>
+            <a:ext cx="10819800" cy="1828080"/>
           </a:xfrm>
           <a:prstGeom prst="rect">
             <a:avLst/>
@@ -1948,18 +1855,16 @@
         <p:txBody>
           <a:bodyPr lIns="0" rIns="0" tIns="0" bIns="0" anchor="ctr"/>
           <a:p>
-            <a:endParaRPr b="0" lang="en-US" sz="1800" spc="-1" strike="noStrike">
-              <a:solidFill>
-                <a:srgbClr val="ffffff"/>
-              </a:solidFill>
-              <a:latin typeface="Constantia"/>
-            </a:endParaRPr>
-          </a:p>
-        </p:txBody>
-      </p:sp>
-      <p:sp>
-        <p:nvSpPr>
-          <p:cNvPr id="78" name="PlaceHolder 2"/>
+            <a:pPr algn="ctr"/>
+            <a:endParaRPr b="0" lang="en-IN" sz="4400" spc="-1" strike="noStrike">
+              <a:latin typeface="Arial"/>
+            </a:endParaRPr>
+          </a:p>
+        </p:txBody>
+      </p:sp>
+      <p:sp>
+        <p:nvSpPr>
+          <p:cNvPr id="72" name="PlaceHolder 2"/>
           <p:cNvSpPr>
             <a:spLocks noGrp="1"/>
           </p:cNvSpPr>
@@ -1981,18 +1886,15 @@
             <a:normAutofit/>
           </a:bodyPr>
           <a:p>
-            <a:endParaRPr b="0" lang="en-US" sz="2600" spc="-1" strike="noStrike">
-              <a:solidFill>
-                <a:srgbClr val="ffffff"/>
-              </a:solidFill>
-              <a:latin typeface="Constantia"/>
-            </a:endParaRPr>
-          </a:p>
-        </p:txBody>
-      </p:sp>
-      <p:sp>
-        <p:nvSpPr>
-          <p:cNvPr id="79" name="PlaceHolder 3"/>
+            <a:endParaRPr b="0" lang="en-IN" sz="3200" spc="-1" strike="noStrike">
+              <a:latin typeface="Arial"/>
+            </a:endParaRPr>
+          </a:p>
+        </p:txBody>
+      </p:sp>
+      <p:sp>
+        <p:nvSpPr>
+          <p:cNvPr id="73" name="PlaceHolder 3"/>
           <p:cNvSpPr>
             <a:spLocks noGrp="1"/>
           </p:cNvSpPr>
@@ -2014,11 +1916,8 @@
             <a:normAutofit/>
           </a:bodyPr>
           <a:p>
-            <a:endParaRPr b="0" lang="en-US" sz="2600" spc="-1" strike="noStrike">
-              <a:solidFill>
-                <a:srgbClr val="ffffff"/>
-              </a:solidFill>
-              <a:latin typeface="Constantia"/>
+            <a:endParaRPr b="0" lang="en-IN" sz="3200" spc="-1" strike="noStrike">
+              <a:latin typeface="Arial"/>
             </a:endParaRPr>
           </a:p>
         </p:txBody>
@@ -2047,7 +1946,7 @@
       </p:grpSpPr>
       <p:sp>
         <p:nvSpPr>
-          <p:cNvPr id="80" name="PlaceHolder 1"/>
+          <p:cNvPr id="74" name="PlaceHolder 1"/>
           <p:cNvSpPr>
             <a:spLocks noGrp="1"/>
           </p:cNvSpPr>
@@ -2058,7 +1957,7 @@
         <p:spPr>
           <a:xfrm>
             <a:off x="735120" y="1371600"/>
-            <a:ext cx="10820160" cy="1828440"/>
+            <a:ext cx="10819800" cy="1828080"/>
           </a:xfrm>
           <a:prstGeom prst="rect">
             <a:avLst/>
@@ -2067,18 +1966,16 @@
         <p:txBody>
           <a:bodyPr lIns="0" rIns="0" tIns="0" bIns="0" anchor="ctr"/>
           <a:p>
-            <a:endParaRPr b="0" lang="en-US" sz="1800" spc="-1" strike="noStrike">
-              <a:solidFill>
-                <a:srgbClr val="ffffff"/>
-              </a:solidFill>
-              <a:latin typeface="Constantia"/>
-            </a:endParaRPr>
-          </a:p>
-        </p:txBody>
-      </p:sp>
-      <p:sp>
-        <p:nvSpPr>
-          <p:cNvPr id="81" name="PlaceHolder 2"/>
+            <a:pPr algn="ctr"/>
+            <a:endParaRPr b="0" lang="en-IN" sz="4400" spc="-1" strike="noStrike">
+              <a:latin typeface="Arial"/>
+            </a:endParaRPr>
+          </a:p>
+        </p:txBody>
+      </p:sp>
+      <p:sp>
+        <p:nvSpPr>
+          <p:cNvPr id="75" name="PlaceHolder 2"/>
           <p:cNvSpPr>
             <a:spLocks noGrp="1"/>
           </p:cNvSpPr>
@@ -2100,18 +1997,15 @@
             <a:normAutofit/>
           </a:bodyPr>
           <a:p>
-            <a:endParaRPr b="0" lang="en-US" sz="2600" spc="-1" strike="noStrike">
-              <a:solidFill>
-                <a:srgbClr val="ffffff"/>
-              </a:solidFill>
-              <a:latin typeface="Constantia"/>
-            </a:endParaRPr>
-          </a:p>
-        </p:txBody>
-      </p:sp>
-      <p:sp>
-        <p:nvSpPr>
-          <p:cNvPr id="82" name="PlaceHolder 3"/>
+            <a:endParaRPr b="0" lang="en-IN" sz="3200" spc="-1" strike="noStrike">
+              <a:latin typeface="Arial"/>
+            </a:endParaRPr>
+          </a:p>
+        </p:txBody>
+      </p:sp>
+      <p:sp>
+        <p:nvSpPr>
+          <p:cNvPr id="76" name="PlaceHolder 3"/>
           <p:cNvSpPr>
             <a:spLocks noGrp="1"/>
           </p:cNvSpPr>
@@ -2133,18 +2027,15 @@
             <a:normAutofit/>
           </a:bodyPr>
           <a:p>
-            <a:endParaRPr b="0" lang="en-US" sz="2600" spc="-1" strike="noStrike">
-              <a:solidFill>
-                <a:srgbClr val="ffffff"/>
-              </a:solidFill>
-              <a:latin typeface="Constantia"/>
-            </a:endParaRPr>
-          </a:p>
-        </p:txBody>
-      </p:sp>
-      <p:sp>
-        <p:nvSpPr>
-          <p:cNvPr id="83" name="PlaceHolder 4"/>
+            <a:endParaRPr b="0" lang="en-IN" sz="3200" spc="-1" strike="noStrike">
+              <a:latin typeface="Arial"/>
+            </a:endParaRPr>
+          </a:p>
+        </p:txBody>
+      </p:sp>
+      <p:sp>
+        <p:nvSpPr>
+          <p:cNvPr id="77" name="PlaceHolder 4"/>
           <p:cNvSpPr>
             <a:spLocks noGrp="1"/>
           </p:cNvSpPr>
@@ -2166,18 +2057,15 @@
             <a:normAutofit/>
           </a:bodyPr>
           <a:p>
-            <a:endParaRPr b="0" lang="en-US" sz="2600" spc="-1" strike="noStrike">
-              <a:solidFill>
-                <a:srgbClr val="ffffff"/>
-              </a:solidFill>
-              <a:latin typeface="Constantia"/>
-            </a:endParaRPr>
-          </a:p>
-        </p:txBody>
-      </p:sp>
-      <p:sp>
-        <p:nvSpPr>
-          <p:cNvPr id="84" name="PlaceHolder 5"/>
+            <a:endParaRPr b="0" lang="en-IN" sz="3200" spc="-1" strike="noStrike">
+              <a:latin typeface="Arial"/>
+            </a:endParaRPr>
+          </a:p>
+        </p:txBody>
+      </p:sp>
+      <p:sp>
+        <p:nvSpPr>
+          <p:cNvPr id="78" name="PlaceHolder 5"/>
           <p:cNvSpPr>
             <a:spLocks noGrp="1"/>
           </p:cNvSpPr>
@@ -2199,11 +2087,8 @@
             <a:normAutofit/>
           </a:bodyPr>
           <a:p>
-            <a:endParaRPr b="0" lang="en-US" sz="2600" spc="-1" strike="noStrike">
-              <a:solidFill>
-                <a:srgbClr val="ffffff"/>
-              </a:solidFill>
-              <a:latin typeface="Constantia"/>
+            <a:endParaRPr b="0" lang="en-IN" sz="3200" spc="-1" strike="noStrike">
+              <a:latin typeface="Arial"/>
             </a:endParaRPr>
           </a:p>
         </p:txBody>
@@ -2232,7 +2117,7 @@
       </p:grpSpPr>
       <p:sp>
         <p:nvSpPr>
-          <p:cNvPr id="85" name="PlaceHolder 1"/>
+          <p:cNvPr id="79" name="PlaceHolder 1"/>
           <p:cNvSpPr>
             <a:spLocks noGrp="1"/>
           </p:cNvSpPr>
@@ -2243,7 +2128,7 @@
         <p:spPr>
           <a:xfrm>
             <a:off x="735120" y="1371600"/>
-            <a:ext cx="10820160" cy="1828440"/>
+            <a:ext cx="10819800" cy="1828080"/>
           </a:xfrm>
           <a:prstGeom prst="rect">
             <a:avLst/>
@@ -2252,18 +2137,16 @@
         <p:txBody>
           <a:bodyPr lIns="0" rIns="0" tIns="0" bIns="0" anchor="ctr"/>
           <a:p>
-            <a:endParaRPr b="0" lang="en-US" sz="1800" spc="-1" strike="noStrike">
-              <a:solidFill>
-                <a:srgbClr val="ffffff"/>
-              </a:solidFill>
-              <a:latin typeface="Constantia"/>
-            </a:endParaRPr>
-          </a:p>
-        </p:txBody>
-      </p:sp>
-      <p:sp>
-        <p:nvSpPr>
-          <p:cNvPr id="86" name="PlaceHolder 2"/>
+            <a:pPr algn="ctr"/>
+            <a:endParaRPr b="0" lang="en-IN" sz="4400" spc="-1" strike="noStrike">
+              <a:latin typeface="Arial"/>
+            </a:endParaRPr>
+          </a:p>
+        </p:txBody>
+      </p:sp>
+      <p:sp>
+        <p:nvSpPr>
+          <p:cNvPr id="80" name="PlaceHolder 2"/>
           <p:cNvSpPr>
             <a:spLocks noGrp="1"/>
           </p:cNvSpPr>
@@ -2285,18 +2168,15 @@
             <a:normAutofit/>
           </a:bodyPr>
           <a:p>
-            <a:endParaRPr b="0" lang="en-US" sz="2600" spc="-1" strike="noStrike">
-              <a:solidFill>
-                <a:srgbClr val="ffffff"/>
-              </a:solidFill>
-              <a:latin typeface="Constantia"/>
-            </a:endParaRPr>
-          </a:p>
-        </p:txBody>
-      </p:sp>
-      <p:sp>
-        <p:nvSpPr>
-          <p:cNvPr id="87" name="PlaceHolder 3"/>
+            <a:endParaRPr b="0" lang="en-IN" sz="3200" spc="-1" strike="noStrike">
+              <a:latin typeface="Arial"/>
+            </a:endParaRPr>
+          </a:p>
+        </p:txBody>
+      </p:sp>
+      <p:sp>
+        <p:nvSpPr>
+          <p:cNvPr id="81" name="PlaceHolder 3"/>
           <p:cNvSpPr>
             <a:spLocks noGrp="1"/>
           </p:cNvSpPr>
@@ -2318,18 +2198,15 @@
             <a:normAutofit/>
           </a:bodyPr>
           <a:p>
-            <a:endParaRPr b="0" lang="en-US" sz="2600" spc="-1" strike="noStrike">
-              <a:solidFill>
-                <a:srgbClr val="ffffff"/>
-              </a:solidFill>
-              <a:latin typeface="Constantia"/>
-            </a:endParaRPr>
-          </a:p>
-        </p:txBody>
-      </p:sp>
-      <p:sp>
-        <p:nvSpPr>
-          <p:cNvPr id="88" name="PlaceHolder 4"/>
+            <a:endParaRPr b="0" lang="en-IN" sz="3200" spc="-1" strike="noStrike">
+              <a:latin typeface="Arial"/>
+            </a:endParaRPr>
+          </a:p>
+        </p:txBody>
+      </p:sp>
+      <p:sp>
+        <p:nvSpPr>
+          <p:cNvPr id="82" name="PlaceHolder 4"/>
           <p:cNvSpPr>
             <a:spLocks noGrp="1"/>
           </p:cNvSpPr>
@@ -2351,18 +2228,15 @@
             <a:normAutofit/>
           </a:bodyPr>
           <a:p>
-            <a:endParaRPr b="0" lang="en-US" sz="2600" spc="-1" strike="noStrike">
-              <a:solidFill>
-                <a:srgbClr val="ffffff"/>
-              </a:solidFill>
-              <a:latin typeface="Constantia"/>
-            </a:endParaRPr>
-          </a:p>
-        </p:txBody>
-      </p:sp>
-      <p:sp>
-        <p:nvSpPr>
-          <p:cNvPr id="89" name="PlaceHolder 5"/>
+            <a:endParaRPr b="0" lang="en-IN" sz="3200" spc="-1" strike="noStrike">
+              <a:latin typeface="Arial"/>
+            </a:endParaRPr>
+          </a:p>
+        </p:txBody>
+      </p:sp>
+      <p:sp>
+        <p:nvSpPr>
+          <p:cNvPr id="83" name="PlaceHolder 5"/>
           <p:cNvSpPr>
             <a:spLocks noGrp="1"/>
           </p:cNvSpPr>
@@ -2384,18 +2258,15 @@
             <a:normAutofit/>
           </a:bodyPr>
           <a:p>
-            <a:endParaRPr b="0" lang="en-US" sz="2600" spc="-1" strike="noStrike">
-              <a:solidFill>
-                <a:srgbClr val="ffffff"/>
-              </a:solidFill>
-              <a:latin typeface="Constantia"/>
-            </a:endParaRPr>
-          </a:p>
-        </p:txBody>
-      </p:sp>
-      <p:sp>
-        <p:nvSpPr>
-          <p:cNvPr id="90" name="PlaceHolder 6"/>
+            <a:endParaRPr b="0" lang="en-IN" sz="3200" spc="-1" strike="noStrike">
+              <a:latin typeface="Arial"/>
+            </a:endParaRPr>
+          </a:p>
+        </p:txBody>
+      </p:sp>
+      <p:sp>
+        <p:nvSpPr>
+          <p:cNvPr id="84" name="PlaceHolder 6"/>
           <p:cNvSpPr>
             <a:spLocks noGrp="1"/>
           </p:cNvSpPr>
@@ -2417,18 +2288,15 @@
             <a:normAutofit/>
           </a:bodyPr>
           <a:p>
-            <a:endParaRPr b="0" lang="en-US" sz="2600" spc="-1" strike="noStrike">
-              <a:solidFill>
-                <a:srgbClr val="ffffff"/>
-              </a:solidFill>
-              <a:latin typeface="Constantia"/>
-            </a:endParaRPr>
-          </a:p>
-        </p:txBody>
-      </p:sp>
-      <p:sp>
-        <p:nvSpPr>
-          <p:cNvPr id="91" name="PlaceHolder 7"/>
+            <a:endParaRPr b="0" lang="en-IN" sz="3200" spc="-1" strike="noStrike">
+              <a:latin typeface="Arial"/>
+            </a:endParaRPr>
+          </a:p>
+        </p:txBody>
+      </p:sp>
+      <p:sp>
+        <p:nvSpPr>
+          <p:cNvPr id="85" name="PlaceHolder 7"/>
           <p:cNvSpPr>
             <a:spLocks noGrp="1"/>
           </p:cNvSpPr>
@@ -2450,11 +2318,8 @@
             <a:normAutofit/>
           </a:bodyPr>
           <a:p>
-            <a:endParaRPr b="0" lang="en-US" sz="2600" spc="-1" strike="noStrike">
-              <a:solidFill>
-                <a:srgbClr val="ffffff"/>
-              </a:solidFill>
-              <a:latin typeface="Constantia"/>
+            <a:endParaRPr b="0" lang="en-IN" sz="3200" spc="-1" strike="noStrike">
+              <a:latin typeface="Arial"/>
             </a:endParaRPr>
           </a:p>
         </p:txBody>
@@ -2505,7 +2370,7 @@
       </p:grpSpPr>
       <p:sp>
         <p:nvSpPr>
-          <p:cNvPr id="102" name="PlaceHolder 1"/>
+          <p:cNvPr id="93" name="PlaceHolder 1"/>
           <p:cNvSpPr>
             <a:spLocks noGrp="1"/>
           </p:cNvSpPr>
@@ -2516,7 +2381,7 @@
         <p:spPr>
           <a:xfrm>
             <a:off x="735120" y="1371600"/>
-            <a:ext cx="10820160" cy="1828440"/>
+            <a:ext cx="10819800" cy="1828080"/>
           </a:xfrm>
           <a:prstGeom prst="rect">
             <a:avLst/>
@@ -2525,18 +2390,16 @@
         <p:txBody>
           <a:bodyPr lIns="0" rIns="0" tIns="0" bIns="0" anchor="ctr"/>
           <a:p>
-            <a:endParaRPr b="0" lang="en-US" sz="1800" spc="-1" strike="noStrike">
-              <a:solidFill>
-                <a:srgbClr val="ffffff"/>
-              </a:solidFill>
-              <a:latin typeface="Constantia"/>
-            </a:endParaRPr>
-          </a:p>
-        </p:txBody>
-      </p:sp>
-      <p:sp>
-        <p:nvSpPr>
-          <p:cNvPr id="103" name="PlaceHolder 2"/>
+            <a:pPr algn="ctr"/>
+            <a:endParaRPr b="0" lang="en-IN" sz="4400" spc="-1" strike="noStrike">
+              <a:latin typeface="Arial"/>
+            </a:endParaRPr>
+          </a:p>
+        </p:txBody>
+      </p:sp>
+      <p:sp>
+        <p:nvSpPr>
+          <p:cNvPr id="94" name="PlaceHolder 2"/>
           <p:cNvSpPr>
             <a:spLocks noGrp="1"/>
           </p:cNvSpPr>
@@ -2587,7 +2450,7 @@
       </p:grpSpPr>
       <p:sp>
         <p:nvSpPr>
-          <p:cNvPr id="104" name="PlaceHolder 1"/>
+          <p:cNvPr id="95" name="PlaceHolder 1"/>
           <p:cNvSpPr>
             <a:spLocks noGrp="1"/>
           </p:cNvSpPr>
@@ -2598,7 +2461,7 @@
         <p:spPr>
           <a:xfrm>
             <a:off x="735120" y="1371600"/>
-            <a:ext cx="10820160" cy="1828440"/>
+            <a:ext cx="10819800" cy="1828080"/>
           </a:xfrm>
           <a:prstGeom prst="rect">
             <a:avLst/>
@@ -2607,18 +2470,16 @@
         <p:txBody>
           <a:bodyPr lIns="0" rIns="0" tIns="0" bIns="0" anchor="ctr"/>
           <a:p>
-            <a:endParaRPr b="0" lang="en-US" sz="1800" spc="-1" strike="noStrike">
-              <a:solidFill>
-                <a:srgbClr val="ffffff"/>
-              </a:solidFill>
-              <a:latin typeface="Constantia"/>
-            </a:endParaRPr>
-          </a:p>
-        </p:txBody>
-      </p:sp>
-      <p:sp>
-        <p:nvSpPr>
-          <p:cNvPr id="105" name="PlaceHolder 2"/>
+            <a:pPr algn="ctr"/>
+            <a:endParaRPr b="0" lang="en-IN" sz="4400" spc="-1" strike="noStrike">
+              <a:latin typeface="Arial"/>
+            </a:endParaRPr>
+          </a:p>
+        </p:txBody>
+      </p:sp>
+      <p:sp>
+        <p:nvSpPr>
+          <p:cNvPr id="96" name="PlaceHolder 2"/>
           <p:cNvSpPr>
             <a:spLocks noGrp="1"/>
           </p:cNvSpPr>
@@ -2640,11 +2501,8 @@
             <a:normAutofit/>
           </a:bodyPr>
           <a:p>
-            <a:endParaRPr b="0" lang="en-US" sz="2600" spc="-1" strike="noStrike">
-              <a:solidFill>
-                <a:srgbClr val="ffffff"/>
-              </a:solidFill>
-              <a:latin typeface="Constantia"/>
+            <a:endParaRPr b="0" lang="en-IN" sz="3200" spc="-1" strike="noStrike">
+              <a:latin typeface="Arial"/>
             </a:endParaRPr>
           </a:p>
         </p:txBody>
@@ -2673,7 +2531,7 @@
       </p:grpSpPr>
       <p:sp>
         <p:nvSpPr>
-          <p:cNvPr id="106" name="PlaceHolder 1"/>
+          <p:cNvPr id="97" name="PlaceHolder 1"/>
           <p:cNvSpPr>
             <a:spLocks noGrp="1"/>
           </p:cNvSpPr>
@@ -2684,7 +2542,7 @@
         <p:spPr>
           <a:xfrm>
             <a:off x="735120" y="1371600"/>
-            <a:ext cx="10820160" cy="1828440"/>
+            <a:ext cx="10819800" cy="1828080"/>
           </a:xfrm>
           <a:prstGeom prst="rect">
             <a:avLst/>
@@ -2693,18 +2551,16 @@
         <p:txBody>
           <a:bodyPr lIns="0" rIns="0" tIns="0" bIns="0" anchor="ctr"/>
           <a:p>
-            <a:endParaRPr b="0" lang="en-US" sz="1800" spc="-1" strike="noStrike">
-              <a:solidFill>
-                <a:srgbClr val="ffffff"/>
-              </a:solidFill>
-              <a:latin typeface="Constantia"/>
-            </a:endParaRPr>
-          </a:p>
-        </p:txBody>
-      </p:sp>
-      <p:sp>
-        <p:nvSpPr>
-          <p:cNvPr id="107" name="PlaceHolder 2"/>
+            <a:pPr algn="ctr"/>
+            <a:endParaRPr b="0" lang="en-IN" sz="4400" spc="-1" strike="noStrike">
+              <a:latin typeface="Arial"/>
+            </a:endParaRPr>
+          </a:p>
+        </p:txBody>
+      </p:sp>
+      <p:sp>
+        <p:nvSpPr>
+          <p:cNvPr id="98" name="PlaceHolder 2"/>
           <p:cNvSpPr>
             <a:spLocks noGrp="1"/>
           </p:cNvSpPr>
@@ -2726,18 +2582,15 @@
             <a:normAutofit/>
           </a:bodyPr>
           <a:p>
-            <a:endParaRPr b="0" lang="en-US" sz="2600" spc="-1" strike="noStrike">
-              <a:solidFill>
-                <a:srgbClr val="ffffff"/>
-              </a:solidFill>
-              <a:latin typeface="Constantia"/>
-            </a:endParaRPr>
-          </a:p>
-        </p:txBody>
-      </p:sp>
-      <p:sp>
-        <p:nvSpPr>
-          <p:cNvPr id="108" name="PlaceHolder 3"/>
+            <a:endParaRPr b="0" lang="en-IN" sz="3200" spc="-1" strike="noStrike">
+              <a:latin typeface="Arial"/>
+            </a:endParaRPr>
+          </a:p>
+        </p:txBody>
+      </p:sp>
+      <p:sp>
+        <p:nvSpPr>
+          <p:cNvPr id="99" name="PlaceHolder 3"/>
           <p:cNvSpPr>
             <a:spLocks noGrp="1"/>
           </p:cNvSpPr>
@@ -2759,11 +2612,8 @@
             <a:normAutofit/>
           </a:bodyPr>
           <a:p>
-            <a:endParaRPr b="0" lang="en-US" sz="2600" spc="-1" strike="noStrike">
-              <a:solidFill>
-                <a:srgbClr val="ffffff"/>
-              </a:solidFill>
-              <a:latin typeface="Constantia"/>
+            <a:endParaRPr b="0" lang="en-IN" sz="3200" spc="-1" strike="noStrike">
+              <a:latin typeface="Arial"/>
             </a:endParaRPr>
           </a:p>
         </p:txBody>
@@ -2792,7 +2642,7 @@
       </p:grpSpPr>
       <p:sp>
         <p:nvSpPr>
-          <p:cNvPr id="109" name="PlaceHolder 1"/>
+          <p:cNvPr id="100" name="PlaceHolder 1"/>
           <p:cNvSpPr>
             <a:spLocks noGrp="1"/>
           </p:cNvSpPr>
@@ -2803,7 +2653,7 @@
         <p:spPr>
           <a:xfrm>
             <a:off x="735120" y="1371600"/>
-            <a:ext cx="10820160" cy="1828440"/>
+            <a:ext cx="10819800" cy="1828080"/>
           </a:xfrm>
           <a:prstGeom prst="rect">
             <a:avLst/>
@@ -2812,11 +2662,9 @@
         <p:txBody>
           <a:bodyPr lIns="0" rIns="0" tIns="0" bIns="0" anchor="ctr"/>
           <a:p>
-            <a:endParaRPr b="0" lang="en-US" sz="1800" spc="-1" strike="noStrike">
-              <a:solidFill>
-                <a:srgbClr val="ffffff"/>
-              </a:solidFill>
-              <a:latin typeface="Constantia"/>
+            <a:pPr algn="ctr"/>
+            <a:endParaRPr b="0" lang="en-IN" sz="4400" spc="-1" strike="noStrike">
+              <a:latin typeface="Arial"/>
             </a:endParaRPr>
           </a:p>
         </p:txBody>
@@ -2845,7 +2693,7 @@
       </p:grpSpPr>
       <p:sp>
         <p:nvSpPr>
-          <p:cNvPr id="12" name="PlaceHolder 1"/>
+          <p:cNvPr id="9" name="PlaceHolder 1"/>
           <p:cNvSpPr>
             <a:spLocks noGrp="1"/>
           </p:cNvSpPr>
@@ -2856,7 +2704,7 @@
         <p:spPr>
           <a:xfrm>
             <a:off x="735120" y="1371600"/>
-            <a:ext cx="10820160" cy="1828440"/>
+            <a:ext cx="10819800" cy="1828080"/>
           </a:xfrm>
           <a:prstGeom prst="rect">
             <a:avLst/>
@@ -2865,18 +2713,16 @@
         <p:txBody>
           <a:bodyPr lIns="0" rIns="0" tIns="0" bIns="0" anchor="ctr"/>
           <a:p>
-            <a:endParaRPr b="0" lang="en-US" sz="1800" spc="-1" strike="noStrike">
-              <a:solidFill>
-                <a:srgbClr val="ffffff"/>
-              </a:solidFill>
-              <a:latin typeface="Constantia"/>
-            </a:endParaRPr>
-          </a:p>
-        </p:txBody>
-      </p:sp>
-      <p:sp>
-        <p:nvSpPr>
-          <p:cNvPr id="13" name="PlaceHolder 2"/>
+            <a:pPr algn="ctr"/>
+            <a:endParaRPr b="0" lang="en-IN" sz="4400" spc="-1" strike="noStrike">
+              <a:latin typeface="Arial"/>
+            </a:endParaRPr>
+          </a:p>
+        </p:txBody>
+      </p:sp>
+      <p:sp>
+        <p:nvSpPr>
+          <p:cNvPr id="10" name="PlaceHolder 2"/>
           <p:cNvSpPr>
             <a:spLocks noGrp="1"/>
           </p:cNvSpPr>
@@ -2898,11 +2744,8 @@
             <a:normAutofit/>
           </a:bodyPr>
           <a:p>
-            <a:endParaRPr b="0" lang="en-US" sz="2600" spc="-1" strike="noStrike">
-              <a:solidFill>
-                <a:srgbClr val="ffffff"/>
-              </a:solidFill>
-              <a:latin typeface="Constantia"/>
+            <a:endParaRPr b="0" lang="en-IN" sz="3200" spc="-1" strike="noStrike">
+              <a:latin typeface="Arial"/>
             </a:endParaRPr>
           </a:p>
         </p:txBody>
@@ -2931,7 +2774,7 @@
       </p:grpSpPr>
       <p:sp>
         <p:nvSpPr>
-          <p:cNvPr id="110" name="PlaceHolder 1"/>
+          <p:cNvPr id="101" name="PlaceHolder 1"/>
           <p:cNvSpPr>
             <a:spLocks noGrp="1"/>
           </p:cNvSpPr>
@@ -2942,7 +2785,7 @@
         <p:spPr>
           <a:xfrm>
             <a:off x="735120" y="1371600"/>
-            <a:ext cx="10820160" cy="8476920"/>
+            <a:ext cx="10819800" cy="8475120"/>
           </a:xfrm>
           <a:prstGeom prst="rect">
             <a:avLst/>
@@ -2982,7 +2825,7 @@
       </p:grpSpPr>
       <p:sp>
         <p:nvSpPr>
-          <p:cNvPr id="111" name="PlaceHolder 1"/>
+          <p:cNvPr id="102" name="PlaceHolder 1"/>
           <p:cNvSpPr>
             <a:spLocks noGrp="1"/>
           </p:cNvSpPr>
@@ -2993,7 +2836,7 @@
         <p:spPr>
           <a:xfrm>
             <a:off x="735120" y="1371600"/>
-            <a:ext cx="10820160" cy="1828440"/>
+            <a:ext cx="10819800" cy="1828080"/>
           </a:xfrm>
           <a:prstGeom prst="rect">
             <a:avLst/>
@@ -3002,18 +2845,16 @@
         <p:txBody>
           <a:bodyPr lIns="0" rIns="0" tIns="0" bIns="0" anchor="ctr"/>
           <a:p>
-            <a:endParaRPr b="0" lang="en-US" sz="1800" spc="-1" strike="noStrike">
-              <a:solidFill>
-                <a:srgbClr val="ffffff"/>
-              </a:solidFill>
-              <a:latin typeface="Constantia"/>
-            </a:endParaRPr>
-          </a:p>
-        </p:txBody>
-      </p:sp>
-      <p:sp>
-        <p:nvSpPr>
-          <p:cNvPr id="112" name="PlaceHolder 2"/>
+            <a:pPr algn="ctr"/>
+            <a:endParaRPr b="0" lang="en-IN" sz="4400" spc="-1" strike="noStrike">
+              <a:latin typeface="Arial"/>
+            </a:endParaRPr>
+          </a:p>
+        </p:txBody>
+      </p:sp>
+      <p:sp>
+        <p:nvSpPr>
+          <p:cNvPr id="103" name="PlaceHolder 2"/>
           <p:cNvSpPr>
             <a:spLocks noGrp="1"/>
           </p:cNvSpPr>
@@ -3035,18 +2876,15 @@
             <a:normAutofit/>
           </a:bodyPr>
           <a:p>
-            <a:endParaRPr b="0" lang="en-US" sz="2600" spc="-1" strike="noStrike">
-              <a:solidFill>
-                <a:srgbClr val="ffffff"/>
-              </a:solidFill>
-              <a:latin typeface="Constantia"/>
-            </a:endParaRPr>
-          </a:p>
-        </p:txBody>
-      </p:sp>
-      <p:sp>
-        <p:nvSpPr>
-          <p:cNvPr id="113" name="PlaceHolder 3"/>
+            <a:endParaRPr b="0" lang="en-IN" sz="3200" spc="-1" strike="noStrike">
+              <a:latin typeface="Arial"/>
+            </a:endParaRPr>
+          </a:p>
+        </p:txBody>
+      </p:sp>
+      <p:sp>
+        <p:nvSpPr>
+          <p:cNvPr id="104" name="PlaceHolder 3"/>
           <p:cNvSpPr>
             <a:spLocks noGrp="1"/>
           </p:cNvSpPr>
@@ -3068,18 +2906,15 @@
             <a:normAutofit/>
           </a:bodyPr>
           <a:p>
-            <a:endParaRPr b="0" lang="en-US" sz="2600" spc="-1" strike="noStrike">
-              <a:solidFill>
-                <a:srgbClr val="ffffff"/>
-              </a:solidFill>
-              <a:latin typeface="Constantia"/>
-            </a:endParaRPr>
-          </a:p>
-        </p:txBody>
-      </p:sp>
-      <p:sp>
-        <p:nvSpPr>
-          <p:cNvPr id="114" name="PlaceHolder 4"/>
+            <a:endParaRPr b="0" lang="en-IN" sz="3200" spc="-1" strike="noStrike">
+              <a:latin typeface="Arial"/>
+            </a:endParaRPr>
+          </a:p>
+        </p:txBody>
+      </p:sp>
+      <p:sp>
+        <p:nvSpPr>
+          <p:cNvPr id="105" name="PlaceHolder 4"/>
           <p:cNvSpPr>
             <a:spLocks noGrp="1"/>
           </p:cNvSpPr>
@@ -3101,11 +2936,8 @@
             <a:normAutofit/>
           </a:bodyPr>
           <a:p>
-            <a:endParaRPr b="0" lang="en-US" sz="2600" spc="-1" strike="noStrike">
-              <a:solidFill>
-                <a:srgbClr val="ffffff"/>
-              </a:solidFill>
-              <a:latin typeface="Constantia"/>
+            <a:endParaRPr b="0" lang="en-IN" sz="3200" spc="-1" strike="noStrike">
+              <a:latin typeface="Arial"/>
             </a:endParaRPr>
           </a:p>
         </p:txBody>
@@ -3134,7 +2966,7 @@
       </p:grpSpPr>
       <p:sp>
         <p:nvSpPr>
-          <p:cNvPr id="115" name="PlaceHolder 1"/>
+          <p:cNvPr id="106" name="PlaceHolder 1"/>
           <p:cNvSpPr>
             <a:spLocks noGrp="1"/>
           </p:cNvSpPr>
@@ -3145,7 +2977,7 @@
         <p:spPr>
           <a:xfrm>
             <a:off x="735120" y="1371600"/>
-            <a:ext cx="10820160" cy="1828440"/>
+            <a:ext cx="10819800" cy="1828080"/>
           </a:xfrm>
           <a:prstGeom prst="rect">
             <a:avLst/>
@@ -3154,18 +2986,16 @@
         <p:txBody>
           <a:bodyPr lIns="0" rIns="0" tIns="0" bIns="0" anchor="ctr"/>
           <a:p>
-            <a:endParaRPr b="0" lang="en-US" sz="1800" spc="-1" strike="noStrike">
-              <a:solidFill>
-                <a:srgbClr val="ffffff"/>
-              </a:solidFill>
-              <a:latin typeface="Constantia"/>
-            </a:endParaRPr>
-          </a:p>
-        </p:txBody>
-      </p:sp>
-      <p:sp>
-        <p:nvSpPr>
-          <p:cNvPr id="116" name="PlaceHolder 2"/>
+            <a:pPr algn="ctr"/>
+            <a:endParaRPr b="0" lang="en-IN" sz="4400" spc="-1" strike="noStrike">
+              <a:latin typeface="Arial"/>
+            </a:endParaRPr>
+          </a:p>
+        </p:txBody>
+      </p:sp>
+      <p:sp>
+        <p:nvSpPr>
+          <p:cNvPr id="107" name="PlaceHolder 2"/>
           <p:cNvSpPr>
             <a:spLocks noGrp="1"/>
           </p:cNvSpPr>
@@ -3187,18 +3017,15 @@
             <a:normAutofit/>
           </a:bodyPr>
           <a:p>
-            <a:endParaRPr b="0" lang="en-US" sz="2600" spc="-1" strike="noStrike">
-              <a:solidFill>
-                <a:srgbClr val="ffffff"/>
-              </a:solidFill>
-              <a:latin typeface="Constantia"/>
-            </a:endParaRPr>
-          </a:p>
-        </p:txBody>
-      </p:sp>
-      <p:sp>
-        <p:nvSpPr>
-          <p:cNvPr id="117" name="PlaceHolder 3"/>
+            <a:endParaRPr b="0" lang="en-IN" sz="3200" spc="-1" strike="noStrike">
+              <a:latin typeface="Arial"/>
+            </a:endParaRPr>
+          </a:p>
+        </p:txBody>
+      </p:sp>
+      <p:sp>
+        <p:nvSpPr>
+          <p:cNvPr id="108" name="PlaceHolder 3"/>
           <p:cNvSpPr>
             <a:spLocks noGrp="1"/>
           </p:cNvSpPr>
@@ -3220,18 +3047,15 @@
             <a:normAutofit/>
           </a:bodyPr>
           <a:p>
-            <a:endParaRPr b="0" lang="en-US" sz="2600" spc="-1" strike="noStrike">
-              <a:solidFill>
-                <a:srgbClr val="ffffff"/>
-              </a:solidFill>
-              <a:latin typeface="Constantia"/>
-            </a:endParaRPr>
-          </a:p>
-        </p:txBody>
-      </p:sp>
-      <p:sp>
-        <p:nvSpPr>
-          <p:cNvPr id="118" name="PlaceHolder 4"/>
+            <a:endParaRPr b="0" lang="en-IN" sz="3200" spc="-1" strike="noStrike">
+              <a:latin typeface="Arial"/>
+            </a:endParaRPr>
+          </a:p>
+        </p:txBody>
+      </p:sp>
+      <p:sp>
+        <p:nvSpPr>
+          <p:cNvPr id="109" name="PlaceHolder 4"/>
           <p:cNvSpPr>
             <a:spLocks noGrp="1"/>
           </p:cNvSpPr>
@@ -3253,11 +3077,8 @@
             <a:normAutofit/>
           </a:bodyPr>
           <a:p>
-            <a:endParaRPr b="0" lang="en-US" sz="2600" spc="-1" strike="noStrike">
-              <a:solidFill>
-                <a:srgbClr val="ffffff"/>
-              </a:solidFill>
-              <a:latin typeface="Constantia"/>
+            <a:endParaRPr b="0" lang="en-IN" sz="3200" spc="-1" strike="noStrike">
+              <a:latin typeface="Arial"/>
             </a:endParaRPr>
           </a:p>
         </p:txBody>
@@ -3286,7 +3107,7 @@
       </p:grpSpPr>
       <p:sp>
         <p:nvSpPr>
-          <p:cNvPr id="119" name="PlaceHolder 1"/>
+          <p:cNvPr id="110" name="PlaceHolder 1"/>
           <p:cNvSpPr>
             <a:spLocks noGrp="1"/>
           </p:cNvSpPr>
@@ -3297,7 +3118,7 @@
         <p:spPr>
           <a:xfrm>
             <a:off x="735120" y="1371600"/>
-            <a:ext cx="10820160" cy="1828440"/>
+            <a:ext cx="10819800" cy="1828080"/>
           </a:xfrm>
           <a:prstGeom prst="rect">
             <a:avLst/>
@@ -3306,18 +3127,16 @@
         <p:txBody>
           <a:bodyPr lIns="0" rIns="0" tIns="0" bIns="0" anchor="ctr"/>
           <a:p>
-            <a:endParaRPr b="0" lang="en-US" sz="1800" spc="-1" strike="noStrike">
-              <a:solidFill>
-                <a:srgbClr val="ffffff"/>
-              </a:solidFill>
-              <a:latin typeface="Constantia"/>
-            </a:endParaRPr>
-          </a:p>
-        </p:txBody>
-      </p:sp>
-      <p:sp>
-        <p:nvSpPr>
-          <p:cNvPr id="120" name="PlaceHolder 2"/>
+            <a:pPr algn="ctr"/>
+            <a:endParaRPr b="0" lang="en-IN" sz="4400" spc="-1" strike="noStrike">
+              <a:latin typeface="Arial"/>
+            </a:endParaRPr>
+          </a:p>
+        </p:txBody>
+      </p:sp>
+      <p:sp>
+        <p:nvSpPr>
+          <p:cNvPr id="111" name="PlaceHolder 2"/>
           <p:cNvSpPr>
             <a:spLocks noGrp="1"/>
           </p:cNvSpPr>
@@ -3339,18 +3158,15 @@
             <a:normAutofit/>
           </a:bodyPr>
           <a:p>
-            <a:endParaRPr b="0" lang="en-US" sz="2600" spc="-1" strike="noStrike">
-              <a:solidFill>
-                <a:srgbClr val="ffffff"/>
-              </a:solidFill>
-              <a:latin typeface="Constantia"/>
-            </a:endParaRPr>
-          </a:p>
-        </p:txBody>
-      </p:sp>
-      <p:sp>
-        <p:nvSpPr>
-          <p:cNvPr id="121" name="PlaceHolder 3"/>
+            <a:endParaRPr b="0" lang="en-IN" sz="3200" spc="-1" strike="noStrike">
+              <a:latin typeface="Arial"/>
+            </a:endParaRPr>
+          </a:p>
+        </p:txBody>
+      </p:sp>
+      <p:sp>
+        <p:nvSpPr>
+          <p:cNvPr id="112" name="PlaceHolder 3"/>
           <p:cNvSpPr>
             <a:spLocks noGrp="1"/>
           </p:cNvSpPr>
@@ -3372,18 +3188,15 @@
             <a:normAutofit/>
           </a:bodyPr>
           <a:p>
-            <a:endParaRPr b="0" lang="en-US" sz="2600" spc="-1" strike="noStrike">
-              <a:solidFill>
-                <a:srgbClr val="ffffff"/>
-              </a:solidFill>
-              <a:latin typeface="Constantia"/>
-            </a:endParaRPr>
-          </a:p>
-        </p:txBody>
-      </p:sp>
-      <p:sp>
-        <p:nvSpPr>
-          <p:cNvPr id="122" name="PlaceHolder 4"/>
+            <a:endParaRPr b="0" lang="en-IN" sz="3200" spc="-1" strike="noStrike">
+              <a:latin typeface="Arial"/>
+            </a:endParaRPr>
+          </a:p>
+        </p:txBody>
+      </p:sp>
+      <p:sp>
+        <p:nvSpPr>
+          <p:cNvPr id="113" name="PlaceHolder 4"/>
           <p:cNvSpPr>
             <a:spLocks noGrp="1"/>
           </p:cNvSpPr>
@@ -3405,11 +3218,8 @@
             <a:normAutofit/>
           </a:bodyPr>
           <a:p>
-            <a:endParaRPr b="0" lang="en-US" sz="2600" spc="-1" strike="noStrike">
-              <a:solidFill>
-                <a:srgbClr val="ffffff"/>
-              </a:solidFill>
-              <a:latin typeface="Constantia"/>
+            <a:endParaRPr b="0" lang="en-IN" sz="3200" spc="-1" strike="noStrike">
+              <a:latin typeface="Arial"/>
             </a:endParaRPr>
           </a:p>
         </p:txBody>
@@ -3438,7 +3248,7 @@
       </p:grpSpPr>
       <p:sp>
         <p:nvSpPr>
-          <p:cNvPr id="123" name="PlaceHolder 1"/>
+          <p:cNvPr id="114" name="PlaceHolder 1"/>
           <p:cNvSpPr>
             <a:spLocks noGrp="1"/>
           </p:cNvSpPr>
@@ -3449,7 +3259,7 @@
         <p:spPr>
           <a:xfrm>
             <a:off x="735120" y="1371600"/>
-            <a:ext cx="10820160" cy="1828440"/>
+            <a:ext cx="10819800" cy="1828080"/>
           </a:xfrm>
           <a:prstGeom prst="rect">
             <a:avLst/>
@@ -3458,18 +3268,16 @@
         <p:txBody>
           <a:bodyPr lIns="0" rIns="0" tIns="0" bIns="0" anchor="ctr"/>
           <a:p>
-            <a:endParaRPr b="0" lang="en-US" sz="1800" spc="-1" strike="noStrike">
-              <a:solidFill>
-                <a:srgbClr val="ffffff"/>
-              </a:solidFill>
-              <a:latin typeface="Constantia"/>
-            </a:endParaRPr>
-          </a:p>
-        </p:txBody>
-      </p:sp>
-      <p:sp>
-        <p:nvSpPr>
-          <p:cNvPr id="124" name="PlaceHolder 2"/>
+            <a:pPr algn="ctr"/>
+            <a:endParaRPr b="0" lang="en-IN" sz="4400" spc="-1" strike="noStrike">
+              <a:latin typeface="Arial"/>
+            </a:endParaRPr>
+          </a:p>
+        </p:txBody>
+      </p:sp>
+      <p:sp>
+        <p:nvSpPr>
+          <p:cNvPr id="115" name="PlaceHolder 2"/>
           <p:cNvSpPr>
             <a:spLocks noGrp="1"/>
           </p:cNvSpPr>
@@ -3491,18 +3299,15 @@
             <a:normAutofit/>
           </a:bodyPr>
           <a:p>
-            <a:endParaRPr b="0" lang="en-US" sz="2600" spc="-1" strike="noStrike">
-              <a:solidFill>
-                <a:srgbClr val="ffffff"/>
-              </a:solidFill>
-              <a:latin typeface="Constantia"/>
-            </a:endParaRPr>
-          </a:p>
-        </p:txBody>
-      </p:sp>
-      <p:sp>
-        <p:nvSpPr>
-          <p:cNvPr id="125" name="PlaceHolder 3"/>
+            <a:endParaRPr b="0" lang="en-IN" sz="3200" spc="-1" strike="noStrike">
+              <a:latin typeface="Arial"/>
+            </a:endParaRPr>
+          </a:p>
+        </p:txBody>
+      </p:sp>
+      <p:sp>
+        <p:nvSpPr>
+          <p:cNvPr id="116" name="PlaceHolder 3"/>
           <p:cNvSpPr>
             <a:spLocks noGrp="1"/>
           </p:cNvSpPr>
@@ -3524,11 +3329,8 @@
             <a:normAutofit/>
           </a:bodyPr>
           <a:p>
-            <a:endParaRPr b="0" lang="en-US" sz="2600" spc="-1" strike="noStrike">
-              <a:solidFill>
-                <a:srgbClr val="ffffff"/>
-              </a:solidFill>
-              <a:latin typeface="Constantia"/>
+            <a:endParaRPr b="0" lang="en-IN" sz="3200" spc="-1" strike="noStrike">
+              <a:latin typeface="Arial"/>
             </a:endParaRPr>
           </a:p>
         </p:txBody>
@@ -3557,7 +3359,7 @@
       </p:grpSpPr>
       <p:sp>
         <p:nvSpPr>
-          <p:cNvPr id="126" name="PlaceHolder 1"/>
+          <p:cNvPr id="117" name="PlaceHolder 1"/>
           <p:cNvSpPr>
             <a:spLocks noGrp="1"/>
           </p:cNvSpPr>
@@ -3568,7 +3370,7 @@
         <p:spPr>
           <a:xfrm>
             <a:off x="735120" y="1371600"/>
-            <a:ext cx="10820160" cy="1828440"/>
+            <a:ext cx="10819800" cy="1828080"/>
           </a:xfrm>
           <a:prstGeom prst="rect">
             <a:avLst/>
@@ -3577,18 +3379,16 @@
         <p:txBody>
           <a:bodyPr lIns="0" rIns="0" tIns="0" bIns="0" anchor="ctr"/>
           <a:p>
-            <a:endParaRPr b="0" lang="en-US" sz="1800" spc="-1" strike="noStrike">
-              <a:solidFill>
-                <a:srgbClr val="ffffff"/>
-              </a:solidFill>
-              <a:latin typeface="Constantia"/>
-            </a:endParaRPr>
-          </a:p>
-        </p:txBody>
-      </p:sp>
-      <p:sp>
-        <p:nvSpPr>
-          <p:cNvPr id="127" name="PlaceHolder 2"/>
+            <a:pPr algn="ctr"/>
+            <a:endParaRPr b="0" lang="en-IN" sz="4400" spc="-1" strike="noStrike">
+              <a:latin typeface="Arial"/>
+            </a:endParaRPr>
+          </a:p>
+        </p:txBody>
+      </p:sp>
+      <p:sp>
+        <p:nvSpPr>
+          <p:cNvPr id="118" name="PlaceHolder 2"/>
           <p:cNvSpPr>
             <a:spLocks noGrp="1"/>
           </p:cNvSpPr>
@@ -3610,18 +3410,15 @@
             <a:normAutofit/>
           </a:bodyPr>
           <a:p>
-            <a:endParaRPr b="0" lang="en-US" sz="2600" spc="-1" strike="noStrike">
-              <a:solidFill>
-                <a:srgbClr val="ffffff"/>
-              </a:solidFill>
-              <a:latin typeface="Constantia"/>
-            </a:endParaRPr>
-          </a:p>
-        </p:txBody>
-      </p:sp>
-      <p:sp>
-        <p:nvSpPr>
-          <p:cNvPr id="128" name="PlaceHolder 3"/>
+            <a:endParaRPr b="0" lang="en-IN" sz="3200" spc="-1" strike="noStrike">
+              <a:latin typeface="Arial"/>
+            </a:endParaRPr>
+          </a:p>
+        </p:txBody>
+      </p:sp>
+      <p:sp>
+        <p:nvSpPr>
+          <p:cNvPr id="119" name="PlaceHolder 3"/>
           <p:cNvSpPr>
             <a:spLocks noGrp="1"/>
           </p:cNvSpPr>
@@ -3643,18 +3440,15 @@
             <a:normAutofit/>
           </a:bodyPr>
           <a:p>
-            <a:endParaRPr b="0" lang="en-US" sz="2600" spc="-1" strike="noStrike">
-              <a:solidFill>
-                <a:srgbClr val="ffffff"/>
-              </a:solidFill>
-              <a:latin typeface="Constantia"/>
-            </a:endParaRPr>
-          </a:p>
-        </p:txBody>
-      </p:sp>
-      <p:sp>
-        <p:nvSpPr>
-          <p:cNvPr id="129" name="PlaceHolder 4"/>
+            <a:endParaRPr b="0" lang="en-IN" sz="3200" spc="-1" strike="noStrike">
+              <a:latin typeface="Arial"/>
+            </a:endParaRPr>
+          </a:p>
+        </p:txBody>
+      </p:sp>
+      <p:sp>
+        <p:nvSpPr>
+          <p:cNvPr id="120" name="PlaceHolder 4"/>
           <p:cNvSpPr>
             <a:spLocks noGrp="1"/>
           </p:cNvSpPr>
@@ -3676,18 +3470,15 @@
             <a:normAutofit/>
           </a:bodyPr>
           <a:p>
-            <a:endParaRPr b="0" lang="en-US" sz="2600" spc="-1" strike="noStrike">
-              <a:solidFill>
-                <a:srgbClr val="ffffff"/>
-              </a:solidFill>
-              <a:latin typeface="Constantia"/>
-            </a:endParaRPr>
-          </a:p>
-        </p:txBody>
-      </p:sp>
-      <p:sp>
-        <p:nvSpPr>
-          <p:cNvPr id="130" name="PlaceHolder 5"/>
+            <a:endParaRPr b="0" lang="en-IN" sz="3200" spc="-1" strike="noStrike">
+              <a:latin typeface="Arial"/>
+            </a:endParaRPr>
+          </a:p>
+        </p:txBody>
+      </p:sp>
+      <p:sp>
+        <p:nvSpPr>
+          <p:cNvPr id="121" name="PlaceHolder 5"/>
           <p:cNvSpPr>
             <a:spLocks noGrp="1"/>
           </p:cNvSpPr>
@@ -3709,11 +3500,8 @@
             <a:normAutofit/>
           </a:bodyPr>
           <a:p>
-            <a:endParaRPr b="0" lang="en-US" sz="2600" spc="-1" strike="noStrike">
-              <a:solidFill>
-                <a:srgbClr val="ffffff"/>
-              </a:solidFill>
-              <a:latin typeface="Constantia"/>
+            <a:endParaRPr b="0" lang="en-IN" sz="3200" spc="-1" strike="noStrike">
+              <a:latin typeface="Arial"/>
             </a:endParaRPr>
           </a:p>
         </p:txBody>
@@ -3742,7 +3530,7 @@
       </p:grpSpPr>
       <p:sp>
         <p:nvSpPr>
-          <p:cNvPr id="131" name="PlaceHolder 1"/>
+          <p:cNvPr id="122" name="PlaceHolder 1"/>
           <p:cNvSpPr>
             <a:spLocks noGrp="1"/>
           </p:cNvSpPr>
@@ -3753,7 +3541,7 @@
         <p:spPr>
           <a:xfrm>
             <a:off x="735120" y="1371600"/>
-            <a:ext cx="10820160" cy="1828440"/>
+            <a:ext cx="10819800" cy="1828080"/>
           </a:xfrm>
           <a:prstGeom prst="rect">
             <a:avLst/>
@@ -3762,18 +3550,16 @@
         <p:txBody>
           <a:bodyPr lIns="0" rIns="0" tIns="0" bIns="0" anchor="ctr"/>
           <a:p>
-            <a:endParaRPr b="0" lang="en-US" sz="1800" spc="-1" strike="noStrike">
-              <a:solidFill>
-                <a:srgbClr val="ffffff"/>
-              </a:solidFill>
-              <a:latin typeface="Constantia"/>
-            </a:endParaRPr>
-          </a:p>
-        </p:txBody>
-      </p:sp>
-      <p:sp>
-        <p:nvSpPr>
-          <p:cNvPr id="132" name="PlaceHolder 2"/>
+            <a:pPr algn="ctr"/>
+            <a:endParaRPr b="0" lang="en-IN" sz="4400" spc="-1" strike="noStrike">
+              <a:latin typeface="Arial"/>
+            </a:endParaRPr>
+          </a:p>
+        </p:txBody>
+      </p:sp>
+      <p:sp>
+        <p:nvSpPr>
+          <p:cNvPr id="123" name="PlaceHolder 2"/>
           <p:cNvSpPr>
             <a:spLocks noGrp="1"/>
           </p:cNvSpPr>
@@ -3795,18 +3581,15 @@
             <a:normAutofit/>
           </a:bodyPr>
           <a:p>
-            <a:endParaRPr b="0" lang="en-US" sz="2600" spc="-1" strike="noStrike">
-              <a:solidFill>
-                <a:srgbClr val="ffffff"/>
-              </a:solidFill>
-              <a:latin typeface="Constantia"/>
-            </a:endParaRPr>
-          </a:p>
-        </p:txBody>
-      </p:sp>
-      <p:sp>
-        <p:nvSpPr>
-          <p:cNvPr id="133" name="PlaceHolder 3"/>
+            <a:endParaRPr b="0" lang="en-IN" sz="3200" spc="-1" strike="noStrike">
+              <a:latin typeface="Arial"/>
+            </a:endParaRPr>
+          </a:p>
+        </p:txBody>
+      </p:sp>
+      <p:sp>
+        <p:nvSpPr>
+          <p:cNvPr id="124" name="PlaceHolder 3"/>
           <p:cNvSpPr>
             <a:spLocks noGrp="1"/>
           </p:cNvSpPr>
@@ -3828,18 +3611,15 @@
             <a:normAutofit/>
           </a:bodyPr>
           <a:p>
-            <a:endParaRPr b="0" lang="en-US" sz="2600" spc="-1" strike="noStrike">
-              <a:solidFill>
-                <a:srgbClr val="ffffff"/>
-              </a:solidFill>
-              <a:latin typeface="Constantia"/>
-            </a:endParaRPr>
-          </a:p>
-        </p:txBody>
-      </p:sp>
-      <p:sp>
-        <p:nvSpPr>
-          <p:cNvPr id="134" name="PlaceHolder 4"/>
+            <a:endParaRPr b="0" lang="en-IN" sz="3200" spc="-1" strike="noStrike">
+              <a:latin typeface="Arial"/>
+            </a:endParaRPr>
+          </a:p>
+        </p:txBody>
+      </p:sp>
+      <p:sp>
+        <p:nvSpPr>
+          <p:cNvPr id="125" name="PlaceHolder 4"/>
           <p:cNvSpPr>
             <a:spLocks noGrp="1"/>
           </p:cNvSpPr>
@@ -3861,18 +3641,15 @@
             <a:normAutofit/>
           </a:bodyPr>
           <a:p>
-            <a:endParaRPr b="0" lang="en-US" sz="2600" spc="-1" strike="noStrike">
-              <a:solidFill>
-                <a:srgbClr val="ffffff"/>
-              </a:solidFill>
-              <a:latin typeface="Constantia"/>
-            </a:endParaRPr>
-          </a:p>
-        </p:txBody>
-      </p:sp>
-      <p:sp>
-        <p:nvSpPr>
-          <p:cNvPr id="135" name="PlaceHolder 5"/>
+            <a:endParaRPr b="0" lang="en-IN" sz="3200" spc="-1" strike="noStrike">
+              <a:latin typeface="Arial"/>
+            </a:endParaRPr>
+          </a:p>
+        </p:txBody>
+      </p:sp>
+      <p:sp>
+        <p:nvSpPr>
+          <p:cNvPr id="126" name="PlaceHolder 5"/>
           <p:cNvSpPr>
             <a:spLocks noGrp="1"/>
           </p:cNvSpPr>
@@ -3894,18 +3671,15 @@
             <a:normAutofit/>
           </a:bodyPr>
           <a:p>
-            <a:endParaRPr b="0" lang="en-US" sz="2600" spc="-1" strike="noStrike">
-              <a:solidFill>
-                <a:srgbClr val="ffffff"/>
-              </a:solidFill>
-              <a:latin typeface="Constantia"/>
-            </a:endParaRPr>
-          </a:p>
-        </p:txBody>
-      </p:sp>
-      <p:sp>
-        <p:nvSpPr>
-          <p:cNvPr id="136" name="PlaceHolder 6"/>
+            <a:endParaRPr b="0" lang="en-IN" sz="3200" spc="-1" strike="noStrike">
+              <a:latin typeface="Arial"/>
+            </a:endParaRPr>
+          </a:p>
+        </p:txBody>
+      </p:sp>
+      <p:sp>
+        <p:nvSpPr>
+          <p:cNvPr id="127" name="PlaceHolder 6"/>
           <p:cNvSpPr>
             <a:spLocks noGrp="1"/>
           </p:cNvSpPr>
@@ -3927,18 +3701,15 @@
             <a:normAutofit/>
           </a:bodyPr>
           <a:p>
-            <a:endParaRPr b="0" lang="en-US" sz="2600" spc="-1" strike="noStrike">
-              <a:solidFill>
-                <a:srgbClr val="ffffff"/>
-              </a:solidFill>
-              <a:latin typeface="Constantia"/>
-            </a:endParaRPr>
-          </a:p>
-        </p:txBody>
-      </p:sp>
-      <p:sp>
-        <p:nvSpPr>
-          <p:cNvPr id="137" name="PlaceHolder 7"/>
+            <a:endParaRPr b="0" lang="en-IN" sz="3200" spc="-1" strike="noStrike">
+              <a:latin typeface="Arial"/>
+            </a:endParaRPr>
+          </a:p>
+        </p:txBody>
+      </p:sp>
+      <p:sp>
+        <p:nvSpPr>
+          <p:cNvPr id="128" name="PlaceHolder 7"/>
           <p:cNvSpPr>
             <a:spLocks noGrp="1"/>
           </p:cNvSpPr>
@@ -3960,11 +3731,8 @@
             <a:normAutofit/>
           </a:bodyPr>
           <a:p>
-            <a:endParaRPr b="0" lang="en-US" sz="2600" spc="-1" strike="noStrike">
-              <a:solidFill>
-                <a:srgbClr val="ffffff"/>
-              </a:solidFill>
-              <a:latin typeface="Constantia"/>
+            <a:endParaRPr b="0" lang="en-IN" sz="3200" spc="-1" strike="noStrike">
+              <a:latin typeface="Arial"/>
             </a:endParaRPr>
           </a:p>
         </p:txBody>
@@ -3993,7 +3761,7 @@
       </p:grpSpPr>
       <p:sp>
         <p:nvSpPr>
-          <p:cNvPr id="14" name="PlaceHolder 1"/>
+          <p:cNvPr id="11" name="PlaceHolder 1"/>
           <p:cNvSpPr>
             <a:spLocks noGrp="1"/>
           </p:cNvSpPr>
@@ -4004,7 +3772,7 @@
         <p:spPr>
           <a:xfrm>
             <a:off x="735120" y="1371600"/>
-            <a:ext cx="10820160" cy="1828440"/>
+            <a:ext cx="10819800" cy="1828080"/>
           </a:xfrm>
           <a:prstGeom prst="rect">
             <a:avLst/>
@@ -4013,18 +3781,16 @@
         <p:txBody>
           <a:bodyPr lIns="0" rIns="0" tIns="0" bIns="0" anchor="ctr"/>
           <a:p>
-            <a:endParaRPr b="0" lang="en-US" sz="1800" spc="-1" strike="noStrike">
-              <a:solidFill>
-                <a:srgbClr val="ffffff"/>
-              </a:solidFill>
-              <a:latin typeface="Constantia"/>
-            </a:endParaRPr>
-          </a:p>
-        </p:txBody>
-      </p:sp>
-      <p:sp>
-        <p:nvSpPr>
-          <p:cNvPr id="15" name="PlaceHolder 2"/>
+            <a:pPr algn="ctr"/>
+            <a:endParaRPr b="0" lang="en-IN" sz="4400" spc="-1" strike="noStrike">
+              <a:latin typeface="Arial"/>
+            </a:endParaRPr>
+          </a:p>
+        </p:txBody>
+      </p:sp>
+      <p:sp>
+        <p:nvSpPr>
+          <p:cNvPr id="12" name="PlaceHolder 2"/>
           <p:cNvSpPr>
             <a:spLocks noGrp="1"/>
           </p:cNvSpPr>
@@ -4046,18 +3812,15 @@
             <a:normAutofit/>
           </a:bodyPr>
           <a:p>
-            <a:endParaRPr b="0" lang="en-US" sz="2600" spc="-1" strike="noStrike">
-              <a:solidFill>
-                <a:srgbClr val="ffffff"/>
-              </a:solidFill>
-              <a:latin typeface="Constantia"/>
-            </a:endParaRPr>
-          </a:p>
-        </p:txBody>
-      </p:sp>
-      <p:sp>
-        <p:nvSpPr>
-          <p:cNvPr id="16" name="PlaceHolder 3"/>
+            <a:endParaRPr b="0" lang="en-IN" sz="3200" spc="-1" strike="noStrike">
+              <a:latin typeface="Arial"/>
+            </a:endParaRPr>
+          </a:p>
+        </p:txBody>
+      </p:sp>
+      <p:sp>
+        <p:nvSpPr>
+          <p:cNvPr id="13" name="PlaceHolder 3"/>
           <p:cNvSpPr>
             <a:spLocks noGrp="1"/>
           </p:cNvSpPr>
@@ -4079,11 +3842,8 @@
             <a:normAutofit/>
           </a:bodyPr>
           <a:p>
-            <a:endParaRPr b="0" lang="en-US" sz="2600" spc="-1" strike="noStrike">
-              <a:solidFill>
-                <a:srgbClr val="ffffff"/>
-              </a:solidFill>
-              <a:latin typeface="Constantia"/>
+            <a:endParaRPr b="0" lang="en-IN" sz="3200" spc="-1" strike="noStrike">
+              <a:latin typeface="Arial"/>
             </a:endParaRPr>
           </a:p>
         </p:txBody>
@@ -4112,7 +3872,7 @@
       </p:grpSpPr>
       <p:sp>
         <p:nvSpPr>
-          <p:cNvPr id="17" name="PlaceHolder 1"/>
+          <p:cNvPr id="14" name="PlaceHolder 1"/>
           <p:cNvSpPr>
             <a:spLocks noGrp="1"/>
           </p:cNvSpPr>
@@ -4123,7 +3883,7 @@
         <p:spPr>
           <a:xfrm>
             <a:off x="735120" y="1371600"/>
-            <a:ext cx="10820160" cy="1828440"/>
+            <a:ext cx="10819800" cy="1828080"/>
           </a:xfrm>
           <a:prstGeom prst="rect">
             <a:avLst/>
@@ -4132,11 +3892,9 @@
         <p:txBody>
           <a:bodyPr lIns="0" rIns="0" tIns="0" bIns="0" anchor="ctr"/>
           <a:p>
-            <a:endParaRPr b="0" lang="en-US" sz="1800" spc="-1" strike="noStrike">
-              <a:solidFill>
-                <a:srgbClr val="ffffff"/>
-              </a:solidFill>
-              <a:latin typeface="Constantia"/>
+            <a:pPr algn="ctr"/>
+            <a:endParaRPr b="0" lang="en-IN" sz="4400" spc="-1" strike="noStrike">
+              <a:latin typeface="Arial"/>
             </a:endParaRPr>
           </a:p>
         </p:txBody>
@@ -4165,7 +3923,7 @@
       </p:grpSpPr>
       <p:sp>
         <p:nvSpPr>
-          <p:cNvPr id="18" name="PlaceHolder 1"/>
+          <p:cNvPr id="15" name="PlaceHolder 1"/>
           <p:cNvSpPr>
             <a:spLocks noGrp="1"/>
           </p:cNvSpPr>
@@ -4176,7 +3934,7 @@
         <p:spPr>
           <a:xfrm>
             <a:off x="735120" y="1371600"/>
-            <a:ext cx="10820160" cy="8476920"/>
+            <a:ext cx="10819800" cy="8475120"/>
           </a:xfrm>
           <a:prstGeom prst="rect">
             <a:avLst/>
@@ -4216,7 +3974,7 @@
       </p:grpSpPr>
       <p:sp>
         <p:nvSpPr>
-          <p:cNvPr id="19" name="PlaceHolder 1"/>
+          <p:cNvPr id="16" name="PlaceHolder 1"/>
           <p:cNvSpPr>
             <a:spLocks noGrp="1"/>
           </p:cNvSpPr>
@@ -4227,7 +3985,7 @@
         <p:spPr>
           <a:xfrm>
             <a:off x="735120" y="1371600"/>
-            <a:ext cx="10820160" cy="1828440"/>
+            <a:ext cx="10819800" cy="1828080"/>
           </a:xfrm>
           <a:prstGeom prst="rect">
             <a:avLst/>
@@ -4236,18 +3994,16 @@
         <p:txBody>
           <a:bodyPr lIns="0" rIns="0" tIns="0" bIns="0" anchor="ctr"/>
           <a:p>
-            <a:endParaRPr b="0" lang="en-US" sz="1800" spc="-1" strike="noStrike">
-              <a:solidFill>
-                <a:srgbClr val="ffffff"/>
-              </a:solidFill>
-              <a:latin typeface="Constantia"/>
-            </a:endParaRPr>
-          </a:p>
-        </p:txBody>
-      </p:sp>
-      <p:sp>
-        <p:nvSpPr>
-          <p:cNvPr id="20" name="PlaceHolder 2"/>
+            <a:pPr algn="ctr"/>
+            <a:endParaRPr b="0" lang="en-IN" sz="4400" spc="-1" strike="noStrike">
+              <a:latin typeface="Arial"/>
+            </a:endParaRPr>
+          </a:p>
+        </p:txBody>
+      </p:sp>
+      <p:sp>
+        <p:nvSpPr>
+          <p:cNvPr id="17" name="PlaceHolder 2"/>
           <p:cNvSpPr>
             <a:spLocks noGrp="1"/>
           </p:cNvSpPr>
@@ -4269,18 +4025,15 @@
             <a:normAutofit/>
           </a:bodyPr>
           <a:p>
-            <a:endParaRPr b="0" lang="en-US" sz="2600" spc="-1" strike="noStrike">
-              <a:solidFill>
-                <a:srgbClr val="ffffff"/>
-              </a:solidFill>
-              <a:latin typeface="Constantia"/>
-            </a:endParaRPr>
-          </a:p>
-        </p:txBody>
-      </p:sp>
-      <p:sp>
-        <p:nvSpPr>
-          <p:cNvPr id="21" name="PlaceHolder 3"/>
+            <a:endParaRPr b="0" lang="en-IN" sz="3200" spc="-1" strike="noStrike">
+              <a:latin typeface="Arial"/>
+            </a:endParaRPr>
+          </a:p>
+        </p:txBody>
+      </p:sp>
+      <p:sp>
+        <p:nvSpPr>
+          <p:cNvPr id="18" name="PlaceHolder 3"/>
           <p:cNvSpPr>
             <a:spLocks noGrp="1"/>
           </p:cNvSpPr>
@@ -4302,18 +4055,15 @@
             <a:normAutofit/>
           </a:bodyPr>
           <a:p>
-            <a:endParaRPr b="0" lang="en-US" sz="2600" spc="-1" strike="noStrike">
-              <a:solidFill>
-                <a:srgbClr val="ffffff"/>
-              </a:solidFill>
-              <a:latin typeface="Constantia"/>
-            </a:endParaRPr>
-          </a:p>
-        </p:txBody>
-      </p:sp>
-      <p:sp>
-        <p:nvSpPr>
-          <p:cNvPr id="22" name="PlaceHolder 4"/>
+            <a:endParaRPr b="0" lang="en-IN" sz="3200" spc="-1" strike="noStrike">
+              <a:latin typeface="Arial"/>
+            </a:endParaRPr>
+          </a:p>
+        </p:txBody>
+      </p:sp>
+      <p:sp>
+        <p:nvSpPr>
+          <p:cNvPr id="19" name="PlaceHolder 4"/>
           <p:cNvSpPr>
             <a:spLocks noGrp="1"/>
           </p:cNvSpPr>
@@ -4335,11 +4085,8 @@
             <a:normAutofit/>
           </a:bodyPr>
           <a:p>
-            <a:endParaRPr b="0" lang="en-US" sz="2600" spc="-1" strike="noStrike">
-              <a:solidFill>
-                <a:srgbClr val="ffffff"/>
-              </a:solidFill>
-              <a:latin typeface="Constantia"/>
+            <a:endParaRPr b="0" lang="en-IN" sz="3200" spc="-1" strike="noStrike">
+              <a:latin typeface="Arial"/>
             </a:endParaRPr>
           </a:p>
         </p:txBody>
@@ -4368,7 +4115,7 @@
       </p:grpSpPr>
       <p:sp>
         <p:nvSpPr>
-          <p:cNvPr id="23" name="PlaceHolder 1"/>
+          <p:cNvPr id="20" name="PlaceHolder 1"/>
           <p:cNvSpPr>
             <a:spLocks noGrp="1"/>
           </p:cNvSpPr>
@@ -4379,7 +4126,7 @@
         <p:spPr>
           <a:xfrm>
             <a:off x="735120" y="1371600"/>
-            <a:ext cx="10820160" cy="1828440"/>
+            <a:ext cx="10819800" cy="1828080"/>
           </a:xfrm>
           <a:prstGeom prst="rect">
             <a:avLst/>
@@ -4388,18 +4135,16 @@
         <p:txBody>
           <a:bodyPr lIns="0" rIns="0" tIns="0" bIns="0" anchor="ctr"/>
           <a:p>
-            <a:endParaRPr b="0" lang="en-US" sz="1800" spc="-1" strike="noStrike">
-              <a:solidFill>
-                <a:srgbClr val="ffffff"/>
-              </a:solidFill>
-              <a:latin typeface="Constantia"/>
-            </a:endParaRPr>
-          </a:p>
-        </p:txBody>
-      </p:sp>
-      <p:sp>
-        <p:nvSpPr>
-          <p:cNvPr id="24" name="PlaceHolder 2"/>
+            <a:pPr algn="ctr"/>
+            <a:endParaRPr b="0" lang="en-IN" sz="4400" spc="-1" strike="noStrike">
+              <a:latin typeface="Arial"/>
+            </a:endParaRPr>
+          </a:p>
+        </p:txBody>
+      </p:sp>
+      <p:sp>
+        <p:nvSpPr>
+          <p:cNvPr id="21" name="PlaceHolder 2"/>
           <p:cNvSpPr>
             <a:spLocks noGrp="1"/>
           </p:cNvSpPr>
@@ -4421,18 +4166,15 @@
             <a:normAutofit/>
           </a:bodyPr>
           <a:p>
-            <a:endParaRPr b="0" lang="en-US" sz="2600" spc="-1" strike="noStrike">
-              <a:solidFill>
-                <a:srgbClr val="ffffff"/>
-              </a:solidFill>
-              <a:latin typeface="Constantia"/>
-            </a:endParaRPr>
-          </a:p>
-        </p:txBody>
-      </p:sp>
-      <p:sp>
-        <p:nvSpPr>
-          <p:cNvPr id="25" name="PlaceHolder 3"/>
+            <a:endParaRPr b="0" lang="en-IN" sz="3200" spc="-1" strike="noStrike">
+              <a:latin typeface="Arial"/>
+            </a:endParaRPr>
+          </a:p>
+        </p:txBody>
+      </p:sp>
+      <p:sp>
+        <p:nvSpPr>
+          <p:cNvPr id="22" name="PlaceHolder 3"/>
           <p:cNvSpPr>
             <a:spLocks noGrp="1"/>
           </p:cNvSpPr>
@@ -4454,18 +4196,15 @@
             <a:normAutofit/>
           </a:bodyPr>
           <a:p>
-            <a:endParaRPr b="0" lang="en-US" sz="2600" spc="-1" strike="noStrike">
-              <a:solidFill>
-                <a:srgbClr val="ffffff"/>
-              </a:solidFill>
-              <a:latin typeface="Constantia"/>
-            </a:endParaRPr>
-          </a:p>
-        </p:txBody>
-      </p:sp>
-      <p:sp>
-        <p:nvSpPr>
-          <p:cNvPr id="26" name="PlaceHolder 4"/>
+            <a:endParaRPr b="0" lang="en-IN" sz="3200" spc="-1" strike="noStrike">
+              <a:latin typeface="Arial"/>
+            </a:endParaRPr>
+          </a:p>
+        </p:txBody>
+      </p:sp>
+      <p:sp>
+        <p:nvSpPr>
+          <p:cNvPr id="23" name="PlaceHolder 4"/>
           <p:cNvSpPr>
             <a:spLocks noGrp="1"/>
           </p:cNvSpPr>
@@ -4487,11 +4226,8 @@
             <a:normAutofit/>
           </a:bodyPr>
           <a:p>
-            <a:endParaRPr b="0" lang="en-US" sz="2600" spc="-1" strike="noStrike">
-              <a:solidFill>
-                <a:srgbClr val="ffffff"/>
-              </a:solidFill>
-              <a:latin typeface="Constantia"/>
+            <a:endParaRPr b="0" lang="en-IN" sz="3200" spc="-1" strike="noStrike">
+              <a:latin typeface="Arial"/>
             </a:endParaRPr>
           </a:p>
         </p:txBody>
@@ -4520,7 +4256,7 @@
       </p:grpSpPr>
       <p:sp>
         <p:nvSpPr>
-          <p:cNvPr id="27" name="PlaceHolder 1"/>
+          <p:cNvPr id="24" name="PlaceHolder 1"/>
           <p:cNvSpPr>
             <a:spLocks noGrp="1"/>
           </p:cNvSpPr>
@@ -4531,7 +4267,7 @@
         <p:spPr>
           <a:xfrm>
             <a:off x="735120" y="1371600"/>
-            <a:ext cx="10820160" cy="1828440"/>
+            <a:ext cx="10819800" cy="1828080"/>
           </a:xfrm>
           <a:prstGeom prst="rect">
             <a:avLst/>
@@ -4540,18 +4276,16 @@
         <p:txBody>
           <a:bodyPr lIns="0" rIns="0" tIns="0" bIns="0" anchor="ctr"/>
           <a:p>
-            <a:endParaRPr b="0" lang="en-US" sz="1800" spc="-1" strike="noStrike">
-              <a:solidFill>
-                <a:srgbClr val="ffffff"/>
-              </a:solidFill>
-              <a:latin typeface="Constantia"/>
-            </a:endParaRPr>
-          </a:p>
-        </p:txBody>
-      </p:sp>
-      <p:sp>
-        <p:nvSpPr>
-          <p:cNvPr id="28" name="PlaceHolder 2"/>
+            <a:pPr algn="ctr"/>
+            <a:endParaRPr b="0" lang="en-IN" sz="4400" spc="-1" strike="noStrike">
+              <a:latin typeface="Arial"/>
+            </a:endParaRPr>
+          </a:p>
+        </p:txBody>
+      </p:sp>
+      <p:sp>
+        <p:nvSpPr>
+          <p:cNvPr id="25" name="PlaceHolder 2"/>
           <p:cNvSpPr>
             <a:spLocks noGrp="1"/>
           </p:cNvSpPr>
@@ -4573,18 +4307,15 @@
             <a:normAutofit/>
           </a:bodyPr>
           <a:p>
-            <a:endParaRPr b="0" lang="en-US" sz="2600" spc="-1" strike="noStrike">
-              <a:solidFill>
-                <a:srgbClr val="ffffff"/>
-              </a:solidFill>
-              <a:latin typeface="Constantia"/>
-            </a:endParaRPr>
-          </a:p>
-        </p:txBody>
-      </p:sp>
-      <p:sp>
-        <p:nvSpPr>
-          <p:cNvPr id="29" name="PlaceHolder 3"/>
+            <a:endParaRPr b="0" lang="en-IN" sz="3200" spc="-1" strike="noStrike">
+              <a:latin typeface="Arial"/>
+            </a:endParaRPr>
+          </a:p>
+        </p:txBody>
+      </p:sp>
+      <p:sp>
+        <p:nvSpPr>
+          <p:cNvPr id="26" name="PlaceHolder 3"/>
           <p:cNvSpPr>
             <a:spLocks noGrp="1"/>
           </p:cNvSpPr>
@@ -4606,18 +4337,15 @@
             <a:normAutofit/>
           </a:bodyPr>
           <a:p>
-            <a:endParaRPr b="0" lang="en-US" sz="2600" spc="-1" strike="noStrike">
-              <a:solidFill>
-                <a:srgbClr val="ffffff"/>
-              </a:solidFill>
-              <a:latin typeface="Constantia"/>
-            </a:endParaRPr>
-          </a:p>
-        </p:txBody>
-      </p:sp>
-      <p:sp>
-        <p:nvSpPr>
-          <p:cNvPr id="30" name="PlaceHolder 4"/>
+            <a:endParaRPr b="0" lang="en-IN" sz="3200" spc="-1" strike="noStrike">
+              <a:latin typeface="Arial"/>
+            </a:endParaRPr>
+          </a:p>
+        </p:txBody>
+      </p:sp>
+      <p:sp>
+        <p:nvSpPr>
+          <p:cNvPr id="27" name="PlaceHolder 4"/>
           <p:cNvSpPr>
             <a:spLocks noGrp="1"/>
           </p:cNvSpPr>
@@ -4639,11 +4367,8 @@
             <a:normAutofit/>
           </a:bodyPr>
           <a:p>
-            <a:endParaRPr b="0" lang="en-US" sz="2600" spc="-1" strike="noStrike">
-              <a:solidFill>
-                <a:srgbClr val="ffffff"/>
-              </a:solidFill>
-              <a:latin typeface="Constantia"/>
+            <a:endParaRPr b="0" lang="en-IN" sz="3200" spc="-1" strike="noStrike">
+              <a:latin typeface="Arial"/>
             </a:endParaRPr>
           </a:p>
         </p:txBody>
@@ -4687,7 +4412,7 @@
         <p:spPr>
           <a:xfrm>
             <a:off x="-12960" y="-7200"/>
-            <a:ext cx="12627360" cy="1041120"/>
+            <a:ext cx="12627000" cy="1040760"/>
           </a:xfrm>
           <a:custGeom>
             <a:avLst/>
@@ -4776,7 +4501,7 @@
         <p:spPr>
           <a:xfrm>
             <a:off x="6038280" y="-7200"/>
-            <a:ext cx="6562800" cy="637920"/>
+            <a:ext cx="6562440" cy="637560"/>
           </a:xfrm>
           <a:custGeom>
             <a:avLst/>
@@ -4825,7 +4550,7 @@
                 </a:schemeClr>
               </a:gs>
             </a:gsLst>
-            <a:lin ang="16200000"/>
+            <a:lin ang="5400000"/>
           </a:gradFill>
           <a:ln w="9360">
             <a:noFill/>
@@ -4846,10 +4571,10 @@
         </p:nvGrpSpPr>
         <p:grpSpPr>
           <a:xfrm>
-            <a:off x="-40320" y="-16560"/>
-            <a:ext cx="12642840" cy="1087560"/>
-            <a:chOff x="-40320" y="-16560"/>
-            <a:chExt cx="12642840" cy="1087560"/>
+            <a:off x="-40320" y="-16920"/>
+            <a:ext cx="12659040" cy="1086480"/>
+            <a:chOff x="-40320" y="-16920"/>
+            <a:chExt cx="12659040" cy="1086480"/>
           </a:xfrm>
         </p:grpSpPr>
         <p:sp>
@@ -4860,8 +4585,8 @@
           </p:nvSpPr>
           <p:spPr>
             <a:xfrm rot="21480600">
-              <a:off x="-32760" y="201960"/>
-              <a:ext cx="12620520" cy="649080"/>
+              <a:off x="-32760" y="201600"/>
+              <a:ext cx="12620160" cy="648720"/>
             </a:xfrm>
             <a:custGeom>
               <a:avLst/>
@@ -4915,7 +4640,7 @@
           <p:spPr>
             <a:xfrm rot="21480600">
               <a:off x="-24480" y="275760"/>
-              <a:ext cx="12638160" cy="530280"/>
+              <a:ext cx="12637800" cy="529920"/>
             </a:xfrm>
             <a:custGeom>
               <a:avLst/>
@@ -4968,118 +4693,6 @@
             <a:spLocks noGrp="1"/>
           </p:cNvSpPr>
           <p:nvPr>
-            <p:ph type="dt"/>
-          </p:nvPr>
-        </p:nvSpPr>
-        <p:spPr>
-          <a:xfrm>
-            <a:off x="630000" y="6356520"/>
-            <a:ext cx="2940120" cy="364680"/>
-          </a:xfrm>
-          <a:prstGeom prst="rect">
-            <a:avLst/>
-          </a:prstGeom>
-        </p:spPr>
-        <p:txBody>
-          <a:bodyPr lIns="0" rIns="0" tIns="0" bIns="0" anchor="b"/>
-          <a:p>
-            <a:pPr>
-              <a:lnSpc>
-                <a:spcPct val="100000"/>
-              </a:lnSpc>
-            </a:pPr>
-            <a:fld id="{05F95C2C-5FBF-4604-9F59-18FFD75D4698}" type="datetime">
-              <a:rPr b="0" lang="en-IN" sz="1200" spc="-1" strike="noStrike">
-                <a:solidFill>
-                  <a:srgbClr val="035c75"/>
-                </a:solidFill>
-                <a:latin typeface="Constantia"/>
-              </a:rPr>
-              <a:t>11/10/18</a:t>
-            </a:fld>
-            <a:endParaRPr b="0" lang="en-IN" sz="1200" spc="-1" strike="noStrike">
-              <a:latin typeface="Times New Roman"/>
-            </a:endParaRPr>
-          </a:p>
-        </p:txBody>
-      </p:sp>
-      <p:sp>
-        <p:nvSpPr>
-          <p:cNvPr id="6" name="PlaceHolder 7"/>
-          <p:cNvSpPr>
-            <a:spLocks noGrp="1"/>
-          </p:cNvSpPr>
-          <p:nvPr>
-            <p:ph type="ftr"/>
-          </p:nvPr>
-        </p:nvSpPr>
-        <p:spPr>
-          <a:xfrm>
-            <a:off x="3675600" y="6356520"/>
-            <a:ext cx="4620240" cy="364680"/>
-          </a:xfrm>
-          <a:prstGeom prst="rect">
-            <a:avLst/>
-          </a:prstGeom>
-        </p:spPr>
-        <p:txBody>
-          <a:bodyPr lIns="0" rIns="0" tIns="0" bIns="0" anchor="b"/>
-          <a:p>
-            <a:endParaRPr b="0" lang="en-IN" sz="2400" spc="-1" strike="noStrike">
-              <a:latin typeface="Times New Roman"/>
-            </a:endParaRPr>
-          </a:p>
-        </p:txBody>
-      </p:sp>
-      <p:sp>
-        <p:nvSpPr>
-          <p:cNvPr id="7" name="PlaceHolder 8"/>
-          <p:cNvSpPr>
-            <a:spLocks noGrp="1"/>
-          </p:cNvSpPr>
-          <p:nvPr>
-            <p:ph type="sldNum"/>
-          </p:nvPr>
-        </p:nvSpPr>
-        <p:spPr>
-          <a:xfrm>
-            <a:off x="10921320" y="6356520"/>
-            <a:ext cx="1049760" cy="364680"/>
-          </a:xfrm>
-          <a:prstGeom prst="rect">
-            <a:avLst/>
-          </a:prstGeom>
-        </p:spPr>
-        <p:txBody>
-          <a:bodyPr lIns="0" rIns="0" tIns="0" bIns="0" anchor="b"/>
-          <a:p>
-            <a:pPr algn="r">
-              <a:lnSpc>
-                <a:spcPct val="100000"/>
-              </a:lnSpc>
-            </a:pPr>
-            <a:fld id="{9AB394BD-DC61-48FD-933B-EB058EAAFDB3}" type="slidenum">
-              <a:rPr b="0" lang="en-IN" sz="1200" spc="-1" strike="noStrike">
-                <a:solidFill>
-                  <a:srgbClr val="035c75"/>
-                </a:solidFill>
-                <a:latin typeface="Constantia"/>
-              </a:rPr>
-              <a:t>1</a:t>
-            </a:fld>
-            <a:endParaRPr b="0" lang="en-IN" sz="1200" spc="-1" strike="noStrike">
-              <a:latin typeface="Times New Roman"/>
-            </a:endParaRPr>
-          </a:p>
-        </p:txBody>
-      </p:sp>
-      <p:sp>
-        <p:nvSpPr>
-          <p:cNvPr id="8" name="PlaceHolder 9"/>
-          <p:cNvSpPr>
-            <a:spLocks noGrp="1"/>
-          </p:cNvSpPr>
-          <p:nvPr>
             <p:ph type="title"/>
           </p:nvPr>
         </p:nvSpPr>
@@ -5095,27 +4708,22 @@
         <p:txBody>
           <a:bodyPr lIns="0" rIns="0" tIns="0" bIns="0" anchor="ctr"/>
           <a:p>
-            <a:r>
-              <a:rPr b="0" lang="en-US" sz="1800" spc="-1" strike="noStrike">
-                <a:solidFill>
-                  <a:srgbClr val="000000"/>
-                </a:solidFill>
-                <a:latin typeface="Constantia"/>
+            <a:pPr algn="ctr"/>
+            <a:r>
+              <a:rPr b="0" lang="en-IN" sz="4400" spc="-1" strike="noStrike">
+                <a:latin typeface="Arial"/>
               </a:rPr>
               <a:t>Click to edit the title text format</a:t>
             </a:r>
-            <a:endParaRPr b="0" lang="en-US" sz="1800" spc="-1" strike="noStrike">
-              <a:solidFill>
-                <a:srgbClr val="000000"/>
-              </a:solidFill>
-              <a:latin typeface="Constantia"/>
-            </a:endParaRPr>
-          </a:p>
-        </p:txBody>
-      </p:sp>
-      <p:sp>
-        <p:nvSpPr>
-          <p:cNvPr id="9" name="PlaceHolder 10"/>
+            <a:endParaRPr b="0" lang="en-IN" sz="4400" spc="-1" strike="noStrike">
+              <a:latin typeface="Arial"/>
+            </a:endParaRPr>
+          </a:p>
+        </p:txBody>
+      </p:sp>
+      <p:sp>
+        <p:nvSpPr>
+          <p:cNvPr id="6" name="PlaceHolder 7"/>
           <p:cNvSpPr>
             <a:spLocks noGrp="1"/>
           </p:cNvSpPr>
@@ -5149,19 +4757,13 @@
               <a:buChar char=""/>
             </a:pPr>
             <a:r>
-              <a:rPr b="0" lang="en-US" sz="2600" spc="-1" strike="noStrike">
-                <a:solidFill>
-                  <a:srgbClr val="000000"/>
-                </a:solidFill>
-                <a:latin typeface="Constantia"/>
+              <a:rPr b="0" lang="en-IN" sz="3200" spc="-1" strike="noStrike">
+                <a:latin typeface="Arial"/>
               </a:rPr>
               <a:t>Click to edit the outline text format</a:t>
             </a:r>
-            <a:endParaRPr b="0" lang="en-US" sz="2600" spc="-1" strike="noStrike">
-              <a:solidFill>
-                <a:srgbClr val="000000"/>
-              </a:solidFill>
-              <a:latin typeface="Constantia"/>
+            <a:endParaRPr b="0" lang="en-IN" sz="3200" spc="-1" strike="noStrike">
+              <a:latin typeface="Arial"/>
             </a:endParaRPr>
           </a:p>
           <a:p>
@@ -5177,19 +4779,13 @@
               <a:buChar char=""/>
             </a:pPr>
             <a:r>
-              <a:rPr b="0" lang="en-US" sz="2100" spc="-1" strike="noStrike">
-                <a:solidFill>
-                  <a:srgbClr val="000000"/>
-                </a:solidFill>
-                <a:latin typeface="Constantia"/>
+              <a:rPr b="0" lang="en-IN" sz="2800" spc="-1" strike="noStrike">
+                <a:latin typeface="Arial"/>
               </a:rPr>
               <a:t>Second Outline Level</a:t>
             </a:r>
-            <a:endParaRPr b="0" lang="en-US" sz="2100" spc="-1" strike="noStrike">
-              <a:solidFill>
-                <a:srgbClr val="000000"/>
-              </a:solidFill>
-              <a:latin typeface="Constantia"/>
+            <a:endParaRPr b="0" lang="en-IN" sz="2800" spc="-1" strike="noStrike">
+              <a:latin typeface="Arial"/>
             </a:endParaRPr>
           </a:p>
           <a:p>
@@ -5205,19 +4801,13 @@
               <a:buChar char=""/>
             </a:pPr>
             <a:r>
-              <a:rPr b="0" lang="en-US" sz="2000" spc="-1" strike="noStrike">
-                <a:solidFill>
-                  <a:srgbClr val="000000"/>
-                </a:solidFill>
-                <a:latin typeface="Constantia"/>
+              <a:rPr b="0" lang="en-IN" sz="2400" spc="-1" strike="noStrike">
+                <a:latin typeface="Arial"/>
               </a:rPr>
               <a:t>Third Outline Level</a:t>
             </a:r>
-            <a:endParaRPr b="0" lang="en-US" sz="2000" spc="-1" strike="noStrike">
-              <a:solidFill>
-                <a:srgbClr val="000000"/>
-              </a:solidFill>
-              <a:latin typeface="Constantia"/>
+            <a:endParaRPr b="0" lang="en-IN" sz="2400" spc="-1" strike="noStrike">
+              <a:latin typeface="Arial"/>
             </a:endParaRPr>
           </a:p>
           <a:p>
@@ -5233,19 +4823,13 @@
               <a:buChar char=""/>
             </a:pPr>
             <a:r>
-              <a:rPr b="0" lang="en-US" sz="2000" spc="-1" strike="noStrike">
-                <a:solidFill>
-                  <a:srgbClr val="000000"/>
-                </a:solidFill>
-                <a:latin typeface="Constantia"/>
+              <a:rPr b="0" lang="en-IN" sz="2000" spc="-1" strike="noStrike">
+                <a:latin typeface="Arial"/>
               </a:rPr>
               <a:t>Fourth Outline Level</a:t>
             </a:r>
-            <a:endParaRPr b="0" lang="en-US" sz="2000" spc="-1" strike="noStrike">
-              <a:solidFill>
-                <a:srgbClr val="000000"/>
-              </a:solidFill>
-              <a:latin typeface="Constantia"/>
+            <a:endParaRPr b="0" lang="en-IN" sz="2000" spc="-1" strike="noStrike">
+              <a:latin typeface="Arial"/>
             </a:endParaRPr>
           </a:p>
           <a:p>
@@ -5261,19 +4845,13 @@
               <a:buChar char=""/>
             </a:pPr>
             <a:r>
-              <a:rPr b="0" lang="en-US" sz="2000" spc="-1" strike="noStrike">
-                <a:solidFill>
-                  <a:srgbClr val="000000"/>
-                </a:solidFill>
-                <a:latin typeface="Constantia"/>
+              <a:rPr b="0" lang="en-IN" sz="2000" spc="-1" strike="noStrike">
+                <a:latin typeface="Arial"/>
               </a:rPr>
               <a:t>Fifth Outline Level</a:t>
             </a:r>
-            <a:endParaRPr b="0" lang="en-US" sz="2000" spc="-1" strike="noStrike">
-              <a:solidFill>
-                <a:srgbClr val="000000"/>
-              </a:solidFill>
-              <a:latin typeface="Constantia"/>
+            <a:endParaRPr b="0" lang="en-IN" sz="2000" spc="-1" strike="noStrike">
+              <a:latin typeface="Arial"/>
             </a:endParaRPr>
           </a:p>
           <a:p>
@@ -5289,19 +4867,13 @@
               <a:buChar char=""/>
             </a:pPr>
             <a:r>
-              <a:rPr b="0" lang="en-US" sz="2000" spc="-1" strike="noStrike">
-                <a:solidFill>
-                  <a:srgbClr val="000000"/>
-                </a:solidFill>
-                <a:latin typeface="Constantia"/>
+              <a:rPr b="0" lang="en-IN" sz="2000" spc="-1" strike="noStrike">
+                <a:latin typeface="Arial"/>
               </a:rPr>
               <a:t>Sixth Outline Level</a:t>
             </a:r>
-            <a:endParaRPr b="0" lang="en-US" sz="2000" spc="-1" strike="noStrike">
-              <a:solidFill>
-                <a:srgbClr val="000000"/>
-              </a:solidFill>
-              <a:latin typeface="Constantia"/>
+            <a:endParaRPr b="0" lang="en-IN" sz="2000" spc="-1" strike="noStrike">
+              <a:latin typeface="Arial"/>
             </a:endParaRPr>
           </a:p>
           <a:p>
@@ -5317,19 +4889,13 @@
               <a:buChar char=""/>
             </a:pPr>
             <a:r>
-              <a:rPr b="0" lang="en-US" sz="2000" spc="-1" strike="noStrike">
-                <a:solidFill>
-                  <a:srgbClr val="000000"/>
-                </a:solidFill>
-                <a:latin typeface="Constantia"/>
+              <a:rPr b="0" lang="en-IN" sz="2000" spc="-1" strike="noStrike">
+                <a:latin typeface="Arial"/>
               </a:rPr>
               <a:t>Seventh Outline Level</a:t>
             </a:r>
-            <a:endParaRPr b="0" lang="en-US" sz="2000" spc="-1" strike="noStrike">
-              <a:solidFill>
-                <a:srgbClr val="000000"/>
-              </a:solidFill>
-              <a:latin typeface="Constantia"/>
+            <a:endParaRPr b="0" lang="en-IN" sz="2000" spc="-1" strike="noStrike">
+              <a:latin typeface="Arial"/>
             </a:endParaRPr>
           </a:p>
         </p:txBody>
@@ -5381,14 +4947,14 @@
       </p:grpSpPr>
       <p:sp>
         <p:nvSpPr>
-          <p:cNvPr id="46" name="CustomShape 1"/>
+          <p:cNvPr id="43" name="CustomShape 1"/>
           <p:cNvSpPr/>
           <p:nvPr/>
         </p:nvSpPr>
         <p:spPr>
           <a:xfrm>
             <a:off x="-12960" y="-7200"/>
-            <a:ext cx="12627360" cy="1041120"/>
+            <a:ext cx="12627000" cy="1040760"/>
           </a:xfrm>
           <a:custGeom>
             <a:avLst/>
@@ -5470,14 +5036,14 @@
       </p:sp>
       <p:sp>
         <p:nvSpPr>
-          <p:cNvPr id="47" name="CustomShape 2"/>
+          <p:cNvPr id="44" name="CustomShape 2"/>
           <p:cNvSpPr/>
           <p:nvPr/>
         </p:nvSpPr>
         <p:spPr>
           <a:xfrm>
             <a:off x="6038280" y="-7200"/>
-            <a:ext cx="6562800" cy="637920"/>
+            <a:ext cx="6562440" cy="637560"/>
           </a:xfrm>
           <a:custGeom>
             <a:avLst/>
@@ -5526,7 +5092,7 @@
                 </a:schemeClr>
               </a:gs>
             </a:gsLst>
-            <a:lin ang="16200000"/>
+            <a:lin ang="5400000"/>
           </a:gradFill>
           <a:ln w="9360">
             <a:noFill/>
@@ -5541,28 +5107,28 @@
       </p:sp>
       <p:grpSp>
         <p:nvGrpSpPr>
-          <p:cNvPr id="48" name="Group 3"/>
+          <p:cNvPr id="45" name="Group 3"/>
           <p:cNvGrpSpPr/>
           <p:nvPr/>
         </p:nvGrpSpPr>
         <p:grpSpPr>
           <a:xfrm>
-            <a:off x="-40320" y="-16560"/>
-            <a:ext cx="12642840" cy="1087560"/>
-            <a:chOff x="-40320" y="-16560"/>
-            <a:chExt cx="12642840" cy="1087560"/>
+            <a:off x="-40320" y="-16920"/>
+            <a:ext cx="12659040" cy="1086480"/>
+            <a:chOff x="-40320" y="-16920"/>
+            <a:chExt cx="12659040" cy="1086480"/>
           </a:xfrm>
         </p:grpSpPr>
         <p:sp>
           <p:nvSpPr>
-            <p:cNvPr id="49" name="CustomShape 4"/>
+            <p:cNvPr id="46" name="CustomShape 4"/>
             <p:cNvSpPr/>
             <p:nvPr/>
           </p:nvSpPr>
           <p:spPr>
             <a:xfrm rot="21480600">
-              <a:off x="-32760" y="201960"/>
-              <a:ext cx="12620520" cy="649080"/>
+              <a:off x="-32760" y="201600"/>
+              <a:ext cx="12620160" cy="648720"/>
             </a:xfrm>
             <a:custGeom>
               <a:avLst/>
@@ -5609,14 +5175,14 @@
         </p:sp>
         <p:sp>
           <p:nvSpPr>
-            <p:cNvPr id="50" name="CustomShape 5"/>
+            <p:cNvPr id="47" name="CustomShape 5"/>
             <p:cNvSpPr/>
             <p:nvPr/>
           </p:nvSpPr>
           <p:spPr>
             <a:xfrm rot="21480600">
               <a:off x="-24480" y="275760"/>
-              <a:ext cx="12638160" cy="530280"/>
+              <a:ext cx="12637800" cy="529920"/>
             </a:xfrm>
             <a:custGeom>
               <a:avLst/>
@@ -5664,7 +5230,7 @@
       </p:grpSp>
       <p:sp>
         <p:nvSpPr>
-          <p:cNvPr id="51" name="PlaceHolder 6"/>
+          <p:cNvPr id="48" name="PlaceHolder 6"/>
           <p:cNvSpPr>
             <a:spLocks noGrp="1"/>
           </p:cNvSpPr>
@@ -5674,42 +5240,32 @@
         </p:nvSpPr>
         <p:spPr>
           <a:xfrm>
-            <a:off x="630000" y="704160"/>
-            <a:ext cx="11341080" cy="1142640"/>
-          </a:xfrm>
-          <a:prstGeom prst="rect">
-            <a:avLst/>
-          </a:prstGeom>
-        </p:spPr>
-        <p:txBody>
-          <a:bodyPr lIns="0" rIns="0" tIns="45000" bIns="0" anchor="b"/>
-          <a:p>
-            <a:pPr>
-              <a:lnSpc>
-                <a:spcPct val="100000"/>
-              </a:lnSpc>
-            </a:pPr>
-            <a:r>
-              <a:rPr b="0" lang="en-US" sz="5000" spc="-1" strike="noStrike">
-                <a:solidFill>
-                  <a:srgbClr val="04617b"/>
-                </a:solidFill>
-                <a:latin typeface="Calibri"/>
-              </a:rPr>
-              <a:t>Click to edit Master title style</a:t>
-            </a:r>
-            <a:endParaRPr b="0" lang="en-US" sz="5000" spc="-1" strike="noStrike">
-              <a:solidFill>
-                <a:srgbClr val="000000"/>
-              </a:solidFill>
-              <a:latin typeface="Constantia"/>
-            </a:endParaRPr>
-          </a:p>
-        </p:txBody>
-      </p:sp>
-      <p:sp>
-        <p:nvSpPr>
-          <p:cNvPr id="52" name="PlaceHolder 7"/>
+            <a:off x="630000" y="273600"/>
+            <a:ext cx="11340720" cy="1144800"/>
+          </a:xfrm>
+          <a:prstGeom prst="rect">
+            <a:avLst/>
+          </a:prstGeom>
+        </p:spPr>
+        <p:txBody>
+          <a:bodyPr lIns="0" rIns="0" tIns="0" bIns="0" anchor="ctr"/>
+          <a:p>
+            <a:pPr algn="ctr"/>
+            <a:r>
+              <a:rPr b="0" lang="en-IN" sz="4400" spc="-1" strike="noStrike">
+                <a:latin typeface="Arial"/>
+              </a:rPr>
+              <a:t>Click to edit the title text format</a:t>
+            </a:r>
+            <a:endParaRPr b="0" lang="en-IN" sz="4400" spc="-1" strike="noStrike">
+              <a:latin typeface="Arial"/>
+            </a:endParaRPr>
+          </a:p>
+        </p:txBody>
+      </p:sp>
+      <p:sp>
+        <p:nvSpPr>
+          <p:cNvPr id="49" name="PlaceHolder 7"/>
           <p:cNvSpPr>
             <a:spLocks noGrp="1"/>
           </p:cNvSpPr>
@@ -5719,280 +5275,169 @@
         </p:nvSpPr>
         <p:spPr>
           <a:xfrm>
-            <a:off x="630000" y="1935360"/>
-            <a:ext cx="11341080" cy="4388760"/>
-          </a:xfrm>
-          <a:prstGeom prst="rect">
-            <a:avLst/>
-          </a:prstGeom>
-        </p:spPr>
-        <p:txBody>
-          <a:bodyPr lIns="90000" rIns="90000" tIns="45000" bIns="45000"/>
-          <a:p>
-            <a:pPr marL="274320" indent="-273960">
-              <a:lnSpc>
-                <a:spcPct val="100000"/>
-              </a:lnSpc>
+            <a:off x="630000" y="1604520"/>
+            <a:ext cx="11340720" cy="3977280"/>
+          </a:xfrm>
+          <a:prstGeom prst="rect">
+            <a:avLst/>
+          </a:prstGeom>
+        </p:spPr>
+        <p:txBody>
+          <a:bodyPr lIns="0" rIns="0" tIns="0" bIns="0">
+            <a:normAutofit/>
+          </a:bodyPr>
+          <a:p>
+            <a:pPr marL="432000" indent="-324000">
               <a:spcBef>
-                <a:spcPts val="519"/>
+                <a:spcPts val="1417"/>
               </a:spcBef>
               <a:buClr>
-                <a:srgbClr val="0bd0d9"/>
+                <a:srgbClr val="000000"/>
               </a:buClr>
-              <a:buSzPct val="95000"/>
-              <a:buFont typeface="Wingdings 2" charset="2"/>
-              <a:buChar char=""/>
-            </a:pPr>
-            <a:r>
-              <a:rPr b="0" lang="en-US" sz="2600" spc="-1" strike="noStrike">
-                <a:solidFill>
-                  <a:srgbClr val="000000"/>
-                </a:solidFill>
-                <a:latin typeface="Constantia"/>
-              </a:rPr>
-              <a:t>Click to edit Master text styles</a:t>
-            </a:r>
-            <a:endParaRPr b="0" lang="en-US" sz="2600" spc="-1" strike="noStrike">
-              <a:solidFill>
-                <a:srgbClr val="000000"/>
-              </a:solidFill>
-              <a:latin typeface="Constantia"/>
-            </a:endParaRPr>
-          </a:p>
-          <a:p>
-            <a:pPr lvl="1" marL="640080" indent="-246600">
-              <a:lnSpc>
-                <a:spcPct val="100000"/>
-              </a:lnSpc>
+              <a:buSzPct val="45000"/>
+              <a:buFont typeface="Wingdings" charset="2"/>
+              <a:buChar char=""/>
+            </a:pPr>
+            <a:r>
+              <a:rPr b="0" lang="en-IN" sz="3200" spc="-1" strike="noStrike">
+                <a:latin typeface="Arial"/>
+              </a:rPr>
+              <a:t>Click to edit the outline text format</a:t>
+            </a:r>
+            <a:endParaRPr b="0" lang="en-IN" sz="3200" spc="-1" strike="noStrike">
+              <a:latin typeface="Arial"/>
+            </a:endParaRPr>
+          </a:p>
+          <a:p>
+            <a:pPr lvl="1" marL="864000" indent="-324000">
               <a:spcBef>
-                <a:spcPts val="479"/>
+                <a:spcPts val="1134"/>
               </a:spcBef>
               <a:buClr>
-                <a:srgbClr val="0f6fc6"/>
+                <a:srgbClr val="000000"/>
               </a:buClr>
-              <a:buSzPct val="85000"/>
-              <a:buFont typeface="Wingdings 2" charset="2"/>
-              <a:buChar char=""/>
-            </a:pPr>
-            <a:r>
-              <a:rPr b="0" lang="en-US" sz="2400" spc="-1" strike="noStrike">
-                <a:solidFill>
-                  <a:srgbClr val="000000"/>
-                </a:solidFill>
-                <a:latin typeface="Constantia"/>
-              </a:rPr>
-              <a:t>Second level</a:t>
-            </a:r>
-            <a:endParaRPr b="0" lang="en-US" sz="2400" spc="-1" strike="noStrike">
-              <a:solidFill>
-                <a:srgbClr val="000000"/>
-              </a:solidFill>
-              <a:latin typeface="Constantia"/>
-            </a:endParaRPr>
-          </a:p>
-          <a:p>
-            <a:pPr lvl="2" marL="914400" indent="-246600">
-              <a:lnSpc>
-                <a:spcPct val="100000"/>
-              </a:lnSpc>
+              <a:buSzPct val="75000"/>
+              <a:buFont typeface="Symbol" charset="2"/>
+              <a:buChar char=""/>
+            </a:pPr>
+            <a:r>
+              <a:rPr b="0" lang="en-IN" sz="2800" spc="-1" strike="noStrike">
+                <a:latin typeface="Arial"/>
+              </a:rPr>
+              <a:t>Second Outline Level</a:t>
+            </a:r>
+            <a:endParaRPr b="0" lang="en-IN" sz="2800" spc="-1" strike="noStrike">
+              <a:latin typeface="Arial"/>
+            </a:endParaRPr>
+          </a:p>
+          <a:p>
+            <a:pPr lvl="2" marL="1296000" indent="-288000">
               <a:spcBef>
-                <a:spcPts val="420"/>
+                <a:spcPts val="850"/>
               </a:spcBef>
               <a:buClr>
-                <a:srgbClr val="009dd9"/>
+                <a:srgbClr val="000000"/>
               </a:buClr>
-              <a:buSzPct val="70000"/>
-              <a:buFont typeface="Wingdings 2" charset="2"/>
-              <a:buChar char=""/>
-            </a:pPr>
-            <a:r>
-              <a:rPr b="0" lang="en-US" sz="2100" spc="-1" strike="noStrike">
-                <a:solidFill>
-                  <a:srgbClr val="000000"/>
-                </a:solidFill>
-                <a:latin typeface="Constantia"/>
-              </a:rPr>
-              <a:t>Third level</a:t>
-            </a:r>
-            <a:endParaRPr b="0" lang="en-US" sz="2100" spc="-1" strike="noStrike">
-              <a:solidFill>
-                <a:srgbClr val="000000"/>
-              </a:solidFill>
-              <a:latin typeface="Constantia"/>
-            </a:endParaRPr>
-          </a:p>
-          <a:p>
-            <a:pPr lvl="3" marL="1188720" indent="-209880">
-              <a:lnSpc>
-                <a:spcPct val="100000"/>
-              </a:lnSpc>
+              <a:buSzPct val="45000"/>
+              <a:buFont typeface="Wingdings" charset="2"/>
+              <a:buChar char=""/>
+            </a:pPr>
+            <a:r>
+              <a:rPr b="0" lang="en-IN" sz="2400" spc="-1" strike="noStrike">
+                <a:latin typeface="Arial"/>
+              </a:rPr>
+              <a:t>Third Outline Level</a:t>
+            </a:r>
+            <a:endParaRPr b="0" lang="en-IN" sz="2400" spc="-1" strike="noStrike">
+              <a:latin typeface="Arial"/>
+            </a:endParaRPr>
+          </a:p>
+          <a:p>
+            <a:pPr lvl="3" marL="1728000" indent="-216000">
               <a:spcBef>
-                <a:spcPts val="400"/>
+                <a:spcPts val="567"/>
               </a:spcBef>
               <a:buClr>
-                <a:srgbClr val="0bd0d9"/>
+                <a:srgbClr val="000000"/>
               </a:buClr>
-              <a:buSzPct val="65000"/>
-              <a:buFont typeface="Wingdings 2" charset="2"/>
-              <a:buChar char=""/>
-            </a:pPr>
-            <a:r>
-              <a:rPr b="0" lang="en-US" sz="2000" spc="-1" strike="noStrike">
-                <a:solidFill>
-                  <a:srgbClr val="000000"/>
-                </a:solidFill>
-                <a:latin typeface="Constantia"/>
-              </a:rPr>
-              <a:t>Fourth level</a:t>
-            </a:r>
-            <a:endParaRPr b="0" lang="en-US" sz="2000" spc="-1" strike="noStrike">
-              <a:solidFill>
-                <a:srgbClr val="000000"/>
-              </a:solidFill>
-              <a:latin typeface="Constantia"/>
-            </a:endParaRPr>
-          </a:p>
-          <a:p>
-            <a:pPr lvl="4" marL="1463040" indent="-209880">
-              <a:lnSpc>
-                <a:spcPct val="100000"/>
-              </a:lnSpc>
+              <a:buSzPct val="75000"/>
+              <a:buFont typeface="Symbol" charset="2"/>
+              <a:buChar char=""/>
+            </a:pPr>
+            <a:r>
+              <a:rPr b="0" lang="en-IN" sz="2000" spc="-1" strike="noStrike">
+                <a:latin typeface="Arial"/>
+              </a:rPr>
+              <a:t>Fourth Outline Level</a:t>
+            </a:r>
+            <a:endParaRPr b="0" lang="en-IN" sz="2000" spc="-1" strike="noStrike">
+              <a:latin typeface="Arial"/>
+            </a:endParaRPr>
+          </a:p>
+          <a:p>
+            <a:pPr lvl="4" marL="2160000" indent="-216000">
               <a:spcBef>
-                <a:spcPts val="400"/>
+                <a:spcPts val="283"/>
               </a:spcBef>
               <a:buClr>
-                <a:srgbClr val="10cf9b"/>
+                <a:srgbClr val="000000"/>
               </a:buClr>
-              <a:buSzPct val="65000"/>
-              <a:buFont typeface="Wingdings 2" charset="2"/>
-              <a:buChar char=""/>
-            </a:pPr>
-            <a:r>
-              <a:rPr b="0" lang="en-US" sz="2000" spc="-1" strike="noStrike">
-                <a:solidFill>
-                  <a:srgbClr val="000000"/>
-                </a:solidFill>
-                <a:latin typeface="Constantia"/>
-              </a:rPr>
-              <a:t>Fifth level</a:t>
-            </a:r>
-            <a:endParaRPr b="0" lang="en-US" sz="2000" spc="-1" strike="noStrike">
-              <a:solidFill>
+              <a:buSzPct val="45000"/>
+              <a:buFont typeface="Wingdings" charset="2"/>
+              <a:buChar char=""/>
+            </a:pPr>
+            <a:r>
+              <a:rPr b="0" lang="en-IN" sz="2000" spc="-1" strike="noStrike">
+                <a:latin typeface="Arial"/>
+              </a:rPr>
+              <a:t>Fifth Outline Level</a:t>
+            </a:r>
+            <a:endParaRPr b="0" lang="en-IN" sz="2000" spc="-1" strike="noStrike">
+              <a:latin typeface="Arial"/>
+            </a:endParaRPr>
+          </a:p>
+          <a:p>
+            <a:pPr lvl="5" marL="2592000" indent="-216000">
+              <a:spcBef>
+                <a:spcPts val="283"/>
+              </a:spcBef>
+              <a:buClr>
                 <a:srgbClr val="000000"/>
-              </a:solidFill>
-              <a:latin typeface="Constantia"/>
-            </a:endParaRPr>
-          </a:p>
-        </p:txBody>
-      </p:sp>
-      <p:sp>
-        <p:nvSpPr>
-          <p:cNvPr id="53" name="PlaceHolder 8"/>
-          <p:cNvSpPr>
-            <a:spLocks noGrp="1"/>
-          </p:cNvSpPr>
-          <p:nvPr>
-            <p:ph type="dt"/>
-          </p:nvPr>
-        </p:nvSpPr>
-        <p:spPr>
-          <a:xfrm>
-            <a:off x="630000" y="6356520"/>
-            <a:ext cx="2940120" cy="364680"/>
-          </a:xfrm>
-          <a:prstGeom prst="rect">
-            <a:avLst/>
-          </a:prstGeom>
-        </p:spPr>
-        <p:txBody>
-          <a:bodyPr lIns="0" rIns="0" tIns="0" bIns="0" anchor="b"/>
-          <a:p>
-            <a:pPr>
-              <a:lnSpc>
-                <a:spcPct val="100000"/>
-              </a:lnSpc>
-            </a:pPr>
-            <a:fld id="{8350C8A6-08E8-4660-8C25-5BBAB10E6D96}" type="datetime">
-              <a:rPr b="0" lang="en-IN" sz="1200" spc="-1" strike="noStrike">
-                <a:solidFill>
-                  <a:srgbClr val="035c75"/>
-                </a:solidFill>
-                <a:latin typeface="Constantia"/>
-              </a:rPr>
-              <a:t>11/10/18</a:t>
-            </a:fld>
-            <a:endParaRPr b="0" lang="en-IN" sz="1200" spc="-1" strike="noStrike">
-              <a:latin typeface="Times New Roman"/>
-            </a:endParaRPr>
-          </a:p>
-        </p:txBody>
-      </p:sp>
-      <p:sp>
-        <p:nvSpPr>
-          <p:cNvPr id="54" name="PlaceHolder 9"/>
-          <p:cNvSpPr>
-            <a:spLocks noGrp="1"/>
-          </p:cNvSpPr>
-          <p:nvPr>
-            <p:ph type="ftr"/>
-          </p:nvPr>
-        </p:nvSpPr>
-        <p:spPr>
-          <a:xfrm>
-            <a:off x="3675600" y="6356520"/>
-            <a:ext cx="4620240" cy="364680"/>
-          </a:xfrm>
-          <a:prstGeom prst="rect">
-            <a:avLst/>
-          </a:prstGeom>
-        </p:spPr>
-        <p:txBody>
-          <a:bodyPr lIns="0" rIns="0" tIns="0" bIns="0" anchor="b"/>
-          <a:p>
-            <a:endParaRPr b="0" lang="en-IN" sz="2400" spc="-1" strike="noStrike">
-              <a:latin typeface="Times New Roman"/>
-            </a:endParaRPr>
-          </a:p>
-        </p:txBody>
-      </p:sp>
-      <p:sp>
-        <p:nvSpPr>
-          <p:cNvPr id="55" name="PlaceHolder 10"/>
-          <p:cNvSpPr>
-            <a:spLocks noGrp="1"/>
-          </p:cNvSpPr>
-          <p:nvPr>
-            <p:ph type="sldNum"/>
-          </p:nvPr>
-        </p:nvSpPr>
-        <p:spPr>
-          <a:xfrm>
-            <a:off x="10921320" y="6356520"/>
-            <a:ext cx="1049760" cy="364680"/>
-          </a:xfrm>
-          <a:prstGeom prst="rect">
-            <a:avLst/>
-          </a:prstGeom>
-        </p:spPr>
-        <p:txBody>
-          <a:bodyPr lIns="0" rIns="0" tIns="0" bIns="0" anchor="b"/>
-          <a:p>
-            <a:pPr algn="r">
-              <a:lnSpc>
-                <a:spcPct val="100000"/>
-              </a:lnSpc>
-            </a:pPr>
-            <a:fld id="{E0DCE032-8DF7-4C8C-8631-C74F204B2C60}" type="slidenum">
-              <a:rPr b="0" lang="en-IN" sz="1200" spc="-1" strike="noStrike">
-                <a:solidFill>
-                  <a:srgbClr val="035c75"/>
-                </a:solidFill>
-                <a:latin typeface="Constantia"/>
-              </a:rPr>
-              <a:t>1</a:t>
-            </a:fld>
-            <a:endParaRPr b="0" lang="en-IN" sz="1200" spc="-1" strike="noStrike">
-              <a:latin typeface="Times New Roman"/>
+              </a:buClr>
+              <a:buSzPct val="45000"/>
+              <a:buFont typeface="Wingdings" charset="2"/>
+              <a:buChar char=""/>
+            </a:pPr>
+            <a:r>
+              <a:rPr b="0" lang="en-IN" sz="2000" spc="-1" strike="noStrike">
+                <a:latin typeface="Arial"/>
+              </a:rPr>
+              <a:t>Sixth Outline Level</a:t>
+            </a:r>
+            <a:endParaRPr b="0" lang="en-IN" sz="2000" spc="-1" strike="noStrike">
+              <a:latin typeface="Arial"/>
+            </a:endParaRPr>
+          </a:p>
+          <a:p>
+            <a:pPr lvl="6" marL="3024000" indent="-216000">
+              <a:spcBef>
+                <a:spcPts val="283"/>
+              </a:spcBef>
+              <a:buClr>
+                <a:srgbClr val="000000"/>
+              </a:buClr>
+              <a:buSzPct val="45000"/>
+              <a:buFont typeface="Wingdings" charset="2"/>
+              <a:buChar char=""/>
+            </a:pPr>
+            <a:r>
+              <a:rPr b="0" lang="en-IN" sz="2000" spc="-1" strike="noStrike">
+                <a:latin typeface="Arial"/>
+              </a:rPr>
+              <a:t>Seventh Outline Level</a:t>
+            </a:r>
+            <a:endParaRPr b="0" lang="en-IN" sz="2000" spc="-1" strike="noStrike">
+              <a:latin typeface="Arial"/>
             </a:endParaRPr>
           </a:p>
         </p:txBody>
@@ -6036,14 +5481,14 @@
       </p:grpSpPr>
       <p:sp>
         <p:nvSpPr>
-          <p:cNvPr id="92" name="CustomShape 1"/>
+          <p:cNvPr id="86" name="CustomShape 1"/>
           <p:cNvSpPr/>
           <p:nvPr/>
         </p:nvSpPr>
         <p:spPr>
           <a:xfrm>
             <a:off x="-12960" y="-7200"/>
-            <a:ext cx="12627360" cy="1041120"/>
+            <a:ext cx="12627000" cy="1040760"/>
           </a:xfrm>
           <a:custGeom>
             <a:avLst/>
@@ -6125,14 +5570,14 @@
       </p:sp>
       <p:sp>
         <p:nvSpPr>
-          <p:cNvPr id="93" name="CustomShape 2"/>
+          <p:cNvPr id="87" name="CustomShape 2"/>
           <p:cNvSpPr/>
           <p:nvPr/>
         </p:nvSpPr>
         <p:spPr>
           <a:xfrm>
             <a:off x="6038280" y="-7200"/>
-            <a:ext cx="6562800" cy="637920"/>
+            <a:ext cx="6562440" cy="637560"/>
           </a:xfrm>
           <a:custGeom>
             <a:avLst/>
@@ -6181,7 +5626,7 @@
                 </a:schemeClr>
               </a:gs>
             </a:gsLst>
-            <a:lin ang="16200000"/>
+            <a:lin ang="5400000"/>
           </a:gradFill>
           <a:ln w="9360">
             <a:noFill/>
@@ -6196,28 +5641,28 @@
       </p:sp>
       <p:grpSp>
         <p:nvGrpSpPr>
-          <p:cNvPr id="94" name="Group 3"/>
+          <p:cNvPr id="88" name="Group 3"/>
           <p:cNvGrpSpPr/>
           <p:nvPr/>
         </p:nvGrpSpPr>
         <p:grpSpPr>
           <a:xfrm>
-            <a:off x="-40320" y="-16560"/>
-            <a:ext cx="12642840" cy="1087560"/>
-            <a:chOff x="-40320" y="-16560"/>
-            <a:chExt cx="12642840" cy="1087560"/>
+            <a:off x="-40320" y="-16920"/>
+            <a:ext cx="12659040" cy="1086480"/>
+            <a:chOff x="-40320" y="-16920"/>
+            <a:chExt cx="12659040" cy="1086480"/>
           </a:xfrm>
         </p:grpSpPr>
         <p:sp>
           <p:nvSpPr>
-            <p:cNvPr id="95" name="CustomShape 4"/>
+            <p:cNvPr id="89" name="CustomShape 4"/>
             <p:cNvSpPr/>
             <p:nvPr/>
           </p:nvSpPr>
           <p:spPr>
             <a:xfrm rot="21480600">
-              <a:off x="-32760" y="201960"/>
-              <a:ext cx="12620520" cy="649080"/>
+              <a:off x="-32760" y="201600"/>
+              <a:ext cx="12620160" cy="648720"/>
             </a:xfrm>
             <a:custGeom>
               <a:avLst/>
@@ -6264,14 +5709,14 @@
         </p:sp>
         <p:sp>
           <p:nvSpPr>
-            <p:cNvPr id="96" name="CustomShape 5"/>
+            <p:cNvPr id="90" name="CustomShape 5"/>
             <p:cNvSpPr/>
             <p:nvPr/>
           </p:nvSpPr>
           <p:spPr>
             <a:xfrm rot="21480600">
               <a:off x="-24480" y="275760"/>
-              <a:ext cx="12638160" cy="530280"/>
+              <a:ext cx="12637800" cy="529920"/>
             </a:xfrm>
             <a:custGeom>
               <a:avLst/>
@@ -6319,7 +5764,7 @@
       </p:grpSp>
       <p:sp>
         <p:nvSpPr>
-          <p:cNvPr id="97" name="PlaceHolder 6"/>
+          <p:cNvPr id="91" name="PlaceHolder 6"/>
           <p:cNvSpPr>
             <a:spLocks noGrp="1"/>
           </p:cNvSpPr>
@@ -6330,155 +5775,30 @@
         <p:spPr>
           <a:xfrm>
             <a:off x="735120" y="1371600"/>
-            <a:ext cx="10820160" cy="1828440"/>
-          </a:xfrm>
-          <a:prstGeom prst="rect">
-            <a:avLst/>
-          </a:prstGeom>
-        </p:spPr>
-        <p:txBody>
-          <a:bodyPr lIns="0" rIns="18360" tIns="0" bIns="0" anchor="b">
-            <a:normAutofit/>
-          </a:bodyPr>
-          <a:p>
-            <a:pPr algn="r">
-              <a:lnSpc>
-                <a:spcPct val="100000"/>
-              </a:lnSpc>
-            </a:pPr>
-            <a:r>
-              <a:rPr b="1" lang="en-US" sz="5600" spc="-1" strike="noStrike">
-                <a:solidFill>
-                  <a:srgbClr val="50e0ea"/>
-                </a:solidFill>
-                <a:latin typeface="Calibri"/>
-              </a:rPr>
-              <a:t>Click to edit Master title style</a:t>
-            </a:r>
-            <a:endParaRPr b="0" lang="en-US" sz="5600" spc="-1" strike="noStrike">
-              <a:solidFill>
-                <a:srgbClr val="ffffff"/>
-              </a:solidFill>
-              <a:latin typeface="Constantia"/>
-            </a:endParaRPr>
-          </a:p>
-        </p:txBody>
-      </p:sp>
-      <p:sp>
-        <p:nvSpPr>
-          <p:cNvPr id="98" name="PlaceHolder 7"/>
-          <p:cNvSpPr>
-            <a:spLocks noGrp="1"/>
-          </p:cNvSpPr>
-          <p:nvPr>
-            <p:ph type="dt"/>
-          </p:nvPr>
-        </p:nvSpPr>
-        <p:spPr>
-          <a:xfrm>
-            <a:off x="630000" y="6356520"/>
-            <a:ext cx="2940120" cy="364680"/>
-          </a:xfrm>
-          <a:prstGeom prst="rect">
-            <a:avLst/>
-          </a:prstGeom>
-        </p:spPr>
-        <p:txBody>
-          <a:bodyPr lIns="0" rIns="0" tIns="0" bIns="0" anchor="b"/>
-          <a:p>
-            <a:pPr>
-              <a:lnSpc>
-                <a:spcPct val="100000"/>
-              </a:lnSpc>
-            </a:pPr>
-            <a:fld id="{352D6D58-B72B-42F9-9C5B-5F3E24AF7756}" type="datetime">
-              <a:rPr b="0" lang="en-IN" sz="1200" spc="-1" strike="noStrike">
-                <a:solidFill>
-                  <a:srgbClr val="d1eaed"/>
-                </a:solidFill>
-                <a:latin typeface="Constantia"/>
-              </a:rPr>
-              <a:t>11/10/18</a:t>
-            </a:fld>
-            <a:endParaRPr b="0" lang="en-IN" sz="1200" spc="-1" strike="noStrike">
-              <a:latin typeface="Times New Roman"/>
-            </a:endParaRPr>
-          </a:p>
-        </p:txBody>
-      </p:sp>
-      <p:sp>
-        <p:nvSpPr>
-          <p:cNvPr id="99" name="PlaceHolder 8"/>
-          <p:cNvSpPr>
-            <a:spLocks noGrp="1"/>
-          </p:cNvSpPr>
-          <p:nvPr>
-            <p:ph type="ftr"/>
-          </p:nvPr>
-        </p:nvSpPr>
-        <p:spPr>
-          <a:xfrm>
-            <a:off x="3675600" y="6356520"/>
-            <a:ext cx="4620240" cy="364680"/>
-          </a:xfrm>
-          <a:prstGeom prst="rect">
-            <a:avLst/>
-          </a:prstGeom>
-        </p:spPr>
-        <p:txBody>
-          <a:bodyPr lIns="0" rIns="0" tIns="0" bIns="0" anchor="b"/>
-          <a:p>
-            <a:endParaRPr b="0" lang="en-IN" sz="2400" spc="-1" strike="noStrike">
-              <a:latin typeface="Times New Roman"/>
-            </a:endParaRPr>
-          </a:p>
-        </p:txBody>
-      </p:sp>
-      <p:sp>
-        <p:nvSpPr>
-          <p:cNvPr id="100" name="PlaceHolder 9"/>
-          <p:cNvSpPr>
-            <a:spLocks noGrp="1"/>
-          </p:cNvSpPr>
-          <p:nvPr>
-            <p:ph type="sldNum"/>
-          </p:nvPr>
-        </p:nvSpPr>
-        <p:spPr>
-          <a:xfrm>
-            <a:off x="10921320" y="6356520"/>
-            <a:ext cx="1049760" cy="364680"/>
-          </a:xfrm>
-          <a:prstGeom prst="rect">
-            <a:avLst/>
-          </a:prstGeom>
-        </p:spPr>
-        <p:txBody>
-          <a:bodyPr lIns="0" rIns="0" tIns="0" bIns="0" anchor="b"/>
-          <a:p>
-            <a:pPr algn="r">
-              <a:lnSpc>
-                <a:spcPct val="100000"/>
-              </a:lnSpc>
-            </a:pPr>
-            <a:fld id="{5CCD625C-9CE1-40AC-A0C6-8E4AAAF59D95}" type="slidenum">
-              <a:rPr b="0" lang="en-IN" sz="1200" spc="-1" strike="noStrike">
-                <a:solidFill>
-                  <a:srgbClr val="d1eaed"/>
-                </a:solidFill>
-                <a:latin typeface="Constantia"/>
-              </a:rPr>
-              <a:t>1</a:t>
-            </a:fld>
-            <a:endParaRPr b="0" lang="en-IN" sz="1200" spc="-1" strike="noStrike">
-              <a:latin typeface="Times New Roman"/>
-            </a:endParaRPr>
-          </a:p>
-        </p:txBody>
-      </p:sp>
-      <p:sp>
-        <p:nvSpPr>
-          <p:cNvPr id="101" name="PlaceHolder 10"/>
+            <a:ext cx="10819800" cy="1828080"/>
+          </a:xfrm>
+          <a:prstGeom prst="rect">
+            <a:avLst/>
+          </a:prstGeom>
+        </p:spPr>
+        <p:txBody>
+          <a:bodyPr lIns="0" rIns="0" tIns="0" bIns="0" anchor="ctr"/>
+          <a:p>
+            <a:r>
+              <a:rPr b="0" lang="en-IN" sz="1800" spc="-1" strike="noStrike">
+                <a:latin typeface="Arial"/>
+              </a:rPr>
+              <a:t>Click to edit the title text format</a:t>
+            </a:r>
+            <a:endParaRPr b="0" lang="en-IN" sz="1800" spc="-1" strike="noStrike">
+              <a:latin typeface="Arial"/>
+            </a:endParaRPr>
+          </a:p>
+        </p:txBody>
+      </p:sp>
+      <p:sp>
+        <p:nvSpPr>
+          <p:cNvPr id="92" name="PlaceHolder 7"/>
           <p:cNvSpPr>
             <a:spLocks noGrp="1"/>
           </p:cNvSpPr>
@@ -6512,19 +5832,13 @@
               <a:buChar char=""/>
             </a:pPr>
             <a:r>
-              <a:rPr b="0" lang="en-US" sz="2600" spc="-1" strike="noStrike">
-                <a:solidFill>
-                  <a:srgbClr val="ffffff"/>
-                </a:solidFill>
-                <a:latin typeface="Constantia"/>
+              <a:rPr b="0" lang="en-IN" sz="3200" spc="-1" strike="noStrike">
+                <a:latin typeface="Arial"/>
               </a:rPr>
               <a:t>Click to edit the outline text format</a:t>
             </a:r>
-            <a:endParaRPr b="0" lang="en-US" sz="2600" spc="-1" strike="noStrike">
-              <a:solidFill>
-                <a:srgbClr val="ffffff"/>
-              </a:solidFill>
-              <a:latin typeface="Constantia"/>
+            <a:endParaRPr b="0" lang="en-IN" sz="3200" spc="-1" strike="noStrike">
+              <a:latin typeface="Arial"/>
             </a:endParaRPr>
           </a:p>
           <a:p>
@@ -6540,19 +5854,13 @@
               <a:buChar char=""/>
             </a:pPr>
             <a:r>
-              <a:rPr b="0" lang="en-US" sz="2100" spc="-1" strike="noStrike">
-                <a:solidFill>
-                  <a:srgbClr val="ffffff"/>
-                </a:solidFill>
-                <a:latin typeface="Constantia"/>
+              <a:rPr b="0" lang="en-IN" sz="2800" spc="-1" strike="noStrike">
+                <a:latin typeface="Arial"/>
               </a:rPr>
               <a:t>Second Outline Level</a:t>
             </a:r>
-            <a:endParaRPr b="0" lang="en-US" sz="2100" spc="-1" strike="noStrike">
-              <a:solidFill>
-                <a:srgbClr val="ffffff"/>
-              </a:solidFill>
-              <a:latin typeface="Constantia"/>
+            <a:endParaRPr b="0" lang="en-IN" sz="2800" spc="-1" strike="noStrike">
+              <a:latin typeface="Arial"/>
             </a:endParaRPr>
           </a:p>
           <a:p>
@@ -6568,19 +5876,13 @@
               <a:buChar char=""/>
             </a:pPr>
             <a:r>
-              <a:rPr b="0" lang="en-US" sz="2000" spc="-1" strike="noStrike">
-                <a:solidFill>
-                  <a:srgbClr val="ffffff"/>
-                </a:solidFill>
-                <a:latin typeface="Constantia"/>
+              <a:rPr b="0" lang="en-IN" sz="2400" spc="-1" strike="noStrike">
+                <a:latin typeface="Arial"/>
               </a:rPr>
               <a:t>Third Outline Level</a:t>
             </a:r>
-            <a:endParaRPr b="0" lang="en-US" sz="2000" spc="-1" strike="noStrike">
-              <a:solidFill>
-                <a:srgbClr val="ffffff"/>
-              </a:solidFill>
-              <a:latin typeface="Constantia"/>
+            <a:endParaRPr b="0" lang="en-IN" sz="2400" spc="-1" strike="noStrike">
+              <a:latin typeface="Arial"/>
             </a:endParaRPr>
           </a:p>
           <a:p>
@@ -6596,19 +5898,13 @@
               <a:buChar char=""/>
             </a:pPr>
             <a:r>
-              <a:rPr b="0" lang="en-US" sz="2000" spc="-1" strike="noStrike">
-                <a:solidFill>
-                  <a:srgbClr val="ffffff"/>
-                </a:solidFill>
-                <a:latin typeface="Constantia"/>
+              <a:rPr b="0" lang="en-IN" sz="2000" spc="-1" strike="noStrike">
+                <a:latin typeface="Arial"/>
               </a:rPr>
               <a:t>Fourth Outline Level</a:t>
             </a:r>
-            <a:endParaRPr b="0" lang="en-US" sz="2000" spc="-1" strike="noStrike">
-              <a:solidFill>
-                <a:srgbClr val="ffffff"/>
-              </a:solidFill>
-              <a:latin typeface="Constantia"/>
+            <a:endParaRPr b="0" lang="en-IN" sz="2000" spc="-1" strike="noStrike">
+              <a:latin typeface="Arial"/>
             </a:endParaRPr>
           </a:p>
           <a:p>
@@ -6624,19 +5920,13 @@
               <a:buChar char=""/>
             </a:pPr>
             <a:r>
-              <a:rPr b="0" lang="en-US" sz="2000" spc="-1" strike="noStrike">
-                <a:solidFill>
-                  <a:srgbClr val="ffffff"/>
-                </a:solidFill>
-                <a:latin typeface="Constantia"/>
+              <a:rPr b="0" lang="en-IN" sz="2000" spc="-1" strike="noStrike">
+                <a:latin typeface="Arial"/>
               </a:rPr>
               <a:t>Fifth Outline Level</a:t>
             </a:r>
-            <a:endParaRPr b="0" lang="en-US" sz="2000" spc="-1" strike="noStrike">
-              <a:solidFill>
-                <a:srgbClr val="ffffff"/>
-              </a:solidFill>
-              <a:latin typeface="Constantia"/>
+            <a:endParaRPr b="0" lang="en-IN" sz="2000" spc="-1" strike="noStrike">
+              <a:latin typeface="Arial"/>
             </a:endParaRPr>
           </a:p>
           <a:p>
@@ -6652,19 +5942,13 @@
               <a:buChar char=""/>
             </a:pPr>
             <a:r>
-              <a:rPr b="0" lang="en-US" sz="2000" spc="-1" strike="noStrike">
-                <a:solidFill>
-                  <a:srgbClr val="ffffff"/>
-                </a:solidFill>
-                <a:latin typeface="Constantia"/>
+              <a:rPr b="0" lang="en-IN" sz="2000" spc="-1" strike="noStrike">
+                <a:latin typeface="Arial"/>
               </a:rPr>
               <a:t>Sixth Outline Level</a:t>
             </a:r>
-            <a:endParaRPr b="0" lang="en-US" sz="2000" spc="-1" strike="noStrike">
-              <a:solidFill>
-                <a:srgbClr val="ffffff"/>
-              </a:solidFill>
-              <a:latin typeface="Constantia"/>
+            <a:endParaRPr b="0" lang="en-IN" sz="2000" spc="-1" strike="noStrike">
+              <a:latin typeface="Arial"/>
             </a:endParaRPr>
           </a:p>
           <a:p>
@@ -6680,19 +5964,13 @@
               <a:buChar char=""/>
             </a:pPr>
             <a:r>
-              <a:rPr b="0" lang="en-US" sz="2000" spc="-1" strike="noStrike">
-                <a:solidFill>
-                  <a:srgbClr val="ffffff"/>
-                </a:solidFill>
-                <a:latin typeface="Constantia"/>
+              <a:rPr b="0" lang="en-IN" sz="2000" spc="-1" strike="noStrike">
+                <a:latin typeface="Arial"/>
               </a:rPr>
               <a:t>Seventh Outline Level</a:t>
             </a:r>
-            <a:endParaRPr b="0" lang="en-US" sz="2000" spc="-1" strike="noStrike">
-              <a:solidFill>
-                <a:srgbClr val="ffffff"/>
-              </a:solidFill>
-              <a:latin typeface="Constantia"/>
+            <a:endParaRPr b="0" lang="en-IN" sz="2000" spc="-1" strike="noStrike">
+              <a:latin typeface="Arial"/>
             </a:endParaRPr>
           </a:p>
         </p:txBody>
@@ -6736,59 +6014,14 @@
       </p:grpSpPr>
       <p:sp>
         <p:nvSpPr>
-          <p:cNvPr id="144" name="TextShape 1"/>
-          <p:cNvSpPr txBox="1"/>
-          <p:nvPr/>
-        </p:nvSpPr>
-        <p:spPr>
-          <a:xfrm>
-            <a:off x="0" y="274680"/>
-            <a:ext cx="12601080" cy="561600"/>
-          </a:xfrm>
-          <a:prstGeom prst="rect">
-            <a:avLst/>
-          </a:prstGeom>
-          <a:noFill/>
-          <a:ln>
-            <a:noFill/>
-          </a:ln>
-        </p:spPr>
-        <p:txBody>
-          <a:bodyPr lIns="0" rIns="0" tIns="45000" bIns="0" anchor="b"/>
-          <a:p>
-            <a:pPr>
-              <a:lnSpc>
-                <a:spcPct val="100000"/>
-              </a:lnSpc>
-            </a:pPr>
-            <a:r>
-              <a:rPr b="1" lang="en-US" sz="5000" spc="-1" strike="noStrike">
-                <a:solidFill>
-                  <a:srgbClr val="04617b"/>
-                </a:solidFill>
-                <a:latin typeface="Times New Roman"/>
-              </a:rPr>
-              <a:t>Text Summarizer Using Machine Learning</a:t>
-            </a:r>
-            <a:endParaRPr b="0" lang="en-US" sz="5000" spc="-1" strike="noStrike">
-              <a:solidFill>
-                <a:srgbClr val="000000"/>
-              </a:solidFill>
-              <a:latin typeface="Constantia"/>
-            </a:endParaRPr>
-          </a:p>
-        </p:txBody>
-      </p:sp>
-      <p:sp>
-        <p:nvSpPr>
-          <p:cNvPr id="145" name="CustomShape 2"/>
+          <p:cNvPr id="135" name="CustomShape 1"/>
           <p:cNvSpPr/>
           <p:nvPr/>
         </p:nvSpPr>
         <p:spPr>
           <a:xfrm>
-            <a:off x="0" y="980640"/>
-            <a:ext cx="12601080" cy="3198600"/>
+            <a:off x="0" y="274680"/>
+            <a:ext cx="12600720" cy="561240"/>
           </a:xfrm>
           <a:prstGeom prst="rect">
             <a:avLst/>
@@ -6805,6 +6038,54 @@
           <a:fontRef idx="minor"/>
         </p:style>
         <p:txBody>
+          <a:bodyPr lIns="0" rIns="0" tIns="45000" bIns="0" anchor="b"/>
+          <a:p>
+            <a:pPr>
+              <a:lnSpc>
+                <a:spcPct val="100000"/>
+              </a:lnSpc>
+            </a:pPr>
+            <a:r>
+              <a:rPr b="1" lang="en-IN" sz="5000" spc="-1" strike="noStrike">
+                <a:solidFill>
+                  <a:srgbClr val="04617b"/>
+                </a:solidFill>
+                <a:latin typeface="Times New Roman"/>
+              </a:rPr>
+              <a:t>Text Summarizer Using Machine Learning</a:t>
+            </a:r>
+            <a:endParaRPr b="0" lang="en-IN" sz="5000" spc="-1" strike="noStrike">
+              <a:latin typeface="Arial"/>
+            </a:endParaRPr>
+          </a:p>
+        </p:txBody>
+      </p:sp>
+      <p:sp>
+        <p:nvSpPr>
+          <p:cNvPr id="136" name="CustomShape 2"/>
+          <p:cNvSpPr/>
+          <p:nvPr/>
+        </p:nvSpPr>
+        <p:spPr>
+          <a:xfrm>
+            <a:off x="0" y="980640"/>
+            <a:ext cx="12600720" cy="3198240"/>
+          </a:xfrm>
+          <a:prstGeom prst="rect">
+            <a:avLst/>
+          </a:prstGeom>
+          <a:noFill/>
+          <a:ln>
+            <a:noFill/>
+          </a:ln>
+        </p:spPr>
+        <p:style>
+          <a:lnRef idx="0"/>
+          <a:fillRef idx="0"/>
+          <a:effectRef idx="0"/>
+          <a:fontRef idx="minor"/>
+        </p:style>
+        <p:txBody>
           <a:bodyPr lIns="90000" rIns="90000" tIns="45000" bIns="45000"/>
           <a:p>
             <a:pPr algn="ctr">
@@ -6818,6 +6099,7 @@
                   <a:srgbClr val="000000"/>
                 </a:solidFill>
                 <a:latin typeface="Times New Roman"/>
+                <a:ea typeface="DejaVu Sans"/>
               </a:rPr>
               <a:t>In partial Fulfillment of the Requirements</a:t>
             </a:r>
@@ -6837,6 +6119,7 @@
                   <a:srgbClr val="000000"/>
                 </a:solidFill>
                 <a:latin typeface="Times New Roman"/>
+                <a:ea typeface="DejaVu Sans"/>
               </a:rPr>
               <a:t>For the Degree of Bachelor of Technology</a:t>
             </a:r>
@@ -6866,6 +6149,7 @@
                   <a:srgbClr val="000000"/>
                 </a:solidFill>
                 <a:latin typeface="Times New Roman"/>
+                <a:ea typeface="DejaVu Sans"/>
               </a:rPr>
               <a:t>PROJECT TEAM MEMBERS:</a:t>
             </a:r>
@@ -6885,6 +6169,7 @@
                   <a:srgbClr val="000000"/>
                 </a:solidFill>
                 <a:latin typeface="Times New Roman"/>
+                <a:ea typeface="DejaVu Sans"/>
               </a:rPr>
               <a:t>AMIT KUSHWAHA (2015021012)</a:t>
             </a:r>
@@ -6904,8 +6189,9 @@
                   <a:srgbClr val="000000"/>
                 </a:solidFill>
                 <a:latin typeface="Times New Roman"/>
-              </a:rPr>
-              <a:t>DEEPAK KUAMR(2015021029)</a:t>
+                <a:ea typeface="DejaVu Sans"/>
+              </a:rPr>
+              <a:t>DEEPAK KUMAR(2015021029)</a:t>
             </a:r>
             <a:endParaRPr b="0" lang="en-IN" sz="1800" spc="-1" strike="noStrike">
               <a:latin typeface="Arial"/>
@@ -6923,6 +6209,7 @@
                   <a:srgbClr val="000000"/>
                 </a:solidFill>
                 <a:latin typeface="Times New Roman"/>
+                <a:ea typeface="DejaVu Sans"/>
               </a:rPr>
               <a:t>NITIN SINGH(2015021067)</a:t>
             </a:r>
@@ -6952,6 +6239,7 @@
                   <a:srgbClr val="000000"/>
                 </a:solidFill>
                 <a:latin typeface="Times New Roman"/>
+                <a:ea typeface="DejaVu Sans"/>
               </a:rPr>
               <a:t>Under Guidance of:</a:t>
             </a:r>
@@ -6971,6 +6259,7 @@
                   <a:srgbClr val="000000"/>
                 </a:solidFill>
                 <a:latin typeface="Times New Roman"/>
+                <a:ea typeface="DejaVu Sans"/>
               </a:rPr>
               <a:t>SMT. MEENU(ASSISTANT PROFESSOR)</a:t>
             </a:r>
@@ -6992,7 +6281,7 @@
       </p:sp>
       <p:pic>
         <p:nvPicPr>
-          <p:cNvPr id="146" name="Picture 7" descr=""/>
+          <p:cNvPr id="137" name="Picture 7" descr=""/>
           <p:cNvPicPr/>
           <p:nvPr/>
         </p:nvPicPr>
@@ -7003,7 +6292,7 @@
         <p:spPr>
           <a:xfrm>
             <a:off x="5292720" y="3935520"/>
-            <a:ext cx="1511640" cy="1365480"/>
+            <a:ext cx="1511280" cy="1365120"/>
           </a:xfrm>
           <a:prstGeom prst="rect">
             <a:avLst/>
@@ -7015,14 +6304,14 @@
       </p:pic>
       <p:sp>
         <p:nvSpPr>
-          <p:cNvPr id="147" name="CustomShape 3"/>
+          <p:cNvPr id="138" name="CustomShape 3"/>
           <p:cNvSpPr/>
           <p:nvPr/>
         </p:nvSpPr>
         <p:spPr>
           <a:xfrm>
             <a:off x="1116360" y="5301360"/>
-            <a:ext cx="10440720" cy="913320"/>
+            <a:ext cx="10440360" cy="912960"/>
           </a:xfrm>
           <a:prstGeom prst="rect">
             <a:avLst/>
@@ -7052,6 +6341,7 @@
                   <a:srgbClr val="000000"/>
                 </a:solidFill>
                 <a:latin typeface="Times New Roman"/>
+                <a:ea typeface="DejaVu Sans"/>
               </a:rPr>
               <a:t>Department of Computer Science and Engineering</a:t>
             </a:r>
@@ -7071,6 +6361,7 @@
                   <a:srgbClr val="000000"/>
                 </a:solidFill>
                 <a:latin typeface="Times New Roman"/>
+                <a:ea typeface="DejaVu Sans"/>
               </a:rPr>
               <a:t>MADAN MOHAN MALAVIYA UNIVERSITY OF TECHNOLOGY, GORAKHPUR(U.P.) INDIA</a:t>
             </a:r>
@@ -7090,6 +6381,7 @@
                   <a:srgbClr val="000000"/>
                 </a:solidFill>
                 <a:latin typeface="Times New Roman"/>
+                <a:ea typeface="DejaVu Sans"/>
               </a:rPr>
               <a:t>2018-2019</a:t>
             </a:r>
@@ -7150,14 +6442,14 @@
       </p:grpSpPr>
       <p:sp>
         <p:nvSpPr>
-          <p:cNvPr id="166" name="TextShape 1"/>
-          <p:cNvSpPr txBox="1"/>
+          <p:cNvPr id="157" name="CustomShape 1"/>
+          <p:cNvSpPr/>
           <p:nvPr/>
         </p:nvSpPr>
         <p:spPr>
           <a:xfrm>
             <a:off x="630000" y="704160"/>
-            <a:ext cx="11341080" cy="1142640"/>
+            <a:ext cx="11340720" cy="1142280"/>
           </a:xfrm>
           <a:prstGeom prst="rect">
             <a:avLst/>
@@ -7167,6 +6459,12 @@
             <a:noFill/>
           </a:ln>
         </p:spPr>
+        <p:style>
+          <a:lnRef idx="0"/>
+          <a:fillRef idx="0"/>
+          <a:effectRef idx="0"/>
+          <a:fontRef idx="minor"/>
+        </p:style>
         <p:txBody>
           <a:bodyPr lIns="0" rIns="0" tIns="45000" bIns="0" anchor="b"/>
           <a:p>
@@ -7176,7 +6474,7 @@
               </a:lnSpc>
             </a:pPr>
             <a:r>
-              <a:rPr b="0" lang="en-US" sz="5000" spc="-1" strike="noStrike">
+              <a:rPr b="0" lang="en-IN" sz="5000" spc="-1" strike="noStrike">
                 <a:solidFill>
                   <a:srgbClr val="04617b"/>
                 </a:solidFill>
@@ -7184,25 +6482,22 @@
               </a:rPr>
               <a:t>Sequence to Sequence model:</a:t>
             </a:r>
-            <a:endParaRPr b="0" lang="en-US" sz="5000" spc="-1" strike="noStrike">
-              <a:solidFill>
-                <a:srgbClr val="000000"/>
-              </a:solidFill>
-              <a:latin typeface="Constantia"/>
-            </a:endParaRPr>
-          </a:p>
-        </p:txBody>
-      </p:sp>
-      <p:sp>
-        <p:nvSpPr>
-          <p:cNvPr id="167" name="TextShape 2"/>
-          <p:cNvSpPr txBox="1"/>
+            <a:endParaRPr b="0" lang="en-IN" sz="5000" spc="-1" strike="noStrike">
+              <a:latin typeface="Arial"/>
+            </a:endParaRPr>
+          </a:p>
+        </p:txBody>
+      </p:sp>
+      <p:sp>
+        <p:nvSpPr>
+          <p:cNvPr id="158" name="CustomShape 2"/>
+          <p:cNvSpPr/>
           <p:nvPr/>
         </p:nvSpPr>
         <p:spPr>
           <a:xfrm>
             <a:off x="630000" y="1935360"/>
-            <a:ext cx="11341080" cy="4388760"/>
+            <a:ext cx="11340720" cy="4388400"/>
           </a:xfrm>
           <a:prstGeom prst="rect">
             <a:avLst/>
@@ -7212,6 +6507,12 @@
             <a:noFill/>
           </a:ln>
         </p:spPr>
+        <p:style>
+          <a:lnRef idx="0"/>
+          <a:fillRef idx="0"/>
+          <a:effectRef idx="0"/>
+          <a:fontRef idx="minor"/>
+        </p:style>
         <p:txBody>
           <a:bodyPr lIns="90000" rIns="90000" tIns="45000" bIns="45000"/>
           <a:p>
@@ -7223,15 +6524,12 @@
                 <a:spcPts val="519"/>
               </a:spcBef>
             </a:pPr>
-            <a:endParaRPr b="0" lang="en-US" sz="2600" spc="-1" strike="noStrike">
-              <a:solidFill>
-                <a:srgbClr val="000000"/>
-              </a:solidFill>
-              <a:latin typeface="Constantia"/>
-            </a:endParaRPr>
-          </a:p>
-          <a:p>
-            <a:pPr marL="274320" indent="-273960">
+            <a:endParaRPr b="0" lang="en-IN" sz="1800" spc="-1" strike="noStrike">
+              <a:latin typeface="Arial"/>
+            </a:endParaRPr>
+          </a:p>
+          <a:p>
+            <a:pPr marL="274320" indent="-273600">
               <a:lnSpc>
                 <a:spcPct val="100000"/>
               </a:lnSpc>
@@ -7246,7 +6544,7 @@
               <a:buChar char=""/>
             </a:pPr>
             <a:r>
-              <a:rPr b="0" lang="en-US" sz="2600" spc="-1" strike="noStrike">
+              <a:rPr b="0" lang="en-IN" sz="2600" spc="-1" strike="noStrike">
                 <a:solidFill>
                   <a:srgbClr val="000000"/>
                 </a:solidFill>
@@ -7254,15 +6552,15 @@
               </a:rPr>
               <a:t>Encoder:</a:t>
             </a:r>
-            <a:endParaRPr b="0" lang="en-US" sz="2600" spc="-1" strike="noStrike">
-              <a:solidFill>
-                <a:srgbClr val="000000"/>
-              </a:solidFill>
-              <a:latin typeface="Constantia"/>
-            </a:endParaRPr>
-          </a:p>
-          <a:p>
-            <a:pPr lvl="2" marL="1296000" indent="-288000">
+            <a:endParaRPr b="0" lang="en-IN" sz="2600" spc="-1" strike="noStrike">
+              <a:latin typeface="Arial"/>
+            </a:endParaRPr>
+          </a:p>
+          <a:p>
+            <a:pPr lvl="2" marL="1296000" indent="-287640">
+              <a:lnSpc>
+                <a:spcPct val="100000"/>
+              </a:lnSpc>
               <a:spcBef>
                 <a:spcPts val="850"/>
               </a:spcBef>
@@ -7274,7 +6572,7 @@
               <a:buChar char=""/>
             </a:pPr>
             <a:r>
-              <a:rPr b="0" lang="en-US" sz="2600" spc="-1" strike="noStrike">
+              <a:rPr b="0" lang="en-IN" sz="2600" spc="-1" strike="noStrike">
                 <a:solidFill>
                   <a:srgbClr val="000000"/>
                 </a:solidFill>
@@ -7282,15 +6580,12 @@
               </a:rPr>
               <a:t>The encoder is responsible for stepping through the input time steps and encoding the entire sequence into a fixed length vector called a context vector.</a:t>
             </a:r>
-            <a:endParaRPr b="0" lang="en-US" sz="2600" spc="-1" strike="noStrike">
-              <a:solidFill>
-                <a:srgbClr val="000000"/>
-              </a:solidFill>
-              <a:latin typeface="Constantia"/>
-            </a:endParaRPr>
-          </a:p>
-          <a:p>
-            <a:pPr marL="274320" indent="-273960">
+            <a:endParaRPr b="0" lang="en-IN" sz="2600" spc="-1" strike="noStrike">
+              <a:latin typeface="Arial"/>
+            </a:endParaRPr>
+          </a:p>
+          <a:p>
+            <a:pPr marL="274320" indent="-273600">
               <a:lnSpc>
                 <a:spcPct val="100000"/>
               </a:lnSpc>
@@ -7305,7 +6600,7 @@
               <a:buChar char=""/>
             </a:pPr>
             <a:r>
-              <a:rPr b="0" lang="en-US" sz="2600" spc="-1" strike="noStrike">
+              <a:rPr b="0" lang="en-IN" sz="2600" spc="-1" strike="noStrike">
                 <a:solidFill>
                   <a:srgbClr val="000000"/>
                 </a:solidFill>
@@ -7313,15 +6608,15 @@
               </a:rPr>
               <a:t>Decoder</a:t>
             </a:r>
-            <a:endParaRPr b="0" lang="en-US" sz="2600" spc="-1" strike="noStrike">
-              <a:solidFill>
-                <a:srgbClr val="000000"/>
-              </a:solidFill>
-              <a:latin typeface="Constantia"/>
-            </a:endParaRPr>
-          </a:p>
-          <a:p>
-            <a:pPr lvl="2" marL="1296000" indent="-288000">
+            <a:endParaRPr b="0" lang="en-IN" sz="2600" spc="-1" strike="noStrike">
+              <a:latin typeface="Arial"/>
+            </a:endParaRPr>
+          </a:p>
+          <a:p>
+            <a:pPr lvl="2" marL="1296000" indent="-287640">
+              <a:lnSpc>
+                <a:spcPct val="100000"/>
+              </a:lnSpc>
               <a:spcBef>
                 <a:spcPts val="850"/>
               </a:spcBef>
@@ -7333,7 +6628,7 @@
               <a:buChar char=""/>
             </a:pPr>
             <a:r>
-              <a:rPr b="0" lang="en-US" sz="2600" spc="-1" strike="noStrike">
+              <a:rPr b="0" lang="en-IN" sz="2600" spc="-1" strike="noStrike">
                 <a:solidFill>
                   <a:srgbClr val="000000"/>
                 </a:solidFill>
@@ -7341,11 +6636,8 @@
               </a:rPr>
               <a:t>A decoder network to take this feature representation as input, process it to make its decision, and produce an output</a:t>
             </a:r>
-            <a:endParaRPr b="0" lang="en-US" sz="2600" spc="-1" strike="noStrike">
-              <a:solidFill>
-                <a:srgbClr val="000000"/>
-              </a:solidFill>
-              <a:latin typeface="Constantia"/>
+            <a:endParaRPr b="0" lang="en-IN" sz="2600" spc="-1" strike="noStrike">
+              <a:latin typeface="Arial"/>
             </a:endParaRPr>
           </a:p>
           <a:p>
@@ -7357,11 +6649,8 @@
                 <a:spcPts val="519"/>
               </a:spcBef>
             </a:pPr>
-            <a:endParaRPr b="0" lang="en-US" sz="2600" spc="-1" strike="noStrike">
-              <a:solidFill>
-                <a:srgbClr val="000000"/>
-              </a:solidFill>
-              <a:latin typeface="Constantia"/>
+            <a:endParaRPr b="0" lang="en-IN" sz="2600" spc="-1" strike="noStrike">
+              <a:latin typeface="Arial"/>
             </a:endParaRPr>
           </a:p>
         </p:txBody>
@@ -7417,14 +6706,14 @@
       </p:grpSpPr>
       <p:sp>
         <p:nvSpPr>
-          <p:cNvPr id="168" name="TextShape 1"/>
-          <p:cNvSpPr txBox="1"/>
+          <p:cNvPr id="159" name="CustomShape 1"/>
+          <p:cNvSpPr/>
           <p:nvPr/>
         </p:nvSpPr>
         <p:spPr>
           <a:xfrm>
             <a:off x="630000" y="704160"/>
-            <a:ext cx="11341080" cy="1142640"/>
+            <a:ext cx="11340720" cy="1142280"/>
           </a:xfrm>
           <a:prstGeom prst="rect">
             <a:avLst/>
@@ -7434,6 +6723,12 @@
             <a:noFill/>
           </a:ln>
         </p:spPr>
+        <p:style>
+          <a:lnRef idx="0"/>
+          <a:fillRef idx="0"/>
+          <a:effectRef idx="0"/>
+          <a:fontRef idx="minor"/>
+        </p:style>
         <p:txBody>
           <a:bodyPr lIns="0" rIns="0" tIns="45000" bIns="0" anchor="b"/>
           <a:p>
@@ -7443,7 +6738,7 @@
               </a:lnSpc>
             </a:pPr>
             <a:r>
-              <a:rPr b="0" lang="en-US" sz="5000" spc="-1" strike="noStrike">
+              <a:rPr b="0" lang="en-IN" sz="5000" spc="-1" strike="noStrike">
                 <a:solidFill>
                   <a:srgbClr val="04617b"/>
                 </a:solidFill>
@@ -7451,25 +6746,22 @@
               </a:rPr>
               <a:t>Tools:</a:t>
             </a:r>
-            <a:endParaRPr b="0" lang="en-US" sz="5000" spc="-1" strike="noStrike">
-              <a:solidFill>
-                <a:srgbClr val="000000"/>
-              </a:solidFill>
-              <a:latin typeface="Constantia"/>
-            </a:endParaRPr>
-          </a:p>
-        </p:txBody>
-      </p:sp>
-      <p:sp>
-        <p:nvSpPr>
-          <p:cNvPr id="169" name="TextShape 2"/>
-          <p:cNvSpPr txBox="1"/>
+            <a:endParaRPr b="0" lang="en-IN" sz="5000" spc="-1" strike="noStrike">
+              <a:latin typeface="Arial"/>
+            </a:endParaRPr>
+          </a:p>
+        </p:txBody>
+      </p:sp>
+      <p:sp>
+        <p:nvSpPr>
+          <p:cNvPr id="160" name="CustomShape 2"/>
+          <p:cNvSpPr/>
           <p:nvPr/>
         </p:nvSpPr>
         <p:spPr>
           <a:xfrm>
             <a:off x="630000" y="1600200"/>
-            <a:ext cx="11341080" cy="2980440"/>
+            <a:ext cx="11340720" cy="4951800"/>
           </a:xfrm>
           <a:prstGeom prst="rect">
             <a:avLst/>
@@ -7479,12 +6771,31 @@
             <a:noFill/>
           </a:ln>
         </p:spPr>
+        <p:style>
+          <a:lnRef idx="0"/>
+          <a:fillRef idx="0"/>
+          <a:effectRef idx="0"/>
+          <a:fontRef idx="minor"/>
+        </p:style>
         <p:txBody>
           <a:bodyPr lIns="90000" rIns="90000" tIns="45000" bIns="45000">
             <a:normAutofit/>
           </a:bodyPr>
           <a:p>
-            <a:pPr marL="274320" indent="-273960">
+            <a:pPr>
+              <a:lnSpc>
+                <a:spcPct val="100000"/>
+              </a:lnSpc>
+              <a:spcBef>
+                <a:spcPts val="519"/>
+              </a:spcBef>
+            </a:pPr>
+            <a:endParaRPr b="0" lang="en-IN" sz="1800" spc="-1" strike="noStrike">
+              <a:latin typeface="Arial"/>
+            </a:endParaRPr>
+          </a:p>
+          <a:p>
+            <a:pPr marL="274320" indent="-273600">
               <a:lnSpc>
                 <a:spcPct val="100000"/>
               </a:lnSpc>
@@ -7498,15 +6809,21 @@
               <a:buFont typeface="Wingdings 2" charset="2"/>
               <a:buChar char=""/>
             </a:pPr>
-            <a:endParaRPr b="0" lang="en-US" sz="2600" spc="-1" strike="noStrike">
-              <a:solidFill>
-                <a:srgbClr val="000000"/>
-              </a:solidFill>
-              <a:latin typeface="Constantia"/>
-            </a:endParaRPr>
-          </a:p>
-          <a:p>
-            <a:pPr marL="274320" indent="-273960">
+            <a:r>
+              <a:rPr b="0" lang="en-IN" sz="2600" spc="-1" strike="noStrike">
+                <a:solidFill>
+                  <a:srgbClr val="000000"/>
+                </a:solidFill>
+                <a:latin typeface="Times New Roman"/>
+              </a:rPr>
+              <a:t>Python (version 3.6.7)</a:t>
+            </a:r>
+            <a:endParaRPr b="0" lang="en-IN" sz="2600" spc="-1" strike="noStrike">
+              <a:latin typeface="Arial"/>
+            </a:endParaRPr>
+          </a:p>
+          <a:p>
+            <a:pPr marL="274320" indent="-273600">
               <a:lnSpc>
                 <a:spcPct val="100000"/>
               </a:lnSpc>
@@ -7521,23 +6838,48 @@
               <a:buChar char=""/>
             </a:pPr>
             <a:r>
-              <a:rPr b="0" lang="en-US" sz="2600" spc="-1" strike="noStrike">
+              <a:rPr b="0" lang="en-IN" sz="2600" spc="-1" strike="noStrike">
                 <a:solidFill>
                   <a:srgbClr val="000000"/>
                 </a:solidFill>
                 <a:latin typeface="Times New Roman"/>
               </a:rPr>
-              <a:t>Data Manipulation</a:t>
-            </a:r>
-            <a:endParaRPr b="0" lang="en-US" sz="2600" spc="-1" strike="noStrike">
-              <a:solidFill>
-                <a:srgbClr val="000000"/>
-              </a:solidFill>
-              <a:latin typeface="Constantia"/>
-            </a:endParaRPr>
-          </a:p>
-          <a:p>
-            <a:pPr lvl="2" marL="914400" indent="-246600">
+              <a:t>Visual studio code (IDE)</a:t>
+            </a:r>
+            <a:endParaRPr b="0" lang="en-IN" sz="2600" spc="-1" strike="noStrike">
+              <a:latin typeface="Arial"/>
+            </a:endParaRPr>
+          </a:p>
+          <a:p>
+            <a:pPr marL="274320" indent="-273600">
+              <a:lnSpc>
+                <a:spcPct val="100000"/>
+              </a:lnSpc>
+              <a:spcBef>
+                <a:spcPts val="519"/>
+              </a:spcBef>
+              <a:buClr>
+                <a:srgbClr val="0bd0d9"/>
+              </a:buClr>
+              <a:buSzPct val="95000"/>
+              <a:buFont typeface="Wingdings 2" charset="2"/>
+              <a:buChar char=""/>
+            </a:pPr>
+            <a:r>
+              <a:rPr b="0" lang="en-IN" sz="2600" spc="-1" strike="noStrike">
+                <a:solidFill>
+                  <a:srgbClr val="000000"/>
+                </a:solidFill>
+                <a:latin typeface="Times New Roman"/>
+              </a:rPr>
+              <a:t>Libraries</a:t>
+            </a:r>
+            <a:endParaRPr b="0" lang="en-IN" sz="2600" spc="-1" strike="noStrike">
+              <a:latin typeface="Arial"/>
+            </a:endParaRPr>
+          </a:p>
+          <a:p>
+            <a:pPr lvl="2" marL="914400" indent="-246240">
               <a:lnSpc>
                 <a:spcPct val="100000"/>
               </a:lnSpc>
@@ -7552,7 +6894,7 @@
               <a:buChar char=""/>
             </a:pPr>
             <a:r>
-              <a:rPr b="0" lang="en-US" sz="2100" spc="-1" strike="noStrike">
+              <a:rPr b="0" lang="en-IN" sz="2100" spc="-1" strike="noStrike">
                 <a:solidFill>
                   <a:srgbClr val="000000"/>
                 </a:solidFill>
@@ -7560,15 +6902,12 @@
               </a:rPr>
               <a:t>Pandas:</a:t>
             </a:r>
-            <a:endParaRPr b="0" lang="en-US" sz="2100" spc="-1" strike="noStrike">
-              <a:solidFill>
-                <a:srgbClr val="000000"/>
-              </a:solidFill>
-              <a:latin typeface="Constantia"/>
-            </a:endParaRPr>
-          </a:p>
-          <a:p>
-            <a:pPr lvl="4" marL="1463040" indent="-209880">
+            <a:endParaRPr b="0" lang="en-IN" sz="2100" spc="-1" strike="noStrike">
+              <a:latin typeface="Arial"/>
+            </a:endParaRPr>
+          </a:p>
+          <a:p>
+            <a:pPr lvl="4" marL="1463040" indent="-209520">
               <a:lnSpc>
                 <a:spcPct val="100000"/>
               </a:lnSpc>
@@ -7583,7 +6922,7 @@
               <a:buChar char=""/>
             </a:pPr>
             <a:r>
-              <a:rPr b="0" lang="en-US" sz="2000" spc="-1" strike="noStrike">
+              <a:rPr b="0" lang="en-IN" sz="2000" spc="-1" strike="noStrike">
                 <a:solidFill>
                   <a:srgbClr val="000000"/>
                 </a:solidFill>
@@ -7591,15 +6930,12 @@
               </a:rPr>
               <a:t>Python package, used for analyzing data.</a:t>
             </a:r>
-            <a:endParaRPr b="0" lang="en-US" sz="2000" spc="-1" strike="noStrike">
-              <a:solidFill>
-                <a:srgbClr val="000000"/>
-              </a:solidFill>
-              <a:latin typeface="Constantia"/>
-            </a:endParaRPr>
-          </a:p>
-          <a:p>
-            <a:pPr lvl="4" marL="1463040" indent="-209880">
+            <a:endParaRPr b="0" lang="en-IN" sz="2000" spc="-1" strike="noStrike">
+              <a:latin typeface="Arial"/>
+            </a:endParaRPr>
+          </a:p>
+          <a:p>
+            <a:pPr lvl="4" marL="1463040" indent="-209520">
               <a:lnSpc>
                 <a:spcPct val="100000"/>
               </a:lnSpc>
@@ -7614,7 +6950,7 @@
               <a:buChar char=""/>
             </a:pPr>
             <a:r>
-              <a:rPr b="0" lang="en-US" sz="2000" spc="-1" strike="noStrike">
+              <a:rPr b="0" lang="en-IN" sz="2000" spc="-1" strike="noStrike">
                 <a:solidFill>
                   <a:srgbClr val="000000"/>
                 </a:solidFill>
@@ -7622,15 +6958,12 @@
               </a:rPr>
               <a:t>Provides flexible reshaping of datasets</a:t>
             </a:r>
-            <a:endParaRPr b="0" lang="en-US" sz="2000" spc="-1" strike="noStrike">
-              <a:solidFill>
-                <a:srgbClr val="000000"/>
-              </a:solidFill>
-              <a:latin typeface="Constantia"/>
-            </a:endParaRPr>
-          </a:p>
-          <a:p>
-            <a:pPr lvl="4" marL="1463040" indent="-209880">
+            <a:endParaRPr b="0" lang="en-IN" sz="2000" spc="-1" strike="noStrike">
+              <a:latin typeface="Arial"/>
+            </a:endParaRPr>
+          </a:p>
+          <a:p>
+            <a:pPr lvl="4" marL="1463040" indent="-209520">
               <a:lnSpc>
                 <a:spcPct val="100000"/>
               </a:lnSpc>
@@ -7645,7 +6978,7 @@
               <a:buChar char=""/>
             </a:pPr>
             <a:r>
-              <a:rPr b="0" lang="en-US" sz="2000" spc="-1" strike="noStrike">
+              <a:rPr b="0" lang="en-IN" sz="2000" spc="-1" strike="noStrike">
                 <a:solidFill>
                   <a:srgbClr val="000000"/>
                 </a:solidFill>
@@ -7653,15 +6986,12 @@
               </a:rPr>
               <a:t>Easy handling of missing data</a:t>
             </a:r>
-            <a:endParaRPr b="0" lang="en-US" sz="2000" spc="-1" strike="noStrike">
-              <a:solidFill>
-                <a:srgbClr val="000000"/>
-              </a:solidFill>
-              <a:latin typeface="Constantia"/>
-            </a:endParaRPr>
-          </a:p>
-          <a:p>
-            <a:pPr lvl="4" marL="1463040" indent="-209880">
+            <a:endParaRPr b="0" lang="en-IN" sz="2000" spc="-1" strike="noStrike">
+              <a:latin typeface="Arial"/>
+            </a:endParaRPr>
+          </a:p>
+          <a:p>
+            <a:pPr lvl="4" marL="1463040" indent="-209520">
               <a:lnSpc>
                 <a:spcPct val="100000"/>
               </a:lnSpc>
@@ -7675,59 +7005,63 @@
               <a:buFont typeface="Wingdings 2" charset="2"/>
               <a:buChar char=""/>
             </a:pPr>
-            <a:r>
-              <a:rPr b="0" lang="en-US" sz="2000" spc="-1" strike="noStrike">
+            <a:endParaRPr b="0" lang="en-IN" sz="2000" spc="-1" strike="noStrike">
+              <a:latin typeface="Arial"/>
+            </a:endParaRPr>
+          </a:p>
+          <a:p>
+            <a:pPr lvl="4" marL="1463040" indent="-209520">
+              <a:lnSpc>
+                <a:spcPct val="100000"/>
+              </a:lnSpc>
+              <a:spcBef>
+                <a:spcPts val="400"/>
+              </a:spcBef>
+              <a:buClr>
+                <a:srgbClr val="10cf9b"/>
+              </a:buClr>
+              <a:buSzPct val="65000"/>
+              <a:buFont typeface="Symbol" charset="2"/>
+              <a:buChar char=""/>
+            </a:pPr>
+            <a:endParaRPr b="0" lang="en-IN" sz="2000" spc="-1" strike="noStrike">
+              <a:latin typeface="Arial"/>
+            </a:endParaRPr>
+          </a:p>
+          <a:p>
+            <a:pPr marL="1828800">
+              <a:lnSpc>
+                <a:spcPct val="100000"/>
+              </a:lnSpc>
+              <a:spcBef>
+                <a:spcPts val="400"/>
+              </a:spcBef>
+            </a:pPr>
+            <a:r>
+              <a:rPr b="0" lang="en-IN" sz="2000" spc="-1" strike="noStrike">
                 <a:solidFill>
                   <a:srgbClr val="000000"/>
                 </a:solidFill>
                 <a:latin typeface="Times New Roman"/>
               </a:rPr>
-              <a:t>Suited for many different kinds of data such as sql table , excel spread sheet , arbitrary matrix data with row and columns labelled.</a:t>
-            </a:r>
-            <a:endParaRPr b="0" lang="en-US" sz="2000" spc="-1" strike="noStrike">
-              <a:solidFill>
-                <a:srgbClr val="000000"/>
-              </a:solidFill>
-              <a:latin typeface="Constantia"/>
-            </a:endParaRPr>
-          </a:p>
-          <a:p>
-            <a:pPr marL="1828800">
-              <a:lnSpc>
-                <a:spcPct val="100000"/>
-              </a:lnSpc>
-              <a:spcBef>
-                <a:spcPts val="400"/>
-              </a:spcBef>
-            </a:pPr>
-            <a:r>
-              <a:rPr b="0" lang="en-US" sz="2000" spc="-1" strike="noStrike">
-                <a:solidFill>
-                  <a:srgbClr val="000000"/>
-                </a:solidFill>
-                <a:latin typeface="Times New Roman"/>
-              </a:rPr>
               <a:t>          </a:t>
             </a:r>
-            <a:endParaRPr b="0" lang="en-US" sz="2000" spc="-1" strike="noStrike">
-              <a:solidFill>
-                <a:srgbClr val="000000"/>
-              </a:solidFill>
-              <a:latin typeface="Constantia"/>
-            </a:endParaRPr>
-          </a:p>
-        </p:txBody>
-      </p:sp>
-      <p:sp>
-        <p:nvSpPr>
-          <p:cNvPr id="170" name="CustomShape 3"/>
+            <a:endParaRPr b="0" lang="en-IN" sz="2000" spc="-1" strike="noStrike">
+              <a:latin typeface="Arial"/>
+            </a:endParaRPr>
+          </a:p>
+        </p:txBody>
+      </p:sp>
+      <p:sp>
+        <p:nvSpPr>
+          <p:cNvPr id="161" name="CustomShape 3"/>
           <p:cNvSpPr/>
           <p:nvPr/>
         </p:nvSpPr>
         <p:spPr>
           <a:xfrm>
             <a:off x="540000" y="4581000"/>
-            <a:ext cx="11881080" cy="2345760"/>
+            <a:ext cx="11880720" cy="2345400"/>
           </a:xfrm>
           <a:prstGeom prst="rect">
             <a:avLst/>
@@ -7746,108 +7080,22 @@
         <p:txBody>
           <a:bodyPr lIns="90000" rIns="90000" tIns="45000" bIns="45000"/>
           <a:p>
-            <a:pPr marL="285840" indent="-285480">
+            <a:pPr>
               <a:lnSpc>
                 <a:spcPct val="100000"/>
               </a:lnSpc>
-              <a:buClr>
-                <a:srgbClr val="000000"/>
-              </a:buClr>
-              <a:buFont typeface="Arial"/>
-              <a:buChar char="•"/>
-            </a:pPr>
-            <a:r>
-              <a:rPr b="0" lang="en-IN" sz="3200" spc="-1" strike="noStrike">
-                <a:solidFill>
-                  <a:srgbClr val="000000"/>
-                </a:solidFill>
-                <a:latin typeface="Times New Roman"/>
-              </a:rPr>
-              <a:t>MODELLING:</a:t>
-            </a:r>
-            <a:endParaRPr b="0" lang="en-IN" sz="3200" spc="-1" strike="noStrike">
-              <a:latin typeface="Arial"/>
-            </a:endParaRPr>
-          </a:p>
-          <a:p>
-            <a:pPr lvl="2" marL="1200240" indent="-285480">
+            </a:pPr>
+            <a:endParaRPr b="0" lang="en-IN" sz="1800" spc="-1" strike="noStrike">
+              <a:latin typeface="Arial"/>
+            </a:endParaRPr>
+          </a:p>
+          <a:p>
+            <a:pPr>
               <a:lnSpc>
                 <a:spcPct val="100000"/>
               </a:lnSpc>
-              <a:buClr>
-                <a:srgbClr val="000000"/>
-              </a:buClr>
-              <a:buFont typeface="Arial"/>
-              <a:buChar char="•"/>
-            </a:pPr>
-            <a:r>
-              <a:rPr b="0" lang="en-IN" sz="2400" spc="-1" strike="noStrike">
-                <a:solidFill>
-                  <a:srgbClr val="000000"/>
-                </a:solidFill>
-                <a:latin typeface="Times New Roman"/>
-              </a:rPr>
-              <a:t>Scikit Learn (sklearn)</a:t>
-            </a:r>
-            <a:endParaRPr b="0" lang="en-IN" sz="2400" spc="-1" strike="noStrike">
-              <a:latin typeface="Arial"/>
-            </a:endParaRPr>
-          </a:p>
-          <a:p>
-            <a:pPr lvl="4" marL="2114640" indent="-285480">
-              <a:lnSpc>
-                <a:spcPct val="100000"/>
-              </a:lnSpc>
-              <a:buClr>
-                <a:srgbClr val="000000"/>
-              </a:buClr>
-              <a:buFont typeface="Arial"/>
-              <a:buChar char="•"/>
-            </a:pPr>
-            <a:r>
-              <a:rPr b="0" lang="en-IN" sz="2000" spc="-1" strike="noStrike">
-                <a:solidFill>
-                  <a:srgbClr val="000000"/>
-                </a:solidFill>
-                <a:latin typeface="Times New Roman"/>
-              </a:rPr>
-              <a:t>Python package, free software machine learning library.</a:t>
-            </a:r>
-            <a:endParaRPr b="0" lang="en-IN" sz="2000" spc="-1" strike="noStrike">
-              <a:latin typeface="Arial"/>
-            </a:endParaRPr>
-          </a:p>
-          <a:p>
-            <a:pPr lvl="4" marL="2114640" indent="-285480">
-              <a:lnSpc>
-                <a:spcPct val="100000"/>
-              </a:lnSpc>
-              <a:buClr>
-                <a:srgbClr val="000000"/>
-              </a:buClr>
-              <a:buFont typeface="Arial"/>
-              <a:buChar char="•"/>
-            </a:pPr>
-            <a:r>
-              <a:rPr b="0" lang="en-IN" sz="2000" spc="-1" strike="noStrike">
-                <a:solidFill>
-                  <a:srgbClr val="000000"/>
-                </a:solidFill>
-                <a:latin typeface="Times New Roman"/>
-              </a:rPr>
-              <a:t>Provides large number of supervised and unsupervised learning algorithms such as kmeans , k-nearest , support vector machine</a:t>
-            </a:r>
-            <a:endParaRPr b="0" lang="en-IN" sz="2000" spc="-1" strike="noStrike">
-              <a:latin typeface="Arial"/>
-            </a:endParaRPr>
-          </a:p>
-          <a:p>
-            <a:pPr>
-              <a:lnSpc>
-                <a:spcPct val="100000"/>
-              </a:lnSpc>
-            </a:pPr>
-            <a:endParaRPr b="0" lang="en-IN" sz="2000" spc="-1" strike="noStrike">
+            </a:pPr>
+            <a:endParaRPr b="0" lang="en-IN" sz="1800" spc="-1" strike="noStrike">
               <a:latin typeface="Arial"/>
             </a:endParaRPr>
           </a:p>
@@ -7904,14 +7152,14 @@
       </p:grpSpPr>
       <p:sp>
         <p:nvSpPr>
-          <p:cNvPr id="171" name="TextShape 1"/>
-          <p:cNvSpPr txBox="1"/>
+          <p:cNvPr id="162" name="CustomShape 1"/>
+          <p:cNvSpPr/>
           <p:nvPr/>
         </p:nvSpPr>
         <p:spPr>
           <a:xfrm>
             <a:off x="630000" y="704160"/>
-            <a:ext cx="11341080" cy="1142640"/>
+            <a:ext cx="11340720" cy="1142280"/>
           </a:xfrm>
           <a:prstGeom prst="rect">
             <a:avLst/>
@@ -7921,44 +7169,23 @@
             <a:noFill/>
           </a:ln>
         </p:spPr>
-        <p:txBody>
-          <a:bodyPr lIns="0" rIns="0" tIns="45000" bIns="0" anchor="b">
-            <a:normAutofit/>
-          </a:bodyPr>
-          <a:p>
-            <a:pPr>
-              <a:lnSpc>
-                <a:spcPct val="100000"/>
-              </a:lnSpc>
-            </a:pPr>
-            <a:r>
-              <a:rPr b="0" lang="en-US" sz="3200" spc="-1" strike="noStrike">
-                <a:solidFill>
-                  <a:srgbClr val="04617b"/>
-                </a:solidFill>
-                <a:latin typeface="Times New Roman"/>
-              </a:rPr>
-              <a:t>Keras:</a:t>
-            </a:r>
-            <a:endParaRPr b="0" lang="en-US" sz="3200" spc="-1" strike="noStrike">
-              <a:solidFill>
-                <a:srgbClr val="000000"/>
-              </a:solidFill>
-              <a:latin typeface="Constantia"/>
-            </a:endParaRPr>
-          </a:p>
-        </p:txBody>
-      </p:sp>
-      <p:sp>
-        <p:nvSpPr>
-          <p:cNvPr id="172" name="TextShape 2"/>
-          <p:cNvSpPr txBox="1"/>
+        <p:style>
+          <a:lnRef idx="0"/>
+          <a:fillRef idx="0"/>
+          <a:effectRef idx="0"/>
+          <a:fontRef idx="minor"/>
+        </p:style>
+      </p:sp>
+      <p:sp>
+        <p:nvSpPr>
+          <p:cNvPr id="163" name="CustomShape 2"/>
+          <p:cNvSpPr/>
           <p:nvPr/>
         </p:nvSpPr>
         <p:spPr>
           <a:xfrm>
             <a:off x="630000" y="1935360"/>
-            <a:ext cx="11341080" cy="4388760"/>
+            <a:ext cx="11340720" cy="4388400"/>
           </a:xfrm>
           <a:prstGeom prst="rect">
             <a:avLst/>
@@ -7968,12 +7195,18 @@
             <a:noFill/>
           </a:ln>
         </p:spPr>
+        <p:style>
+          <a:lnRef idx="0"/>
+          <a:fillRef idx="0"/>
+          <a:effectRef idx="0"/>
+          <a:fontRef idx="minor"/>
+        </p:style>
         <p:txBody>
           <a:bodyPr lIns="90000" rIns="90000" tIns="45000" bIns="45000">
             <a:normAutofit/>
           </a:bodyPr>
           <a:p>
-            <a:pPr marL="274320" indent="-273960">
+            <a:pPr marL="274320" indent="-273600">
               <a:lnSpc>
                 <a:spcPct val="100000"/>
               </a:lnSpc>
@@ -7987,191 +7220,21 @@
               <a:buFont typeface="Wingdings 2" charset="2"/>
               <a:buChar char=""/>
             </a:pPr>
-            <a:r>
-              <a:rPr b="0" lang="en-US" sz="2400" spc="-1" strike="noStrike">
-                <a:solidFill>
-                  <a:srgbClr val="000000"/>
-                </a:solidFill>
-                <a:latin typeface="Times New Roman"/>
-              </a:rPr>
-              <a:t>Keras is high level neural networks API , written in Python which is capable of running on top of TensorFlow.</a:t>
-            </a:r>
-            <a:endParaRPr b="0" lang="en-US" sz="2400" spc="-1" strike="noStrike">
-              <a:solidFill>
-                <a:srgbClr val="000000"/>
-              </a:solidFill>
-              <a:latin typeface="Constantia"/>
-            </a:endParaRPr>
-          </a:p>
-          <a:p>
-            <a:pPr marL="274320" indent="-273960">
+            <a:endParaRPr b="0" lang="en-IN" sz="1800" spc="-1" strike="noStrike">
+              <a:latin typeface="Arial"/>
+            </a:endParaRPr>
+          </a:p>
+          <a:p>
+            <a:pPr>
               <a:lnSpc>
                 <a:spcPct val="100000"/>
               </a:lnSpc>
               <a:spcBef>
                 <a:spcPts val="479"/>
               </a:spcBef>
-              <a:buClr>
-                <a:srgbClr val="0bd0d9"/>
-              </a:buClr>
-              <a:buSzPct val="95000"/>
-              <a:buFont typeface="Wingdings 2" charset="2"/>
-              <a:buChar char=""/>
-            </a:pPr>
-            <a:r>
-              <a:rPr b="0" lang="en-US" sz="2400" spc="-1" strike="noStrike">
-                <a:solidFill>
-                  <a:srgbClr val="000000"/>
-                </a:solidFill>
-                <a:latin typeface="Times New Roman"/>
-              </a:rPr>
-              <a:t>It was developed with a focus on enabling fast experimentation.</a:t>
-            </a:r>
-            <a:endParaRPr b="0" lang="en-US" sz="2400" spc="-1" strike="noStrike">
-              <a:solidFill>
-                <a:srgbClr val="000000"/>
-              </a:solidFill>
-              <a:latin typeface="Constantia"/>
-            </a:endParaRPr>
-          </a:p>
-          <a:p>
-            <a:pPr marL="274320" indent="-273960">
-              <a:lnSpc>
-                <a:spcPct val="100000"/>
-              </a:lnSpc>
-              <a:spcBef>
-                <a:spcPts val="479"/>
-              </a:spcBef>
-              <a:buClr>
-                <a:srgbClr val="0bd0d9"/>
-              </a:buClr>
-              <a:buSzPct val="95000"/>
-              <a:buFont typeface="Wingdings 2" charset="2"/>
-              <a:buChar char=""/>
-            </a:pPr>
-            <a:r>
-              <a:rPr b="0" lang="en-US" sz="2400" spc="-1" strike="noStrike">
-                <a:solidFill>
-                  <a:srgbClr val="000000"/>
-                </a:solidFill>
-                <a:latin typeface="Times New Roman"/>
-              </a:rPr>
-              <a:t>Support Convolutional Neural Network and Recurrent Neural Network</a:t>
-            </a:r>
-            <a:endParaRPr b="0" lang="en-US" sz="2400" spc="-1" strike="noStrike">
-              <a:solidFill>
-                <a:srgbClr val="000000"/>
-              </a:solidFill>
-              <a:latin typeface="Constantia"/>
-            </a:endParaRPr>
-          </a:p>
-          <a:p>
-            <a:pPr marL="274320" indent="-273960">
-              <a:lnSpc>
-                <a:spcPct val="100000"/>
-              </a:lnSpc>
-              <a:spcBef>
-                <a:spcPts val="479"/>
-              </a:spcBef>
-              <a:buClr>
-                <a:srgbClr val="0bd0d9"/>
-              </a:buClr>
-              <a:buSzPct val="95000"/>
-              <a:buFont typeface="Wingdings 2" charset="2"/>
-              <a:buChar char=""/>
-            </a:pPr>
-            <a:r>
-              <a:rPr b="0" lang="en-US" sz="2400" spc="-1" strike="noStrike">
-                <a:solidFill>
-                  <a:srgbClr val="000000"/>
-                </a:solidFill>
-                <a:latin typeface="Times New Roman"/>
-              </a:rPr>
-              <a:t>Runs seamlessly on CPU and GPU</a:t>
-            </a:r>
-            <a:endParaRPr b="0" lang="en-US" sz="2400" spc="-1" strike="noStrike">
-              <a:solidFill>
-                <a:srgbClr val="000000"/>
-              </a:solidFill>
-              <a:latin typeface="Constantia"/>
-            </a:endParaRPr>
-          </a:p>
-          <a:p>
-            <a:pPr marL="274320" indent="-273960">
-              <a:lnSpc>
-                <a:spcPct val="100000"/>
-              </a:lnSpc>
-              <a:spcBef>
-                <a:spcPts val="479"/>
-              </a:spcBef>
-              <a:buClr>
-                <a:srgbClr val="0bd0d9"/>
-              </a:buClr>
-              <a:buSzPct val="95000"/>
-              <a:buFont typeface="Wingdings 2" charset="2"/>
-              <a:buChar char=""/>
-            </a:pPr>
-            <a:r>
-              <a:rPr b="0" lang="en-US" sz="2400" spc="-1" strike="noStrike">
-                <a:solidFill>
-                  <a:srgbClr val="000000"/>
-                </a:solidFill>
-                <a:latin typeface="Times New Roman"/>
-              </a:rPr>
-              <a:t>User friendly as it has consistent interface optimized for common use.</a:t>
-            </a:r>
-            <a:endParaRPr b="0" lang="en-US" sz="2400" spc="-1" strike="noStrike">
-              <a:solidFill>
-                <a:srgbClr val="000000"/>
-              </a:solidFill>
-              <a:latin typeface="Constantia"/>
-            </a:endParaRPr>
-          </a:p>
-          <a:p>
-            <a:pPr marL="274320" indent="-273960">
-              <a:lnSpc>
-                <a:spcPct val="100000"/>
-              </a:lnSpc>
-              <a:spcBef>
-                <a:spcPts val="479"/>
-              </a:spcBef>
-              <a:buClr>
-                <a:srgbClr val="0bd0d9"/>
-              </a:buClr>
-              <a:buSzPct val="95000"/>
-              <a:buFont typeface="Wingdings 2" charset="2"/>
-              <a:buChar char=""/>
-            </a:pPr>
-            <a:r>
-              <a:rPr b="0" lang="en-US" sz="2400" spc="-1" strike="noStrike">
-                <a:solidFill>
-                  <a:srgbClr val="000000"/>
-                </a:solidFill>
-                <a:latin typeface="Times New Roman"/>
-              </a:rPr>
-              <a:t>Easy extensibility, new modules are simple to add.</a:t>
-            </a:r>
-            <a:endParaRPr b="0" lang="en-US" sz="2400" spc="-1" strike="noStrike">
-              <a:solidFill>
-                <a:srgbClr val="000000"/>
-              </a:solidFill>
-              <a:latin typeface="Constantia"/>
-            </a:endParaRPr>
-          </a:p>
-          <a:p>
-            <a:pPr>
-              <a:lnSpc>
-                <a:spcPct val="100000"/>
-              </a:lnSpc>
-              <a:spcBef>
-                <a:spcPts val="479"/>
-              </a:spcBef>
-            </a:pPr>
-            <a:endParaRPr b="0" lang="en-US" sz="2400" spc="-1" strike="noStrike">
-              <a:solidFill>
-                <a:srgbClr val="000000"/>
-              </a:solidFill>
-              <a:latin typeface="Constantia"/>
+            </a:pPr>
+            <a:endParaRPr b="0" lang="en-IN" sz="1800" spc="-1" strike="noStrike">
+              <a:latin typeface="Arial"/>
             </a:endParaRPr>
           </a:p>
         </p:txBody>
@@ -8227,14 +7290,14 @@
       </p:grpSpPr>
       <p:sp>
         <p:nvSpPr>
-          <p:cNvPr id="173" name="TextShape 1"/>
-          <p:cNvSpPr txBox="1"/>
+          <p:cNvPr id="164" name="CustomShape 1"/>
+          <p:cNvSpPr/>
           <p:nvPr/>
         </p:nvSpPr>
         <p:spPr>
           <a:xfrm>
             <a:off x="630000" y="704160"/>
-            <a:ext cx="11341080" cy="1142640"/>
+            <a:ext cx="11340720" cy="1142280"/>
           </a:xfrm>
           <a:prstGeom prst="rect">
             <a:avLst/>
@@ -8244,6 +7307,12 @@
             <a:noFill/>
           </a:ln>
         </p:spPr>
+        <p:style>
+          <a:lnRef idx="0"/>
+          <a:fillRef idx="0"/>
+          <a:effectRef idx="0"/>
+          <a:fontRef idx="minor"/>
+        </p:style>
         <p:txBody>
           <a:bodyPr lIns="0" rIns="0" tIns="45000" bIns="0" anchor="b"/>
           <a:p>
@@ -8253,7 +7322,7 @@
               </a:lnSpc>
             </a:pPr>
             <a:r>
-              <a:rPr b="0" lang="en-US" sz="5000" spc="-1" strike="noStrike">
+              <a:rPr b="0" lang="en-IN" sz="5000" spc="-1" strike="noStrike">
                 <a:solidFill>
                   <a:srgbClr val="04617b"/>
                 </a:solidFill>
@@ -8261,25 +7330,22 @@
               </a:rPr>
               <a:t>Working:</a:t>
             </a:r>
-            <a:endParaRPr b="0" lang="en-US" sz="5000" spc="-1" strike="noStrike">
-              <a:solidFill>
-                <a:srgbClr val="000000"/>
-              </a:solidFill>
-              <a:latin typeface="Constantia"/>
-            </a:endParaRPr>
-          </a:p>
-        </p:txBody>
-      </p:sp>
-      <p:sp>
-        <p:nvSpPr>
-          <p:cNvPr id="174" name="TextShape 2"/>
-          <p:cNvSpPr txBox="1"/>
+            <a:endParaRPr b="0" lang="en-IN" sz="5000" spc="-1" strike="noStrike">
+              <a:latin typeface="Arial"/>
+            </a:endParaRPr>
+          </a:p>
+        </p:txBody>
+      </p:sp>
+      <p:sp>
+        <p:nvSpPr>
+          <p:cNvPr id="165" name="CustomShape 2"/>
+          <p:cNvSpPr/>
           <p:nvPr/>
         </p:nvSpPr>
         <p:spPr>
           <a:xfrm>
             <a:off x="630000" y="1935360"/>
-            <a:ext cx="11341080" cy="4388760"/>
+            <a:ext cx="11340720" cy="4388400"/>
           </a:xfrm>
           <a:prstGeom prst="rect">
             <a:avLst/>
@@ -8289,12 +7355,96 @@
             <a:noFill/>
           </a:ln>
         </p:spPr>
+        <p:style>
+          <a:lnRef idx="0"/>
+          <a:fillRef idx="0"/>
+          <a:effectRef idx="0"/>
+          <a:fontRef idx="minor"/>
+        </p:style>
         <p:txBody>
           <a:bodyPr lIns="90000" rIns="90000" tIns="45000" bIns="45000">
             <a:normAutofit/>
           </a:bodyPr>
           <a:p>
-            <a:pPr marL="274320" indent="-273960">
+            <a:pPr>
+              <a:lnSpc>
+                <a:spcPct val="100000"/>
+              </a:lnSpc>
+              <a:spcBef>
+                <a:spcPts val="519"/>
+              </a:spcBef>
+            </a:pPr>
+            <a:r>
+              <a:rPr b="0" lang="en-IN" sz="2600" spc="-1" strike="noStrike">
+                <a:solidFill>
+                  <a:srgbClr val="000000"/>
+                </a:solidFill>
+                <a:latin typeface="Times New Roman"/>
+              </a:rPr>
+              <a:t>Preparing the data</a:t>
+            </a:r>
+            <a:endParaRPr b="0" lang="en-IN" sz="2600" spc="-1" strike="noStrike">
+              <a:latin typeface="Arial"/>
+            </a:endParaRPr>
+          </a:p>
+          <a:p>
+            <a:pPr lvl="2" marL="914400" indent="-246240">
+              <a:lnSpc>
+                <a:spcPct val="100000"/>
+              </a:lnSpc>
+              <a:spcBef>
+                <a:spcPts val="420"/>
+              </a:spcBef>
+              <a:buClr>
+                <a:srgbClr val="009dd9"/>
+              </a:buClr>
+              <a:buSzPct val="70000"/>
+              <a:buFont typeface="Wingdings 2" charset="2"/>
+              <a:buChar char=""/>
+            </a:pPr>
+            <a:r>
+              <a:rPr b="0" lang="en-IN" sz="2100" spc="-1" strike="noStrike">
+                <a:solidFill>
+                  <a:srgbClr val="000000"/>
+                </a:solidFill>
+                <a:latin typeface="Times New Roman"/>
+              </a:rPr>
+              <a:t>Convert to lower case</a:t>
+            </a:r>
+            <a:endParaRPr b="0" lang="en-IN" sz="2100" spc="-1" strike="noStrike">
+              <a:latin typeface="Arial"/>
+            </a:endParaRPr>
+          </a:p>
+          <a:p>
+            <a:pPr lvl="2" marL="914400" indent="-246240">
+              <a:lnSpc>
+                <a:spcPct val="100000"/>
+              </a:lnSpc>
+              <a:spcBef>
+                <a:spcPts val="420"/>
+              </a:spcBef>
+              <a:buClr>
+                <a:srgbClr val="009dd9"/>
+              </a:buClr>
+              <a:buSzPct val="70000"/>
+              <a:buFont typeface="Wingdings 2" charset="2"/>
+              <a:buChar char=""/>
+            </a:pPr>
+            <a:r>
+              <a:rPr b="0" lang="en-IN" sz="2100" spc="-1" strike="noStrike">
+                <a:solidFill>
+                  <a:srgbClr val="000000"/>
+                </a:solidFill>
+                <a:latin typeface="Times New Roman"/>
+              </a:rPr>
+              <a:t>Remove any unwanted characters</a:t>
+            </a:r>
+            <a:endParaRPr b="0" lang="en-IN" sz="2100" spc="-1" strike="noStrike">
+              <a:latin typeface="Arial"/>
+            </a:endParaRPr>
+          </a:p>
+          <a:p>
+            <a:pPr marL="274320" indent="-273600">
               <a:lnSpc>
                 <a:spcPct val="100000"/>
               </a:lnSpc>
@@ -8309,23 +7459,20 @@
               <a:buChar char=""/>
             </a:pPr>
             <a:r>
-              <a:rPr b="0" lang="en-US" sz="2600" spc="-1" strike="noStrike">
+              <a:rPr b="0" lang="en-IN" sz="2600" spc="-1" strike="noStrike">
                 <a:solidFill>
                   <a:srgbClr val="000000"/>
                 </a:solidFill>
                 <a:latin typeface="Times New Roman"/>
               </a:rPr>
-              <a:t>Preparing the data</a:t>
-            </a:r>
-            <a:endParaRPr b="0" lang="en-US" sz="2600" spc="-1" strike="noStrike">
-              <a:solidFill>
-                <a:srgbClr val="000000"/>
-              </a:solidFill>
-              <a:latin typeface="Constantia"/>
-            </a:endParaRPr>
-          </a:p>
-          <a:p>
-            <a:pPr lvl="2" marL="914400" indent="-246600">
+              <a:t>Modelling</a:t>
+            </a:r>
+            <a:endParaRPr b="0" lang="en-IN" sz="2600" spc="-1" strike="noStrike">
+              <a:latin typeface="Arial"/>
+            </a:endParaRPr>
+          </a:p>
+          <a:p>
+            <a:pPr lvl="2" marL="914400" indent="-246240">
               <a:lnSpc>
                 <a:spcPct val="100000"/>
               </a:lnSpc>
@@ -8340,23 +7487,20 @@
               <a:buChar char=""/>
             </a:pPr>
             <a:r>
-              <a:rPr b="0" lang="en-US" sz="2100" spc="-1" strike="noStrike">
+              <a:rPr b="0" lang="en-IN" sz="2100" spc="-1" strike="noStrike">
                 <a:solidFill>
                   <a:srgbClr val="000000"/>
                 </a:solidFill>
                 <a:latin typeface="Times New Roman"/>
               </a:rPr>
-              <a:t>Convert to lower case</a:t>
-            </a:r>
-            <a:endParaRPr b="0" lang="en-US" sz="2100" spc="-1" strike="noStrike">
-              <a:solidFill>
-                <a:srgbClr val="000000"/>
-              </a:solidFill>
-              <a:latin typeface="Constantia"/>
-            </a:endParaRPr>
-          </a:p>
-          <a:p>
-            <a:pPr lvl="2" marL="914400" indent="-246600">
+              <a:t>Training using Sequence to Sequence model with RNN</a:t>
+            </a:r>
+            <a:endParaRPr b="0" lang="en-IN" sz="2100" spc="-1" strike="noStrike">
+              <a:latin typeface="Arial"/>
+            </a:endParaRPr>
+          </a:p>
+          <a:p>
+            <a:pPr lvl="2" marL="914400" indent="-246240">
               <a:lnSpc>
                 <a:spcPct val="100000"/>
               </a:lnSpc>
@@ -8371,23 +7515,29 @@
               <a:buChar char=""/>
             </a:pPr>
             <a:r>
-              <a:rPr b="0" lang="en-US" sz="2100" spc="-1" strike="noStrike">
+              <a:rPr b="0" lang="en-IN" sz="2100" spc="-1" strike="noStrike">
                 <a:solidFill>
                   <a:srgbClr val="000000"/>
                 </a:solidFill>
                 <a:latin typeface="Times New Roman"/>
               </a:rPr>
-              <a:t>Remove any unwanted characters</a:t>
-            </a:r>
-            <a:endParaRPr b="0" lang="en-US" sz="2100" spc="-1" strike="noStrike">
-              <a:solidFill>
-                <a:srgbClr val="000000"/>
-              </a:solidFill>
-              <a:latin typeface="Constantia"/>
-            </a:endParaRPr>
-          </a:p>
-          <a:p>
-            <a:pPr marL="274320" indent="-273960">
+              <a:t>Generating model and storing</a:t>
+            </a:r>
+            <a:r>
+              <a:rPr b="0" lang="en-IN" sz="2100" spc="-1" strike="noStrike">
+                <a:solidFill>
+                  <a:srgbClr val="000000"/>
+                </a:solidFill>
+                <a:latin typeface="Times New Roman"/>
+              </a:rPr>
+              <a:t>	</a:t>
+            </a:r>
+            <a:endParaRPr b="0" lang="en-IN" sz="2100" spc="-1" strike="noStrike">
+              <a:latin typeface="Arial"/>
+            </a:endParaRPr>
+          </a:p>
+          <a:p>
+            <a:pPr marL="274320" indent="-273600">
               <a:lnSpc>
                 <a:spcPct val="100000"/>
               </a:lnSpc>
@@ -8402,23 +7552,20 @@
               <a:buChar char=""/>
             </a:pPr>
             <a:r>
-              <a:rPr b="0" lang="en-US" sz="2600" spc="-1" strike="noStrike">
+              <a:rPr b="0" lang="en-IN" sz="2600" spc="-1" strike="noStrike">
                 <a:solidFill>
                   <a:srgbClr val="000000"/>
                 </a:solidFill>
                 <a:latin typeface="Times New Roman"/>
               </a:rPr>
-              <a:t>Modelling</a:t>
-            </a:r>
-            <a:endParaRPr b="0" lang="en-US" sz="2600" spc="-1" strike="noStrike">
-              <a:solidFill>
-                <a:srgbClr val="000000"/>
-              </a:solidFill>
-              <a:latin typeface="Constantia"/>
-            </a:endParaRPr>
-          </a:p>
-          <a:p>
-            <a:pPr lvl="2" marL="914400" indent="-246600">
+              <a:t>Testing</a:t>
+            </a:r>
+            <a:endParaRPr b="0" lang="en-IN" sz="2600" spc="-1" strike="noStrike">
+              <a:latin typeface="Arial"/>
+            </a:endParaRPr>
+          </a:p>
+          <a:p>
+            <a:pPr lvl="2" marL="914400" indent="-246240">
               <a:lnSpc>
                 <a:spcPct val="100000"/>
               </a:lnSpc>
@@ -8433,23 +7580,48 @@
               <a:buChar char=""/>
             </a:pPr>
             <a:r>
-              <a:rPr b="0" lang="en-US" sz="2100" spc="-1" strike="noStrike">
+              <a:rPr b="0" lang="en-IN" sz="2100" spc="-1" strike="noStrike">
                 <a:solidFill>
                   <a:srgbClr val="000000"/>
                 </a:solidFill>
                 <a:latin typeface="Times New Roman"/>
               </a:rPr>
-              <a:t>Training using Sequence to Sequence model with RNN</a:t>
-            </a:r>
-            <a:endParaRPr b="0" lang="en-US" sz="2100" spc="-1" strike="noStrike">
-              <a:solidFill>
-                <a:srgbClr val="000000"/>
-              </a:solidFill>
-              <a:latin typeface="Constantia"/>
-            </a:endParaRPr>
-          </a:p>
-          <a:p>
-            <a:pPr lvl="2" marL="914400" indent="-246600">
+              <a:t>Testing for accuracy.</a:t>
+            </a:r>
+            <a:endParaRPr b="0" lang="en-IN" sz="2100" spc="-1" strike="noStrike">
+              <a:latin typeface="Arial"/>
+            </a:endParaRPr>
+          </a:p>
+          <a:p>
+            <a:pPr marL="274320" indent="-273600">
+              <a:lnSpc>
+                <a:spcPct val="100000"/>
+              </a:lnSpc>
+              <a:spcBef>
+                <a:spcPts val="519"/>
+              </a:spcBef>
+              <a:buClr>
+                <a:srgbClr val="0bd0d9"/>
+              </a:buClr>
+              <a:buSzPct val="95000"/>
+              <a:buFont typeface="Wingdings 2" charset="2"/>
+              <a:buChar char=""/>
+            </a:pPr>
+            <a:r>
+              <a:rPr b="0" lang="en-IN" sz="2600" spc="-1" strike="noStrike">
+                <a:solidFill>
+                  <a:srgbClr val="000000"/>
+                </a:solidFill>
+                <a:latin typeface="Times New Roman"/>
+              </a:rPr>
+              <a:t>Predicting</a:t>
+            </a:r>
+            <a:endParaRPr b="0" lang="en-IN" sz="2600" spc="-1" strike="noStrike">
+              <a:latin typeface="Arial"/>
+            </a:endParaRPr>
+          </a:p>
+          <a:p>
+            <a:pPr lvl="2" marL="914400" indent="-246240">
               <a:lnSpc>
                 <a:spcPct val="100000"/>
               </a:lnSpc>
@@ -8464,152 +7636,16 @@
               <a:buChar char=""/>
             </a:pPr>
             <a:r>
-              <a:rPr b="0" lang="en-US" sz="2100" spc="-1" strike="noStrike">
+              <a:rPr b="0" lang="en-IN" sz="2100" spc="-1" strike="noStrike">
                 <a:solidFill>
                   <a:srgbClr val="000000"/>
                 </a:solidFill>
                 <a:latin typeface="Times New Roman"/>
               </a:rPr>
-              <a:t>Generating model and storing</a:t>
-            </a:r>
-            <a:r>
-              <a:rPr b="0" lang="en-US" sz="2100" spc="-1" strike="noStrike">
-                <a:solidFill>
-                  <a:srgbClr val="000000"/>
-                </a:solidFill>
-                <a:latin typeface="Times New Roman"/>
-              </a:rPr>
-              <a:t>	</a:t>
-            </a:r>
-            <a:endParaRPr b="0" lang="en-US" sz="2100" spc="-1" strike="noStrike">
-              <a:solidFill>
-                <a:srgbClr val="000000"/>
-              </a:solidFill>
-              <a:latin typeface="Constantia"/>
-            </a:endParaRPr>
-          </a:p>
-          <a:p>
-            <a:pPr marL="274320" indent="-273960">
-              <a:lnSpc>
-                <a:spcPct val="100000"/>
-              </a:lnSpc>
-              <a:spcBef>
-                <a:spcPts val="519"/>
-              </a:spcBef>
-              <a:buClr>
-                <a:srgbClr val="0bd0d9"/>
-              </a:buClr>
-              <a:buSzPct val="95000"/>
-              <a:buFont typeface="Wingdings 2" charset="2"/>
-              <a:buChar char=""/>
-            </a:pPr>
-            <a:r>
-              <a:rPr b="0" lang="en-US" sz="2600" spc="-1" strike="noStrike">
-                <a:solidFill>
-                  <a:srgbClr val="000000"/>
-                </a:solidFill>
-                <a:latin typeface="Times New Roman"/>
-              </a:rPr>
-              <a:t>Testing</a:t>
-            </a:r>
-            <a:endParaRPr b="0" lang="en-US" sz="2600" spc="-1" strike="noStrike">
-              <a:solidFill>
-                <a:srgbClr val="000000"/>
-              </a:solidFill>
-              <a:latin typeface="Constantia"/>
-            </a:endParaRPr>
-          </a:p>
-          <a:p>
-            <a:pPr lvl="2" marL="914400" indent="-246600">
-              <a:lnSpc>
-                <a:spcPct val="100000"/>
-              </a:lnSpc>
-              <a:spcBef>
-                <a:spcPts val="420"/>
-              </a:spcBef>
-              <a:buClr>
-                <a:srgbClr val="009dd9"/>
-              </a:buClr>
-              <a:buSzPct val="70000"/>
-              <a:buFont typeface="Wingdings 2" charset="2"/>
-              <a:buChar char=""/>
-            </a:pPr>
-            <a:r>
-              <a:rPr b="0" lang="en-US" sz="2100" spc="-1" strike="noStrike">
-                <a:solidFill>
-                  <a:srgbClr val="000000"/>
-                </a:solidFill>
-                <a:latin typeface="Times New Roman"/>
-              </a:rPr>
-              <a:t>Testing for accuracy.</a:t>
-            </a:r>
-            <a:endParaRPr b="0" lang="en-US" sz="2100" spc="-1" strike="noStrike">
-              <a:solidFill>
-                <a:srgbClr val="000000"/>
-              </a:solidFill>
-              <a:latin typeface="Constantia"/>
-            </a:endParaRPr>
-          </a:p>
-          <a:p>
-            <a:pPr marL="274320" indent="-273960">
-              <a:lnSpc>
-                <a:spcPct val="100000"/>
-              </a:lnSpc>
-              <a:spcBef>
-                <a:spcPts val="519"/>
-              </a:spcBef>
-              <a:buClr>
-                <a:srgbClr val="0bd0d9"/>
-              </a:buClr>
-              <a:buSzPct val="95000"/>
-              <a:buFont typeface="Wingdings 2" charset="2"/>
-              <a:buChar char=""/>
-            </a:pPr>
-            <a:r>
-              <a:rPr b="0" lang="en-US" sz="2600" spc="-1" strike="noStrike">
-                <a:solidFill>
-                  <a:srgbClr val="000000"/>
-                </a:solidFill>
-                <a:latin typeface="Times New Roman"/>
-              </a:rPr>
-              <a:t>Predicting</a:t>
-            </a:r>
-            <a:endParaRPr b="0" lang="en-US" sz="2600" spc="-1" strike="noStrike">
-              <a:solidFill>
-                <a:srgbClr val="000000"/>
-              </a:solidFill>
-              <a:latin typeface="Constantia"/>
-            </a:endParaRPr>
-          </a:p>
-          <a:p>
-            <a:pPr lvl="2" marL="914400" indent="-246600">
-              <a:lnSpc>
-                <a:spcPct val="100000"/>
-              </a:lnSpc>
-              <a:spcBef>
-                <a:spcPts val="420"/>
-              </a:spcBef>
-              <a:buClr>
-                <a:srgbClr val="009dd9"/>
-              </a:buClr>
-              <a:buSzPct val="70000"/>
-              <a:buFont typeface="Wingdings 2" charset="2"/>
-              <a:buChar char=""/>
-            </a:pPr>
-            <a:r>
-              <a:rPr b="0" lang="en-US" sz="2100" spc="-1" strike="noStrike">
-                <a:solidFill>
-                  <a:srgbClr val="000000"/>
-                </a:solidFill>
-                <a:latin typeface="Times New Roman"/>
-              </a:rPr>
               <a:t>Predicting result for user input using model generated.</a:t>
             </a:r>
-            <a:endParaRPr b="0" lang="en-US" sz="2100" spc="-1" strike="noStrike">
-              <a:solidFill>
-                <a:srgbClr val="000000"/>
-              </a:solidFill>
-              <a:latin typeface="Constantia"/>
+            <a:endParaRPr b="0" lang="en-IN" sz="2100" spc="-1" strike="noStrike">
+              <a:latin typeface="Arial"/>
             </a:endParaRPr>
           </a:p>
         </p:txBody>
@@ -8665,7 +7701,7 @@
       </p:grpSpPr>
       <p:pic>
         <p:nvPicPr>
-          <p:cNvPr id="175" name="Picture 3" descr=""/>
+          <p:cNvPr id="166" name="" descr=""/>
           <p:cNvPicPr/>
           <p:nvPr/>
         </p:nvPicPr>
@@ -8675,8 +7711,8 @@
         </p:blipFill>
         <p:spPr>
           <a:xfrm>
-            <a:off x="1692360" y="116640"/>
-            <a:ext cx="9648720" cy="5976360"/>
+            <a:off x="3412080" y="648000"/>
+            <a:ext cx="6019920" cy="6048000"/>
           </a:xfrm>
           <a:prstGeom prst="rect">
             <a:avLst/>
@@ -8737,14 +7773,14 @@
       </p:grpSpPr>
       <p:sp>
         <p:nvSpPr>
-          <p:cNvPr id="176" name="TextShape 1"/>
-          <p:cNvSpPr txBox="1"/>
+          <p:cNvPr id="167" name="CustomShape 1"/>
+          <p:cNvSpPr/>
           <p:nvPr/>
         </p:nvSpPr>
         <p:spPr>
           <a:xfrm>
             <a:off x="630000" y="704160"/>
-            <a:ext cx="11341080" cy="1142640"/>
+            <a:ext cx="11340720" cy="1142280"/>
           </a:xfrm>
           <a:prstGeom prst="rect">
             <a:avLst/>
@@ -8754,6 +7790,12 @@
             <a:noFill/>
           </a:ln>
         </p:spPr>
+        <p:style>
+          <a:lnRef idx="0"/>
+          <a:fillRef idx="0"/>
+          <a:effectRef idx="0"/>
+          <a:fontRef idx="minor"/>
+        </p:style>
         <p:txBody>
           <a:bodyPr lIns="0" rIns="0" tIns="45000" bIns="0" anchor="b"/>
           <a:p>
@@ -8763,7 +7805,7 @@
               </a:lnSpc>
             </a:pPr>
             <a:r>
-              <a:rPr b="0" lang="en-US" sz="5000" spc="-1" strike="noStrike">
+              <a:rPr b="0" lang="en-IN" sz="5000" spc="-1" strike="noStrike">
                 <a:solidFill>
                   <a:srgbClr val="04617b"/>
                 </a:solidFill>
@@ -8771,25 +7813,22 @@
               </a:rPr>
               <a:t>Conclusion:</a:t>
             </a:r>
-            <a:endParaRPr b="0" lang="en-US" sz="5000" spc="-1" strike="noStrike">
-              <a:solidFill>
-                <a:srgbClr val="000000"/>
-              </a:solidFill>
-              <a:latin typeface="Constantia"/>
-            </a:endParaRPr>
-          </a:p>
-        </p:txBody>
-      </p:sp>
-      <p:sp>
-        <p:nvSpPr>
-          <p:cNvPr id="177" name="TextShape 2"/>
-          <p:cNvSpPr txBox="1"/>
+            <a:endParaRPr b="0" lang="en-IN" sz="5000" spc="-1" strike="noStrike">
+              <a:latin typeface="Arial"/>
+            </a:endParaRPr>
+          </a:p>
+        </p:txBody>
+      </p:sp>
+      <p:sp>
+        <p:nvSpPr>
+          <p:cNvPr id="168" name="CustomShape 2"/>
+          <p:cNvSpPr/>
           <p:nvPr/>
         </p:nvSpPr>
         <p:spPr>
           <a:xfrm>
             <a:off x="630000" y="1935360"/>
-            <a:ext cx="11341080" cy="4388760"/>
+            <a:ext cx="11340720" cy="4388400"/>
           </a:xfrm>
           <a:prstGeom prst="rect">
             <a:avLst/>
@@ -8799,10 +7838,16 @@
             <a:noFill/>
           </a:ln>
         </p:spPr>
+        <p:style>
+          <a:lnRef idx="0"/>
+          <a:fillRef idx="0"/>
+          <a:effectRef idx="0"/>
+          <a:fontRef idx="minor"/>
+        </p:style>
         <p:txBody>
           <a:bodyPr lIns="90000" rIns="90000" tIns="45000" bIns="45000"/>
           <a:p>
-            <a:pPr marL="274320" indent="-273960">
+            <a:pPr marL="274320" indent="-273600">
               <a:lnSpc>
                 <a:spcPct val="100000"/>
               </a:lnSpc>
@@ -8817,7 +7862,7 @@
               <a:buChar char=""/>
             </a:pPr>
             <a:r>
-              <a:rPr b="0" lang="en-US" sz="2600" spc="-1" strike="noStrike">
+              <a:rPr b="0" lang="en-IN" sz="2600" spc="-1" strike="noStrike">
                 <a:solidFill>
                   <a:srgbClr val="000000"/>
                 </a:solidFill>
@@ -8825,15 +7870,12 @@
               </a:rPr>
               <a:t>Algorithm to solve problem related to human intelligence.</a:t>
             </a:r>
-            <a:endParaRPr b="0" lang="en-US" sz="2600" spc="-1" strike="noStrike">
-              <a:solidFill>
-                <a:srgbClr val="000000"/>
-              </a:solidFill>
-              <a:latin typeface="Constantia"/>
-            </a:endParaRPr>
-          </a:p>
-          <a:p>
-            <a:pPr marL="274320" indent="-273960">
+            <a:endParaRPr b="0" lang="en-IN" sz="2600" spc="-1" strike="noStrike">
+              <a:latin typeface="Arial"/>
+            </a:endParaRPr>
+          </a:p>
+          <a:p>
+            <a:pPr marL="274320" indent="-273600">
               <a:lnSpc>
                 <a:spcPct val="100000"/>
               </a:lnSpc>
@@ -8848,7 +7890,7 @@
               <a:buChar char=""/>
             </a:pPr>
             <a:r>
-              <a:rPr b="0" lang="en-US" sz="2600" spc="-1" strike="noStrike">
+              <a:rPr b="0" lang="en-IN" sz="2600" spc="-1" strike="noStrike">
                 <a:solidFill>
                   <a:srgbClr val="000000"/>
                 </a:solidFill>
@@ -8856,15 +7898,12 @@
               </a:rPr>
               <a:t>Can be used in many places such as news summarization, customer reviews summarization, research paper summarization, preparation of notes from documents.</a:t>
             </a:r>
-            <a:endParaRPr b="0" lang="en-US" sz="2600" spc="-1" strike="noStrike">
-              <a:solidFill>
-                <a:srgbClr val="000000"/>
-              </a:solidFill>
-              <a:latin typeface="Constantia"/>
-            </a:endParaRPr>
-          </a:p>
-          <a:p>
-            <a:pPr marL="274320" indent="-273960">
+            <a:endParaRPr b="0" lang="en-IN" sz="2600" spc="-1" strike="noStrike">
+              <a:latin typeface="Arial"/>
+            </a:endParaRPr>
+          </a:p>
+          <a:p>
+            <a:pPr marL="274320" indent="-273600">
               <a:lnSpc>
                 <a:spcPct val="100000"/>
               </a:lnSpc>
@@ -8879,7 +7918,7 @@
               <a:buChar char=""/>
             </a:pPr>
             <a:r>
-              <a:rPr b="0" lang="en-US" sz="2600" spc="-1" strike="noStrike">
+              <a:rPr b="0" lang="en-IN" sz="2600" spc="-1" strike="noStrike">
                 <a:solidFill>
                   <a:srgbClr val="000000"/>
                 </a:solidFill>
@@ -8887,15 +7926,12 @@
               </a:rPr>
               <a:t>Textual Information more useful if lesser and accurate.</a:t>
             </a:r>
-            <a:endParaRPr b="0" lang="en-US" sz="2600" spc="-1" strike="noStrike">
-              <a:solidFill>
-                <a:srgbClr val="000000"/>
-              </a:solidFill>
-              <a:latin typeface="Constantia"/>
-            </a:endParaRPr>
-          </a:p>
-          <a:p>
-            <a:pPr marL="274320" indent="-273960">
+            <a:endParaRPr b="0" lang="en-IN" sz="2600" spc="-1" strike="noStrike">
+              <a:latin typeface="Arial"/>
+            </a:endParaRPr>
+          </a:p>
+          <a:p>
+            <a:pPr marL="274320" indent="-273600">
               <a:lnSpc>
                 <a:spcPct val="100000"/>
               </a:lnSpc>
@@ -8910,7 +7946,7 @@
               <a:buChar char=""/>
             </a:pPr>
             <a:r>
-              <a:rPr b="0" lang="en-US" sz="2600" spc="-1" strike="noStrike">
+              <a:rPr b="0" lang="en-IN" sz="2600" spc="-1" strike="noStrike">
                 <a:solidFill>
                   <a:srgbClr val="000000"/>
                 </a:solidFill>
@@ -8918,11 +7954,8 @@
               </a:rPr>
               <a:t>Use of Technology to save time.</a:t>
             </a:r>
-            <a:endParaRPr b="0" lang="en-US" sz="2600" spc="-1" strike="noStrike">
-              <a:solidFill>
-                <a:srgbClr val="000000"/>
-              </a:solidFill>
-              <a:latin typeface="Constantia"/>
+            <a:endParaRPr b="0" lang="en-IN" sz="2600" spc="-1" strike="noStrike">
+              <a:latin typeface="Arial"/>
             </a:endParaRPr>
           </a:p>
           <a:p>
@@ -8934,11 +7967,8 @@
                 <a:spcPts val="519"/>
               </a:spcBef>
             </a:pPr>
-            <a:endParaRPr b="0" lang="en-US" sz="2600" spc="-1" strike="noStrike">
-              <a:solidFill>
-                <a:srgbClr val="000000"/>
-              </a:solidFill>
-              <a:latin typeface="Constantia"/>
+            <a:endParaRPr b="0" lang="en-IN" sz="2600" spc="-1" strike="noStrike">
+              <a:latin typeface="Arial"/>
             </a:endParaRPr>
           </a:p>
         </p:txBody>
@@ -8994,14 +8024,14 @@
       </p:grpSpPr>
       <p:sp>
         <p:nvSpPr>
-          <p:cNvPr id="178" name="TextShape 1"/>
-          <p:cNvSpPr txBox="1"/>
+          <p:cNvPr id="169" name="CustomShape 1"/>
+          <p:cNvSpPr/>
           <p:nvPr/>
         </p:nvSpPr>
         <p:spPr>
           <a:xfrm>
             <a:off x="630000" y="704160"/>
-            <a:ext cx="11341080" cy="1142640"/>
+            <a:ext cx="11340720" cy="1142280"/>
           </a:xfrm>
           <a:prstGeom prst="rect">
             <a:avLst/>
@@ -9011,6 +8041,12 @@
             <a:noFill/>
           </a:ln>
         </p:spPr>
+        <p:style>
+          <a:lnRef idx="0"/>
+          <a:fillRef idx="0"/>
+          <a:effectRef idx="0"/>
+          <a:fontRef idx="minor"/>
+        </p:style>
         <p:txBody>
           <a:bodyPr lIns="0" rIns="0" tIns="45000" bIns="0" anchor="b">
             <a:normAutofit/>
@@ -9022,7 +8058,7 @@
               </a:lnSpc>
             </a:pPr>
             <a:r>
-              <a:rPr b="0" lang="en-US" sz="5000" spc="-1" strike="noStrike">
+              <a:rPr b="0" lang="en-IN" sz="5000" spc="-1" strike="noStrike">
                 <a:solidFill>
                   <a:srgbClr val="04617b"/>
                 </a:solidFill>
@@ -9030,25 +8066,22 @@
               </a:rPr>
               <a:t>References:</a:t>
             </a:r>
-            <a:endParaRPr b="0" lang="en-US" sz="5000" spc="-1" strike="noStrike">
-              <a:solidFill>
-                <a:srgbClr val="000000"/>
-              </a:solidFill>
-              <a:latin typeface="Constantia"/>
-            </a:endParaRPr>
-          </a:p>
-        </p:txBody>
-      </p:sp>
-      <p:sp>
-        <p:nvSpPr>
-          <p:cNvPr id="179" name="TextShape 2"/>
-          <p:cNvSpPr txBox="1"/>
+            <a:endParaRPr b="0" lang="en-IN" sz="5000" spc="-1" strike="noStrike">
+              <a:latin typeface="Arial"/>
+            </a:endParaRPr>
+          </a:p>
+        </p:txBody>
+      </p:sp>
+      <p:sp>
+        <p:nvSpPr>
+          <p:cNvPr id="170" name="CustomShape 2"/>
+          <p:cNvSpPr/>
           <p:nvPr/>
         </p:nvSpPr>
         <p:spPr>
           <a:xfrm>
             <a:off x="630000" y="1935360"/>
-            <a:ext cx="11341080" cy="4388760"/>
+            <a:ext cx="11340720" cy="4388400"/>
           </a:xfrm>
           <a:prstGeom prst="rect">
             <a:avLst/>
@@ -9060,10 +8093,16 @@
             </a:solidFill>
           </a:ln>
         </p:spPr>
+        <p:style>
+          <a:lnRef idx="0"/>
+          <a:fillRef idx="0"/>
+          <a:effectRef idx="0"/>
+          <a:fontRef idx="minor"/>
+        </p:style>
         <p:txBody>
           <a:bodyPr lIns="90000" rIns="90000" tIns="45000" bIns="45000"/>
           <a:p>
-            <a:pPr marL="274320" indent="-273960">
+            <a:pPr marL="274320" indent="-273600">
               <a:lnSpc>
                 <a:spcPct val="100000"/>
               </a:lnSpc>
@@ -9078,23 +8117,21 @@
               <a:buChar char=""/>
             </a:pPr>
             <a:r>
-              <a:rPr b="0" lang="en-US" sz="2600" spc="-1" strike="noStrike">
+              <a:rPr b="0" lang="en-IN" sz="2600" spc="-1" strike="noStrike" u="sng">
                 <a:solidFill>
-                  <a:srgbClr val="000000"/>
+                  <a:srgbClr val="f49100"/>
                 </a:solidFill>
-                <a:latin typeface="Times New Roman"/>
-              </a:rPr>
-              <a:t>https://www.wikipedia.org</a:t>
-            </a:r>
-            <a:endParaRPr b="0" lang="en-US" sz="2600" spc="-1" strike="noStrike">
-              <a:solidFill>
-                <a:srgbClr val="000000"/>
-              </a:solidFill>
-              <a:latin typeface="Constantia"/>
-            </a:endParaRPr>
-          </a:p>
-          <a:p>
-            <a:pPr marL="274320" indent="-273960">
+                <a:uFillTx/>
+                <a:latin typeface="Constantia"/>
+              </a:rPr>
+              <a:t>https://towardsdatascience.com/text-summarization-with-amazon-reviews41801c2210b</a:t>
+            </a:r>
+            <a:endParaRPr b="0" lang="en-IN" sz="2600" spc="-1" strike="noStrike">
+              <a:latin typeface="Arial"/>
+            </a:endParaRPr>
+          </a:p>
+          <a:p>
+            <a:pPr marL="274320" indent="-273600">
               <a:lnSpc>
                 <a:spcPct val="100000"/>
               </a:lnSpc>
@@ -9109,36 +8146,20 @@
               <a:buChar char=""/>
             </a:pPr>
             <a:r>
-              <a:rPr b="0" lang="en-US" sz="2600" spc="-1" strike="noStrike" u="sng">
+              <a:rPr b="0" lang="en-IN" sz="2600" spc="-1" strike="noStrike">
                 <a:solidFill>
-                  <a:srgbClr val="f49100"/>
+                  <a:srgbClr val="000000"/>
                 </a:solidFill>
-                <a:uFillTx/>
-                <a:latin typeface="Constantia"/>
-                <a:hlinkClick r:id="rId1"/>
-              </a:rPr>
-              <a:t>https://</a:t>
-            </a:r>
-            <a:r>
-              <a:rPr b="0" lang="en-US" sz="2600" spc="-1" strike="noStrike" u="sng">
-                <a:solidFill>
-                  <a:srgbClr val="f49100"/>
-                </a:solidFill>
-                <a:uFillTx/>
-                <a:latin typeface="Constantia"/>
-                <a:hlinkClick r:id="rId2"/>
-              </a:rPr>
-              <a:t>towardsdatascience.com/text-summarization-with-amazon-reviews-41801c2210b</a:t>
-            </a:r>
-            <a:endParaRPr b="0" lang="en-US" sz="2600" spc="-1" strike="noStrike">
-              <a:solidFill>
-                <a:srgbClr val="000000"/>
-              </a:solidFill>
-              <a:latin typeface="Constantia"/>
-            </a:endParaRPr>
-          </a:p>
-          <a:p>
-            <a:pPr marL="274320" indent="-273960">
+                <a:latin typeface="Times New Roman"/>
+              </a:rPr>
+              <a:t>Deep Learning with Keras by Antonio Gulli and Sujit Pal</a:t>
+            </a:r>
+            <a:endParaRPr b="0" lang="en-IN" sz="2600" spc="-1" strike="noStrike">
+              <a:latin typeface="Arial"/>
+            </a:endParaRPr>
+          </a:p>
+          <a:p>
+            <a:pPr marL="274320" indent="-273600">
               <a:lnSpc>
                 <a:spcPct val="100000"/>
               </a:lnSpc>
@@ -9153,35 +8174,113 @@
               <a:buChar char=""/>
             </a:pPr>
             <a:r>
-              <a:rPr b="0" lang="en-US" sz="2600" spc="-1" strike="noStrike">
+              <a:rPr b="0" lang="en-IN" sz="2600" spc="-1" strike="noStrike">
                 <a:solidFill>
                   <a:srgbClr val="000000"/>
                 </a:solidFill>
                 <a:latin typeface="Times New Roman"/>
               </a:rPr>
-              <a:t>Deep Learning with Keras by Antonio Gulli and Sujit Pal</a:t>
-            </a:r>
-            <a:endParaRPr b="0" lang="en-US" sz="2600" spc="-1" strike="noStrike">
-              <a:solidFill>
-                <a:srgbClr val="000000"/>
-              </a:solidFill>
-              <a:latin typeface="Constantia"/>
-            </a:endParaRPr>
-          </a:p>
-          <a:p>
-            <a:pPr>
+              <a:t>Deep Learning for Computer Vision by Rajalingappaa Shanmugamani</a:t>
+            </a:r>
+            <a:endParaRPr b="0" lang="en-IN" sz="2600" spc="-1" strike="noStrike">
+              <a:latin typeface="Arial"/>
+            </a:endParaRPr>
+          </a:p>
+          <a:p>
+            <a:pPr marL="274320" indent="-273600">
               <a:lnSpc>
                 <a:spcPct val="100000"/>
               </a:lnSpc>
               <a:spcBef>
                 <a:spcPts val="519"/>
               </a:spcBef>
-            </a:pPr>
-            <a:endParaRPr b="0" lang="en-US" sz="2600" spc="-1" strike="noStrike">
-              <a:solidFill>
-                <a:srgbClr val="000000"/>
-              </a:solidFill>
-              <a:latin typeface="Constantia"/>
+              <a:buClr>
+                <a:srgbClr val="0bd0d9"/>
+              </a:buClr>
+              <a:buSzPct val="95000"/>
+              <a:buFont typeface="Wingdings 2" charset="2"/>
+              <a:buChar char=""/>
+            </a:pPr>
+            <a:r>
+              <a:rPr b="0" lang="en-IN" sz="2600" spc="-1" strike="noStrike">
+                <a:solidFill>
+                  <a:srgbClr val="000000"/>
+                </a:solidFill>
+                <a:latin typeface="Times New Roman"/>
+              </a:rPr>
+              <a:t>Machine Learning Algorithms by Giuseppe Bonaccorso</a:t>
+            </a:r>
+            <a:endParaRPr b="0" lang="en-IN" sz="2600" spc="-1" strike="noStrike">
+              <a:latin typeface="Arial"/>
+            </a:endParaRPr>
+          </a:p>
+          <a:p>
+            <a:pPr marL="274320" indent="-273600">
+              <a:lnSpc>
+                <a:spcPct val="100000"/>
+              </a:lnSpc>
+              <a:spcBef>
+                <a:spcPts val="519"/>
+              </a:spcBef>
+              <a:buClr>
+                <a:srgbClr val="0bd0d9"/>
+              </a:buClr>
+              <a:buSzPct val="95000"/>
+              <a:buFont typeface="Wingdings 2" charset="2"/>
+              <a:buChar char=""/>
+            </a:pPr>
+            <a:r>
+              <a:rPr b="0" lang="en-IN" sz="2600" spc="-1" strike="noStrike">
+                <a:solidFill>
+                  <a:srgbClr val="000000"/>
+                </a:solidFill>
+                <a:latin typeface="Times New Roman"/>
+              </a:rPr>
+              <a:t>Thoughtful Machine Learning with Python by Matthew Kirk</a:t>
+            </a:r>
+            <a:endParaRPr b="0" lang="en-IN" sz="2600" spc="-1" strike="noStrike">
+              <a:latin typeface="Arial"/>
+            </a:endParaRPr>
+          </a:p>
+          <a:p>
+            <a:pPr marL="274320" indent="-273600">
+              <a:lnSpc>
+                <a:spcPct val="100000"/>
+              </a:lnSpc>
+              <a:spcBef>
+                <a:spcPts val="519"/>
+              </a:spcBef>
+              <a:buClr>
+                <a:srgbClr val="0bd0d9"/>
+              </a:buClr>
+              <a:buSzPct val="95000"/>
+              <a:buFont typeface="Wingdings 2" charset="2"/>
+              <a:buChar char=""/>
+            </a:pPr>
+            <a:r>
+              <a:rPr b="0" lang="en-IN" sz="2600" spc="-1" strike="noStrike">
+                <a:solidFill>
+                  <a:srgbClr val="000000"/>
+                </a:solidFill>
+                <a:latin typeface="Times New Roman"/>
+              </a:rPr>
+              <a:t>https://towardsdatascience.com/tensorflow-the-core-concepts-1776ea1732fa</a:t>
+            </a:r>
+            <a:endParaRPr b="0" lang="en-IN" sz="2600" spc="-1" strike="noStrike">
+              <a:latin typeface="Arial"/>
+            </a:endParaRPr>
+          </a:p>
+          <a:p>
+            <a:pPr>
+              <a:lnSpc>
+                <a:spcPct val="100000"/>
+              </a:lnSpc>
+              <a:spcBef>
+                <a:spcPts val="519"/>
+              </a:spcBef>
+            </a:pPr>
+            <a:endParaRPr b="0" lang="en-IN" sz="2600" spc="-1" strike="noStrike">
+              <a:latin typeface="Arial"/>
             </a:endParaRPr>
           </a:p>
         </p:txBody>
@@ -9237,14 +8336,14 @@
       </p:grpSpPr>
       <p:sp>
         <p:nvSpPr>
-          <p:cNvPr id="180" name="TextShape 1"/>
-          <p:cNvSpPr txBox="1"/>
+          <p:cNvPr id="171" name="CustomShape 1"/>
+          <p:cNvSpPr/>
           <p:nvPr/>
         </p:nvSpPr>
         <p:spPr>
           <a:xfrm>
             <a:off x="735120" y="1371600"/>
-            <a:ext cx="10820160" cy="1828440"/>
+            <a:ext cx="10819800" cy="1828080"/>
           </a:xfrm>
           <a:prstGeom prst="rect">
             <a:avLst/>
@@ -9254,6 +8353,12 @@
             <a:noFill/>
           </a:ln>
         </p:spPr>
+        <p:style>
+          <a:lnRef idx="0"/>
+          <a:fillRef idx="0"/>
+          <a:effectRef idx="0"/>
+          <a:fontRef idx="minor"/>
+        </p:style>
         <p:txBody>
           <a:bodyPr lIns="0" rIns="18360" tIns="0" bIns="0" anchor="b"/>
           <a:p>
@@ -9263,7 +8368,7 @@
               </a:lnSpc>
             </a:pPr>
             <a:r>
-              <a:rPr b="1" lang="en-US" sz="5600" spc="-1" strike="noStrike">
+              <a:rPr b="1" lang="en-IN" sz="5600" spc="-1" strike="noStrike">
                 <a:solidFill>
                   <a:srgbClr val="50e0ea"/>
                 </a:solidFill>
@@ -9271,11 +8376,8 @@
               </a:rPr>
               <a:t>THANK YOU</a:t>
             </a:r>
-            <a:endParaRPr b="0" lang="en-US" sz="5600" spc="-1" strike="noStrike">
-              <a:solidFill>
-                <a:srgbClr val="ffffff"/>
-              </a:solidFill>
-              <a:latin typeface="Constantia"/>
+            <a:endParaRPr b="0" lang="en-IN" sz="5600" spc="-1" strike="noStrike">
+              <a:latin typeface="Arial"/>
             </a:endParaRPr>
           </a:p>
         </p:txBody>
@@ -9331,14 +8433,14 @@
       </p:grpSpPr>
       <p:sp>
         <p:nvSpPr>
-          <p:cNvPr id="148" name="TextShape 1"/>
-          <p:cNvSpPr txBox="1"/>
+          <p:cNvPr id="139" name="CustomShape 1"/>
+          <p:cNvSpPr/>
           <p:nvPr/>
         </p:nvSpPr>
         <p:spPr>
           <a:xfrm>
             <a:off x="630000" y="704160"/>
-            <a:ext cx="11341080" cy="1142640"/>
+            <a:ext cx="11340720" cy="1142280"/>
           </a:xfrm>
           <a:prstGeom prst="rect">
             <a:avLst/>
@@ -9348,6 +8450,12 @@
             <a:noFill/>
           </a:ln>
         </p:spPr>
+        <p:style>
+          <a:lnRef idx="0"/>
+          <a:fillRef idx="0"/>
+          <a:effectRef idx="0"/>
+          <a:fontRef idx="minor"/>
+        </p:style>
         <p:txBody>
           <a:bodyPr lIns="0" rIns="0" tIns="45000" bIns="0" anchor="b"/>
           <a:p>
@@ -9357,7 +8465,7 @@
               </a:lnSpc>
             </a:pPr>
             <a:r>
-              <a:rPr b="0" lang="en-US" sz="5000" spc="-1" strike="noStrike">
+              <a:rPr b="0" lang="en-IN" sz="5000" spc="-1" strike="noStrike">
                 <a:solidFill>
                   <a:srgbClr val="04617b"/>
                 </a:solidFill>
@@ -9365,25 +8473,22 @@
               </a:rPr>
               <a:t>TABLE OF CONTENTS:</a:t>
             </a:r>
-            <a:endParaRPr b="0" lang="en-US" sz="5000" spc="-1" strike="noStrike">
-              <a:solidFill>
-                <a:srgbClr val="000000"/>
-              </a:solidFill>
-              <a:latin typeface="Constantia"/>
-            </a:endParaRPr>
-          </a:p>
-        </p:txBody>
-      </p:sp>
-      <p:sp>
-        <p:nvSpPr>
-          <p:cNvPr id="149" name="TextShape 2"/>
-          <p:cNvSpPr txBox="1"/>
+            <a:endParaRPr b="0" lang="en-IN" sz="5000" spc="-1" strike="noStrike">
+              <a:latin typeface="Arial"/>
+            </a:endParaRPr>
+          </a:p>
+        </p:txBody>
+      </p:sp>
+      <p:sp>
+        <p:nvSpPr>
+          <p:cNvPr id="140" name="CustomShape 2"/>
+          <p:cNvSpPr/>
           <p:nvPr/>
         </p:nvSpPr>
         <p:spPr>
           <a:xfrm>
             <a:off x="630000" y="1935360"/>
-            <a:ext cx="11341080" cy="4388760"/>
+            <a:ext cx="11340720" cy="4388400"/>
           </a:xfrm>
           <a:prstGeom prst="rect">
             <a:avLst/>
@@ -9393,10 +8498,16 @@
             <a:noFill/>
           </a:ln>
         </p:spPr>
+        <p:style>
+          <a:lnRef idx="0"/>
+          <a:fillRef idx="0"/>
+          <a:effectRef idx="0"/>
+          <a:fontRef idx="minor"/>
+        </p:style>
         <p:txBody>
           <a:bodyPr lIns="90000" rIns="90000" tIns="45000" bIns="45000"/>
           <a:p>
-            <a:pPr marL="274320" indent="-273960">
+            <a:pPr marL="274320" indent="-273600">
               <a:lnSpc>
                 <a:spcPct val="100000"/>
               </a:lnSpc>
@@ -9411,7 +8522,7 @@
               <a:buChar char=""/>
             </a:pPr>
             <a:r>
-              <a:rPr b="0" lang="en-US" sz="2600" spc="-1" strike="noStrike">
+              <a:rPr b="0" lang="en-IN" sz="2600" spc="-1" strike="noStrike">
                 <a:solidFill>
                   <a:srgbClr val="000000"/>
                 </a:solidFill>
@@ -9419,15 +8530,12 @@
               </a:rPr>
               <a:t>INTRODUCTION</a:t>
             </a:r>
-            <a:endParaRPr b="0" lang="en-US" sz="2600" spc="-1" strike="noStrike">
-              <a:solidFill>
-                <a:srgbClr val="000000"/>
-              </a:solidFill>
-              <a:latin typeface="Constantia"/>
-            </a:endParaRPr>
-          </a:p>
-          <a:p>
-            <a:pPr marL="274320" indent="-273960">
+            <a:endParaRPr b="0" lang="en-IN" sz="2600" spc="-1" strike="noStrike">
+              <a:latin typeface="Arial"/>
+            </a:endParaRPr>
+          </a:p>
+          <a:p>
+            <a:pPr marL="274320" indent="-273600">
               <a:lnSpc>
                 <a:spcPct val="100000"/>
               </a:lnSpc>
@@ -9442,7 +8550,7 @@
               <a:buChar char=""/>
             </a:pPr>
             <a:r>
-              <a:rPr b="0" lang="en-US" sz="2600" spc="-1" strike="noStrike">
+              <a:rPr b="0" lang="en-IN" sz="2600" spc="-1" strike="noStrike">
                 <a:solidFill>
                   <a:srgbClr val="000000"/>
                 </a:solidFill>
@@ -9450,15 +8558,12 @@
               </a:rPr>
               <a:t>TECHNOLOGY USED</a:t>
             </a:r>
-            <a:endParaRPr b="0" lang="en-US" sz="2600" spc="-1" strike="noStrike">
-              <a:solidFill>
-                <a:srgbClr val="000000"/>
-              </a:solidFill>
-              <a:latin typeface="Constantia"/>
-            </a:endParaRPr>
-          </a:p>
-          <a:p>
-            <a:pPr marL="274320" indent="-273960">
+            <a:endParaRPr b="0" lang="en-IN" sz="2600" spc="-1" strike="noStrike">
+              <a:latin typeface="Arial"/>
+            </a:endParaRPr>
+          </a:p>
+          <a:p>
+            <a:pPr marL="274320" indent="-273600">
               <a:lnSpc>
                 <a:spcPct val="100000"/>
               </a:lnSpc>
@@ -9473,7 +8578,7 @@
               <a:buChar char=""/>
             </a:pPr>
             <a:r>
-              <a:rPr b="0" lang="en-US" sz="2600" spc="-1" strike="noStrike">
+              <a:rPr b="0" lang="en-IN" sz="2600" spc="-1" strike="noStrike">
                 <a:solidFill>
                   <a:srgbClr val="000000"/>
                 </a:solidFill>
@@ -9481,15 +8586,12 @@
               </a:rPr>
               <a:t>TOOLS</a:t>
             </a:r>
-            <a:endParaRPr b="0" lang="en-US" sz="2600" spc="-1" strike="noStrike">
-              <a:solidFill>
-                <a:srgbClr val="000000"/>
-              </a:solidFill>
-              <a:latin typeface="Constantia"/>
-            </a:endParaRPr>
-          </a:p>
-          <a:p>
-            <a:pPr marL="274320" indent="-273960">
+            <a:endParaRPr b="0" lang="en-IN" sz="2600" spc="-1" strike="noStrike">
+              <a:latin typeface="Arial"/>
+            </a:endParaRPr>
+          </a:p>
+          <a:p>
+            <a:pPr marL="274320" indent="-273600">
               <a:lnSpc>
                 <a:spcPct val="100000"/>
               </a:lnSpc>
@@ -9504,7 +8606,7 @@
               <a:buChar char=""/>
             </a:pPr>
             <a:r>
-              <a:rPr b="0" lang="en-US" sz="2600" spc="-1" strike="noStrike">
+              <a:rPr b="0" lang="en-IN" sz="2600" spc="-1" strike="noStrike">
                 <a:solidFill>
                   <a:srgbClr val="000000"/>
                 </a:solidFill>
@@ -9512,15 +8614,12 @@
               </a:rPr>
               <a:t>WORKING</a:t>
             </a:r>
-            <a:endParaRPr b="0" lang="en-US" sz="2600" spc="-1" strike="noStrike">
-              <a:solidFill>
-                <a:srgbClr val="000000"/>
-              </a:solidFill>
-              <a:latin typeface="Constantia"/>
-            </a:endParaRPr>
-          </a:p>
-          <a:p>
-            <a:pPr marL="274320" indent="-273960">
+            <a:endParaRPr b="0" lang="en-IN" sz="2600" spc="-1" strike="noStrike">
+              <a:latin typeface="Arial"/>
+            </a:endParaRPr>
+          </a:p>
+          <a:p>
+            <a:pPr marL="274320" indent="-273600">
               <a:lnSpc>
                 <a:spcPct val="100000"/>
               </a:lnSpc>
@@ -9535,7 +8634,7 @@
               <a:buChar char=""/>
             </a:pPr>
             <a:r>
-              <a:rPr b="0" lang="en-US" sz="2600" spc="-1" strike="noStrike">
+              <a:rPr b="0" lang="en-IN" sz="2600" spc="-1" strike="noStrike">
                 <a:solidFill>
                   <a:srgbClr val="000000"/>
                 </a:solidFill>
@@ -9543,15 +8642,12 @@
               </a:rPr>
               <a:t>CONCLUSION</a:t>
             </a:r>
-            <a:endParaRPr b="0" lang="en-US" sz="2600" spc="-1" strike="noStrike">
-              <a:solidFill>
-                <a:srgbClr val="000000"/>
-              </a:solidFill>
-              <a:latin typeface="Constantia"/>
-            </a:endParaRPr>
-          </a:p>
-          <a:p>
-            <a:pPr marL="274320" indent="-273960">
+            <a:endParaRPr b="0" lang="en-IN" sz="2600" spc="-1" strike="noStrike">
+              <a:latin typeface="Arial"/>
+            </a:endParaRPr>
+          </a:p>
+          <a:p>
+            <a:pPr marL="274320" indent="-273600">
               <a:lnSpc>
                 <a:spcPct val="100000"/>
               </a:lnSpc>
@@ -9566,7 +8662,7 @@
               <a:buChar char=""/>
             </a:pPr>
             <a:r>
-              <a:rPr b="0" lang="en-US" sz="2600" spc="-1" strike="noStrike">
+              <a:rPr b="0" lang="en-IN" sz="2600" spc="-1" strike="noStrike">
                 <a:solidFill>
                   <a:srgbClr val="000000"/>
                 </a:solidFill>
@@ -9574,11 +8670,8 @@
               </a:rPr>
               <a:t>REFERENCES</a:t>
             </a:r>
-            <a:endParaRPr b="0" lang="en-US" sz="2600" spc="-1" strike="noStrike">
-              <a:solidFill>
-                <a:srgbClr val="000000"/>
-              </a:solidFill>
-              <a:latin typeface="Constantia"/>
+            <a:endParaRPr b="0" lang="en-IN" sz="2600" spc="-1" strike="noStrike">
+              <a:latin typeface="Arial"/>
             </a:endParaRPr>
           </a:p>
         </p:txBody>
@@ -9634,14 +8727,14 @@
       </p:grpSpPr>
       <p:sp>
         <p:nvSpPr>
-          <p:cNvPr id="150" name="TextShape 1"/>
-          <p:cNvSpPr txBox="1"/>
+          <p:cNvPr id="141" name="CustomShape 1"/>
+          <p:cNvSpPr/>
           <p:nvPr/>
         </p:nvSpPr>
         <p:spPr>
           <a:xfrm>
             <a:off x="630000" y="704160"/>
-            <a:ext cx="11341080" cy="1142640"/>
+            <a:ext cx="11340720" cy="1142280"/>
           </a:xfrm>
           <a:prstGeom prst="rect">
             <a:avLst/>
@@ -9651,6 +8744,12 @@
             <a:noFill/>
           </a:ln>
         </p:spPr>
+        <p:style>
+          <a:lnRef idx="0"/>
+          <a:fillRef idx="0"/>
+          <a:effectRef idx="0"/>
+          <a:fontRef idx="minor"/>
+        </p:style>
         <p:txBody>
           <a:bodyPr lIns="0" rIns="0" tIns="45000" bIns="0" anchor="b"/>
           <a:p>
@@ -9660,7 +8759,7 @@
               </a:lnSpc>
             </a:pPr>
             <a:r>
-              <a:rPr b="0" lang="en-US" sz="5000" spc="-1" strike="noStrike">
+              <a:rPr b="0" lang="en-IN" sz="5000" spc="-1" strike="noStrike">
                 <a:solidFill>
                   <a:srgbClr val="04617b"/>
                 </a:solidFill>
@@ -9668,25 +8767,22 @@
               </a:rPr>
               <a:t>INTRODUCTION</a:t>
             </a:r>
-            <a:endParaRPr b="0" lang="en-US" sz="5000" spc="-1" strike="noStrike">
-              <a:solidFill>
-                <a:srgbClr val="000000"/>
-              </a:solidFill>
-              <a:latin typeface="Constantia"/>
-            </a:endParaRPr>
-          </a:p>
-        </p:txBody>
-      </p:sp>
-      <p:sp>
-        <p:nvSpPr>
-          <p:cNvPr id="151" name="TextShape 2"/>
-          <p:cNvSpPr txBox="1"/>
+            <a:endParaRPr b="0" lang="en-IN" sz="5000" spc="-1" strike="noStrike">
+              <a:latin typeface="Arial"/>
+            </a:endParaRPr>
+          </a:p>
+        </p:txBody>
+      </p:sp>
+      <p:sp>
+        <p:nvSpPr>
+          <p:cNvPr id="142" name="CustomShape 2"/>
+          <p:cNvSpPr/>
           <p:nvPr/>
         </p:nvSpPr>
         <p:spPr>
           <a:xfrm>
             <a:off x="630000" y="1935360"/>
-            <a:ext cx="11341080" cy="4388760"/>
+            <a:ext cx="11340720" cy="4388400"/>
           </a:xfrm>
           <a:prstGeom prst="rect">
             <a:avLst/>
@@ -9696,10 +8792,16 @@
             <a:noFill/>
           </a:ln>
         </p:spPr>
+        <p:style>
+          <a:lnRef idx="0"/>
+          <a:fillRef idx="0"/>
+          <a:effectRef idx="0"/>
+          <a:fontRef idx="minor"/>
+        </p:style>
         <p:txBody>
           <a:bodyPr lIns="90000" rIns="90000" tIns="45000" bIns="45000"/>
           <a:p>
-            <a:pPr marL="274320" indent="-273960">
+            <a:pPr marL="274320" indent="-273600">
               <a:lnSpc>
                 <a:spcPct val="150000"/>
               </a:lnSpc>
@@ -9714,7 +8816,7 @@
               <a:buChar char=""/>
             </a:pPr>
             <a:r>
-              <a:rPr b="0" lang="en-US" sz="2600" spc="-1" strike="noStrike">
+              <a:rPr b="0" lang="en-IN" sz="2600" spc="-1" strike="noStrike">
                 <a:solidFill>
                   <a:srgbClr val="000000"/>
                 </a:solidFill>
@@ -9722,15 +8824,12 @@
               </a:rPr>
               <a:t>Overview of Problem Area</a:t>
             </a:r>
-            <a:endParaRPr b="0" lang="en-US" sz="2600" spc="-1" strike="noStrike">
-              <a:solidFill>
-                <a:srgbClr val="000000"/>
-              </a:solidFill>
-              <a:latin typeface="Constantia"/>
-            </a:endParaRPr>
-          </a:p>
-          <a:p>
-            <a:pPr lvl="2" marL="914400" indent="-246600">
+            <a:endParaRPr b="0" lang="en-IN" sz="2600" spc="-1" strike="noStrike">
+              <a:latin typeface="Arial"/>
+            </a:endParaRPr>
+          </a:p>
+          <a:p>
+            <a:pPr lvl="2" marL="914400" indent="-246240">
               <a:lnSpc>
                 <a:spcPct val="150000"/>
               </a:lnSpc>
@@ -9745,7 +8844,7 @@
               <a:buChar char=""/>
             </a:pPr>
             <a:r>
-              <a:rPr b="0" lang="en-US" sz="2100" spc="-1" strike="noStrike">
+              <a:rPr b="0" lang="en-IN" sz="2100" spc="-1" strike="noStrike">
                 <a:solidFill>
                   <a:srgbClr val="000000"/>
                 </a:solidFill>
@@ -9753,15 +8852,12 @@
               </a:rPr>
               <a:t>Finding relevant information from larger text.</a:t>
             </a:r>
-            <a:endParaRPr b="0" lang="en-US" sz="2100" spc="-1" strike="noStrike">
-              <a:solidFill>
-                <a:srgbClr val="000000"/>
-              </a:solidFill>
-              <a:latin typeface="Constantia"/>
-            </a:endParaRPr>
-          </a:p>
-          <a:p>
-            <a:pPr lvl="2" marL="914400" indent="-246600">
+            <a:endParaRPr b="0" lang="en-IN" sz="2100" spc="-1" strike="noStrike">
+              <a:latin typeface="Arial"/>
+            </a:endParaRPr>
+          </a:p>
+          <a:p>
+            <a:pPr lvl="2" marL="914400" indent="-246240">
               <a:lnSpc>
                 <a:spcPct val="150000"/>
               </a:lnSpc>
@@ -9776,7 +8872,7 @@
               <a:buChar char=""/>
             </a:pPr>
             <a:r>
-              <a:rPr b="0" lang="en-US" sz="2100" spc="-1" strike="noStrike">
+              <a:rPr b="0" lang="en-IN" sz="2100" spc="-1" strike="noStrike">
                 <a:solidFill>
                   <a:srgbClr val="000000"/>
                 </a:solidFill>
@@ -9784,15 +8880,12 @@
               </a:rPr>
               <a:t>Condensed form of  text document.</a:t>
             </a:r>
-            <a:endParaRPr b="0" lang="en-US" sz="2100" spc="-1" strike="noStrike">
-              <a:solidFill>
-                <a:srgbClr val="000000"/>
-              </a:solidFill>
-              <a:latin typeface="Constantia"/>
-            </a:endParaRPr>
-          </a:p>
-          <a:p>
-            <a:pPr lvl="2" marL="914400" indent="-246600">
+            <a:endParaRPr b="0" lang="en-IN" sz="2100" spc="-1" strike="noStrike">
+              <a:latin typeface="Arial"/>
+            </a:endParaRPr>
+          </a:p>
+          <a:p>
+            <a:pPr lvl="2" marL="914400" indent="-246240">
               <a:lnSpc>
                 <a:spcPct val="150000"/>
               </a:lnSpc>
@@ -9807,7 +8900,7 @@
               <a:buChar char=""/>
             </a:pPr>
             <a:r>
-              <a:rPr b="0" lang="en-US" sz="2100" spc="-1" strike="noStrike">
+              <a:rPr b="0" lang="en-IN" sz="2100" spc="-1" strike="noStrike">
                 <a:solidFill>
                   <a:srgbClr val="000000"/>
                 </a:solidFill>
@@ -9815,15 +8908,12 @@
               </a:rPr>
               <a:t>Maintain general meaning of source.</a:t>
             </a:r>
-            <a:endParaRPr b="0" lang="en-US" sz="2100" spc="-1" strike="noStrike">
-              <a:solidFill>
-                <a:srgbClr val="000000"/>
-              </a:solidFill>
-              <a:latin typeface="Constantia"/>
-            </a:endParaRPr>
-          </a:p>
-          <a:p>
-            <a:pPr lvl="2" marL="914400" indent="-246600">
+            <a:endParaRPr b="0" lang="en-IN" sz="2100" spc="-1" strike="noStrike">
+              <a:latin typeface="Arial"/>
+            </a:endParaRPr>
+          </a:p>
+          <a:p>
+            <a:pPr lvl="2" marL="914400" indent="-246240">
               <a:lnSpc>
                 <a:spcPct val="150000"/>
               </a:lnSpc>
@@ -9838,7 +8928,7 @@
               <a:buChar char=""/>
             </a:pPr>
             <a:r>
-              <a:rPr b="0" lang="en-US" sz="2100" spc="-1" strike="noStrike">
+              <a:rPr b="0" lang="en-IN" sz="2100" spc="-1" strike="noStrike">
                 <a:solidFill>
                   <a:srgbClr val="000000"/>
                 </a:solidFill>
@@ -9846,15 +8936,12 @@
               </a:rPr>
               <a:t>Reducing user need to search entire document.</a:t>
             </a:r>
-            <a:endParaRPr b="0" lang="en-US" sz="2100" spc="-1" strike="noStrike">
-              <a:solidFill>
-                <a:srgbClr val="000000"/>
-              </a:solidFill>
-              <a:latin typeface="Constantia"/>
-            </a:endParaRPr>
-          </a:p>
-          <a:p>
-            <a:pPr lvl="2" marL="914400" indent="-246600">
+            <a:endParaRPr b="0" lang="en-IN" sz="2100" spc="-1" strike="noStrike">
+              <a:latin typeface="Arial"/>
+            </a:endParaRPr>
+          </a:p>
+          <a:p>
+            <a:pPr lvl="2" marL="914400" indent="-246240">
               <a:lnSpc>
                 <a:spcPct val="200000"/>
               </a:lnSpc>
@@ -9869,7 +8956,7 @@
               <a:buChar char=""/>
             </a:pPr>
             <a:r>
-              <a:rPr b="0" lang="en-US" sz="2100" spc="-1" strike="noStrike">
+              <a:rPr b="0" lang="en-IN" sz="2100" spc="-1" strike="noStrike">
                 <a:solidFill>
                   <a:srgbClr val="000000"/>
                 </a:solidFill>
@@ -9877,11 +8964,8 @@
               </a:rPr>
               <a:t>Time saving from unnecessary information.</a:t>
             </a:r>
-            <a:endParaRPr b="0" lang="en-US" sz="2100" spc="-1" strike="noStrike">
-              <a:solidFill>
-                <a:srgbClr val="000000"/>
-              </a:solidFill>
-              <a:latin typeface="Constantia"/>
+            <a:endParaRPr b="0" lang="en-IN" sz="2100" spc="-1" strike="noStrike">
+              <a:latin typeface="Arial"/>
             </a:endParaRPr>
           </a:p>
         </p:txBody>
@@ -9937,14 +9021,14 @@
       </p:grpSpPr>
       <p:sp>
         <p:nvSpPr>
-          <p:cNvPr id="152" name="TextShape 1"/>
-          <p:cNvSpPr txBox="1"/>
+          <p:cNvPr id="143" name="CustomShape 1"/>
+          <p:cNvSpPr/>
           <p:nvPr/>
         </p:nvSpPr>
         <p:spPr>
           <a:xfrm>
             <a:off x="630000" y="704160"/>
-            <a:ext cx="11341080" cy="1142640"/>
+            <a:ext cx="11340720" cy="1142280"/>
           </a:xfrm>
           <a:prstGeom prst="rect">
             <a:avLst/>
@@ -9954,6 +9038,12 @@
             <a:noFill/>
           </a:ln>
         </p:spPr>
+        <p:style>
+          <a:lnRef idx="0"/>
+          <a:fillRef idx="0"/>
+          <a:effectRef idx="0"/>
+          <a:fontRef idx="minor"/>
+        </p:style>
         <p:txBody>
           <a:bodyPr lIns="0" rIns="0" tIns="45000" bIns="0" anchor="b"/>
           <a:p>
@@ -9963,7 +9053,7 @@
               </a:lnSpc>
             </a:pPr>
             <a:r>
-              <a:rPr b="0" lang="en-US" sz="5000" spc="-1" strike="noStrike">
+              <a:rPr b="0" lang="en-IN" sz="5000" spc="-1" strike="noStrike">
                 <a:solidFill>
                   <a:srgbClr val="04617b"/>
                 </a:solidFill>
@@ -9971,25 +9061,22 @@
               </a:rPr>
               <a:t>What is Text Summarization?</a:t>
             </a:r>
-            <a:endParaRPr b="0" lang="en-US" sz="5000" spc="-1" strike="noStrike">
-              <a:solidFill>
-                <a:srgbClr val="000000"/>
-              </a:solidFill>
-              <a:latin typeface="Constantia"/>
-            </a:endParaRPr>
-          </a:p>
-        </p:txBody>
-      </p:sp>
-      <p:sp>
-        <p:nvSpPr>
-          <p:cNvPr id="153" name="TextShape 2"/>
-          <p:cNvSpPr txBox="1"/>
+            <a:endParaRPr b="0" lang="en-IN" sz="5000" spc="-1" strike="noStrike">
+              <a:latin typeface="Arial"/>
+            </a:endParaRPr>
+          </a:p>
+        </p:txBody>
+      </p:sp>
+      <p:sp>
+        <p:nvSpPr>
+          <p:cNvPr id="144" name="CustomShape 2"/>
+          <p:cNvSpPr/>
           <p:nvPr/>
         </p:nvSpPr>
         <p:spPr>
           <a:xfrm>
             <a:off x="630000" y="1935360"/>
-            <a:ext cx="11341080" cy="4388760"/>
+            <a:ext cx="11340720" cy="4388400"/>
           </a:xfrm>
           <a:prstGeom prst="rect">
             <a:avLst/>
@@ -9999,12 +9086,18 @@
             <a:noFill/>
           </a:ln>
         </p:spPr>
+        <p:style>
+          <a:lnRef idx="0"/>
+          <a:fillRef idx="0"/>
+          <a:effectRef idx="0"/>
+          <a:fontRef idx="minor"/>
+        </p:style>
         <p:txBody>
           <a:bodyPr lIns="90000" rIns="90000" tIns="45000" bIns="45000">
             <a:normAutofit/>
           </a:bodyPr>
           <a:p>
-            <a:pPr marL="274320" indent="-273960" algn="just">
+            <a:pPr marL="274320" indent="-273600" algn="just">
               <a:lnSpc>
                 <a:spcPct val="100000"/>
               </a:lnSpc>
@@ -10019,7 +9112,7 @@
               <a:buChar char=""/>
             </a:pPr>
             <a:r>
-              <a:rPr b="0" lang="en-US" sz="2600" spc="-1" strike="noStrike">
+              <a:rPr b="0" lang="en-IN" sz="2600" spc="-1" strike="noStrike">
                 <a:solidFill>
                   <a:srgbClr val="000000"/>
                 </a:solidFill>
@@ -10027,15 +9120,12 @@
               </a:rPr>
               <a:t>Text Summarization is the process of creating a condensed form of text document which maintains significant information and general meaning of source text.</a:t>
             </a:r>
-            <a:endParaRPr b="0" lang="en-US" sz="2600" spc="-1" strike="noStrike">
-              <a:solidFill>
-                <a:srgbClr val="000000"/>
-              </a:solidFill>
-              <a:latin typeface="Constantia"/>
-            </a:endParaRPr>
-          </a:p>
-          <a:p>
-            <a:pPr marL="274320" indent="-273960">
+            <a:endParaRPr b="0" lang="en-IN" sz="2600" spc="-1" strike="noStrike">
+              <a:latin typeface="Arial"/>
+            </a:endParaRPr>
+          </a:p>
+          <a:p>
+            <a:pPr marL="274320" indent="-273600">
               <a:lnSpc>
                 <a:spcPct val="100000"/>
               </a:lnSpc>
@@ -10050,7 +9140,7 @@
               <a:buChar char=""/>
             </a:pPr>
             <a:r>
-              <a:rPr b="0" lang="en-US" sz="2600" spc="-1" strike="noStrike">
+              <a:rPr b="0" lang="en-IN" sz="2600" spc="-1" strike="noStrike">
                 <a:solidFill>
                   <a:srgbClr val="000000"/>
                 </a:solidFill>
@@ -10058,15 +9148,12 @@
               </a:rPr>
               <a:t>Type of Text Summarization</a:t>
             </a:r>
-            <a:endParaRPr b="0" lang="en-US" sz="2600" spc="-1" strike="noStrike">
-              <a:solidFill>
-                <a:srgbClr val="000000"/>
-              </a:solidFill>
-              <a:latin typeface="Constantia"/>
-            </a:endParaRPr>
-          </a:p>
-          <a:p>
-            <a:pPr lvl="2" marL="914400" indent="-246600">
+            <a:endParaRPr b="0" lang="en-IN" sz="2600" spc="-1" strike="noStrike">
+              <a:latin typeface="Arial"/>
+            </a:endParaRPr>
+          </a:p>
+          <a:p>
+            <a:pPr lvl="2" marL="914400" indent="-246240">
               <a:lnSpc>
                 <a:spcPct val="100000"/>
               </a:lnSpc>
@@ -10081,7 +9168,7 @@
               <a:buChar char=""/>
             </a:pPr>
             <a:r>
-              <a:rPr b="0" lang="en-US" sz="2100" spc="-1" strike="noStrike">
+              <a:rPr b="0" lang="en-IN" sz="2100" spc="-1" strike="noStrike">
                 <a:solidFill>
                   <a:srgbClr val="000000"/>
                 </a:solidFill>
@@ -10089,15 +9176,12 @@
               </a:rPr>
               <a:t>Extractive Summarization:</a:t>
             </a:r>
-            <a:endParaRPr b="0" lang="en-US" sz="2100" spc="-1" strike="noStrike">
-              <a:solidFill>
-                <a:srgbClr val="000000"/>
-              </a:solidFill>
-              <a:latin typeface="Constantia"/>
-            </a:endParaRPr>
-          </a:p>
-          <a:p>
-            <a:pPr lvl="4" marL="1463040" indent="-209880" algn="just">
+            <a:endParaRPr b="0" lang="en-IN" sz="2100" spc="-1" strike="noStrike">
+              <a:latin typeface="Arial"/>
+            </a:endParaRPr>
+          </a:p>
+          <a:p>
+            <a:pPr lvl="4" marL="1463040" indent="-209520" algn="just">
               <a:lnSpc>
                 <a:spcPct val="100000"/>
               </a:lnSpc>
@@ -10112,7 +9196,7 @@
               <a:buChar char=""/>
             </a:pPr>
             <a:r>
-              <a:rPr b="0" lang="en-US" sz="2000" spc="-1" strike="noStrike">
+              <a:rPr b="0" lang="en-IN" sz="2000" spc="-1" strike="noStrike">
                 <a:solidFill>
                   <a:srgbClr val="000000"/>
                 </a:solidFill>
@@ -10120,15 +9204,12 @@
               </a:rPr>
               <a:t>Extractive summarization extracts important sentences or phrases from the source documents and group them to generate summary without changing the source text</a:t>
             </a:r>
-            <a:endParaRPr b="0" lang="en-US" sz="2000" spc="-1" strike="noStrike">
-              <a:solidFill>
-                <a:srgbClr val="000000"/>
-              </a:solidFill>
-              <a:latin typeface="Constantia"/>
-            </a:endParaRPr>
-          </a:p>
-          <a:p>
-            <a:pPr lvl="2" marL="914400" indent="-246600">
+            <a:endParaRPr b="0" lang="en-IN" sz="2000" spc="-1" strike="noStrike">
+              <a:latin typeface="Arial"/>
+            </a:endParaRPr>
+          </a:p>
+          <a:p>
+            <a:pPr lvl="2" marL="914400" indent="-246240">
               <a:lnSpc>
                 <a:spcPct val="100000"/>
               </a:lnSpc>
@@ -10143,7 +9224,7 @@
               <a:buChar char=""/>
             </a:pPr>
             <a:r>
-              <a:rPr b="0" lang="en-US" sz="2100" spc="-1" strike="noStrike">
+              <a:rPr b="0" lang="en-IN" sz="2100" spc="-1" strike="noStrike">
                 <a:solidFill>
                   <a:srgbClr val="000000"/>
                 </a:solidFill>
@@ -10151,15 +9232,12 @@
               </a:rPr>
               <a:t>Abstractive Summarization</a:t>
             </a:r>
-            <a:endParaRPr b="0" lang="en-US" sz="2100" spc="-1" strike="noStrike">
-              <a:solidFill>
-                <a:srgbClr val="000000"/>
-              </a:solidFill>
-              <a:latin typeface="Constantia"/>
-            </a:endParaRPr>
-          </a:p>
-          <a:p>
-            <a:pPr lvl="4" marL="1463040" indent="-209880" algn="just">
+            <a:endParaRPr b="0" lang="en-IN" sz="2100" spc="-1" strike="noStrike">
+              <a:latin typeface="Arial"/>
+            </a:endParaRPr>
+          </a:p>
+          <a:p>
+            <a:pPr lvl="4" marL="1463040" indent="-209520" algn="just">
               <a:lnSpc>
                 <a:spcPct val="100000"/>
               </a:lnSpc>
@@ -10174,7 +9252,7 @@
               <a:buChar char=""/>
             </a:pPr>
             <a:r>
-              <a:rPr b="0" lang="en-US" sz="2000" spc="-1" strike="noStrike">
+              <a:rPr b="0" lang="en-IN" sz="2000" spc="-1" strike="noStrike">
                 <a:solidFill>
                   <a:srgbClr val="000000"/>
                 </a:solidFill>
@@ -10182,11 +9260,8 @@
               </a:rPr>
               <a:t>Abstractive summarization consists of understanding the source text by using the linguistic method to interpret and examine the text, conveying information in concise way.</a:t>
             </a:r>
-            <a:endParaRPr b="0" lang="en-US" sz="2000" spc="-1" strike="noStrike">
-              <a:solidFill>
-                <a:srgbClr val="000000"/>
-              </a:solidFill>
-              <a:latin typeface="Constantia"/>
+            <a:endParaRPr b="0" lang="en-IN" sz="2000" spc="-1" strike="noStrike">
+              <a:latin typeface="Arial"/>
             </a:endParaRPr>
           </a:p>
         </p:txBody>
@@ -10242,14 +9317,14 @@
       </p:grpSpPr>
       <p:sp>
         <p:nvSpPr>
-          <p:cNvPr id="154" name="TextShape 1"/>
-          <p:cNvSpPr txBox="1"/>
+          <p:cNvPr id="145" name="CustomShape 1"/>
+          <p:cNvSpPr/>
           <p:nvPr/>
         </p:nvSpPr>
         <p:spPr>
           <a:xfrm>
             <a:off x="630000" y="704160"/>
-            <a:ext cx="11341080" cy="1142640"/>
+            <a:ext cx="11340720" cy="1142280"/>
           </a:xfrm>
           <a:prstGeom prst="rect">
             <a:avLst/>
@@ -10259,6 +9334,12 @@
             <a:noFill/>
           </a:ln>
         </p:spPr>
+        <p:style>
+          <a:lnRef idx="0"/>
+          <a:fillRef idx="0"/>
+          <a:effectRef idx="0"/>
+          <a:fontRef idx="minor"/>
+        </p:style>
         <p:txBody>
           <a:bodyPr lIns="0" rIns="0" tIns="45000" bIns="0" anchor="b"/>
           <a:p>
@@ -10268,7 +9349,7 @@
               </a:lnSpc>
             </a:pPr>
             <a:r>
-              <a:rPr b="0" lang="en-US" sz="5000" spc="-1" strike="noStrike">
+              <a:rPr b="0" lang="en-IN" sz="5000" spc="-1" strike="noStrike">
                 <a:solidFill>
                   <a:srgbClr val="04617b"/>
                 </a:solidFill>
@@ -10276,25 +9357,22 @@
               </a:rPr>
               <a:t>PROBLEM SPECIFICATION:</a:t>
             </a:r>
-            <a:endParaRPr b="0" lang="en-US" sz="5000" spc="-1" strike="noStrike">
-              <a:solidFill>
-                <a:srgbClr val="000000"/>
-              </a:solidFill>
-              <a:latin typeface="Constantia"/>
-            </a:endParaRPr>
-          </a:p>
-        </p:txBody>
-      </p:sp>
-      <p:sp>
-        <p:nvSpPr>
-          <p:cNvPr id="155" name="TextShape 2"/>
-          <p:cNvSpPr txBox="1"/>
+            <a:endParaRPr b="0" lang="en-IN" sz="5000" spc="-1" strike="noStrike">
+              <a:latin typeface="Arial"/>
+            </a:endParaRPr>
+          </a:p>
+        </p:txBody>
+      </p:sp>
+      <p:sp>
+        <p:nvSpPr>
+          <p:cNvPr id="146" name="CustomShape 2"/>
+          <p:cNvSpPr/>
           <p:nvPr/>
         </p:nvSpPr>
         <p:spPr>
           <a:xfrm>
             <a:off x="630000" y="1935360"/>
-            <a:ext cx="11341080" cy="4388760"/>
+            <a:ext cx="11340720" cy="4388400"/>
           </a:xfrm>
           <a:prstGeom prst="rect">
             <a:avLst/>
@@ -10304,10 +9382,16 @@
             <a:noFill/>
           </a:ln>
         </p:spPr>
+        <p:style>
+          <a:lnRef idx="0"/>
+          <a:fillRef idx="0"/>
+          <a:effectRef idx="0"/>
+          <a:fontRef idx="minor"/>
+        </p:style>
         <p:txBody>
           <a:bodyPr lIns="90000" rIns="90000" tIns="45000" bIns="45000"/>
           <a:p>
-            <a:pPr marL="274320" indent="-273960">
+            <a:pPr marL="274320" indent="-273600">
               <a:lnSpc>
                 <a:spcPct val="100000"/>
               </a:lnSpc>
@@ -10322,7 +9406,7 @@
               <a:buChar char=""/>
             </a:pPr>
             <a:r>
-              <a:rPr b="0" lang="en-US" sz="2600" spc="-1" strike="noStrike">
+              <a:rPr b="0" lang="en-IN" sz="2600" spc="-1" strike="noStrike">
                 <a:solidFill>
                   <a:srgbClr val="000000"/>
                 </a:solidFill>
@@ -10330,15 +9414,12 @@
               </a:rPr>
               <a:t>Creating short, accurate, and fluent summaries from larger text documents using Machine learning.</a:t>
             </a:r>
-            <a:endParaRPr b="0" lang="en-US" sz="2600" spc="-1" strike="noStrike">
-              <a:solidFill>
-                <a:srgbClr val="000000"/>
-              </a:solidFill>
-              <a:latin typeface="Constantia"/>
-            </a:endParaRPr>
-          </a:p>
-          <a:p>
-            <a:pPr marL="274320" indent="-273960">
+            <a:endParaRPr b="0" lang="en-IN" sz="2600" spc="-1" strike="noStrike">
+              <a:latin typeface="Arial"/>
+            </a:endParaRPr>
+          </a:p>
+          <a:p>
+            <a:pPr marL="274320" indent="-273600">
               <a:lnSpc>
                 <a:spcPct val="100000"/>
               </a:lnSpc>
@@ -10353,7 +9434,7 @@
               <a:buChar char=""/>
             </a:pPr>
             <a:r>
-              <a:rPr b="0" lang="en-US" sz="2600" spc="-1" strike="noStrike">
+              <a:rPr b="0" lang="en-IN" sz="2600" spc="-1" strike="noStrike">
                 <a:solidFill>
                   <a:srgbClr val="000000"/>
                 </a:solidFill>
@@ -10361,15 +9442,12 @@
               </a:rPr>
               <a:t>Text summarizer  learns the pattern to generate summary</a:t>
             </a:r>
-            <a:endParaRPr b="0" lang="en-US" sz="2600" spc="-1" strike="noStrike">
-              <a:solidFill>
-                <a:srgbClr val="000000"/>
-              </a:solidFill>
-              <a:latin typeface="Constantia"/>
-            </a:endParaRPr>
-          </a:p>
-          <a:p>
-            <a:pPr marL="274320" indent="-273960">
+            <a:endParaRPr b="0" lang="en-IN" sz="2600" spc="-1" strike="noStrike">
+              <a:latin typeface="Arial"/>
+            </a:endParaRPr>
+          </a:p>
+          <a:p>
+            <a:pPr marL="274320" indent="-273600">
               <a:lnSpc>
                 <a:spcPct val="100000"/>
               </a:lnSpc>
@@ -10384,7 +9462,7 @@
               <a:buChar char=""/>
             </a:pPr>
             <a:r>
-              <a:rPr b="0" lang="en-US" sz="2600" spc="-1" strike="noStrike">
+              <a:rPr b="0" lang="en-IN" sz="2600" spc="-1" strike="noStrike">
                 <a:solidFill>
                   <a:srgbClr val="000000"/>
                 </a:solidFill>
@@ -10392,15 +9470,12 @@
               </a:rPr>
               <a:t>Reducing text to readable form</a:t>
             </a:r>
-            <a:endParaRPr b="0" lang="en-US" sz="2600" spc="-1" strike="noStrike">
-              <a:solidFill>
-                <a:srgbClr val="000000"/>
-              </a:solidFill>
-              <a:latin typeface="Constantia"/>
-            </a:endParaRPr>
-          </a:p>
-          <a:p>
-            <a:pPr marL="274320" indent="-273960">
+            <a:endParaRPr b="0" lang="en-IN" sz="2600" spc="-1" strike="noStrike">
+              <a:latin typeface="Arial"/>
+            </a:endParaRPr>
+          </a:p>
+          <a:p>
+            <a:pPr marL="274320" indent="-273600">
               <a:lnSpc>
                 <a:spcPct val="100000"/>
               </a:lnSpc>
@@ -10415,7 +9490,7 @@
               <a:buChar char=""/>
             </a:pPr>
             <a:r>
-              <a:rPr b="0" lang="en-US" sz="2600" spc="-1" strike="noStrike">
+              <a:rPr b="0" lang="en-IN" sz="2600" spc="-1" strike="noStrike">
                 <a:solidFill>
                   <a:srgbClr val="000000"/>
                 </a:solidFill>
@@ -10423,15 +9498,12 @@
               </a:rPr>
               <a:t>Saving time from reading larger document</a:t>
             </a:r>
-            <a:endParaRPr b="0" lang="en-US" sz="2600" spc="-1" strike="noStrike">
-              <a:solidFill>
-                <a:srgbClr val="000000"/>
-              </a:solidFill>
-              <a:latin typeface="Constantia"/>
-            </a:endParaRPr>
-          </a:p>
-          <a:p>
-            <a:pPr marL="274320" indent="-273960">
+            <a:endParaRPr b="0" lang="en-IN" sz="2600" spc="-1" strike="noStrike">
+              <a:latin typeface="Arial"/>
+            </a:endParaRPr>
+          </a:p>
+          <a:p>
+            <a:pPr marL="274320" indent="-273600">
               <a:lnSpc>
                 <a:spcPct val="100000"/>
               </a:lnSpc>
@@ -10446,7 +9518,7 @@
               <a:buChar char=""/>
             </a:pPr>
             <a:r>
-              <a:rPr b="0" lang="en-US" sz="2600" spc="-1" strike="noStrike">
+              <a:rPr b="0" lang="en-IN" sz="2600" spc="-1" strike="noStrike">
                 <a:solidFill>
                   <a:srgbClr val="000000"/>
                 </a:solidFill>
@@ -10454,11 +9526,8 @@
               </a:rPr>
               <a:t>Relevant content from source as input</a:t>
             </a:r>
-            <a:endParaRPr b="0" lang="en-US" sz="2600" spc="-1" strike="noStrike">
-              <a:solidFill>
-                <a:srgbClr val="000000"/>
-              </a:solidFill>
-              <a:latin typeface="Constantia"/>
+            <a:endParaRPr b="0" lang="en-IN" sz="2600" spc="-1" strike="noStrike">
+              <a:latin typeface="Arial"/>
             </a:endParaRPr>
           </a:p>
         </p:txBody>
@@ -10514,14 +9583,14 @@
       </p:grpSpPr>
       <p:sp>
         <p:nvSpPr>
-          <p:cNvPr id="156" name="TextShape 1"/>
-          <p:cNvSpPr txBox="1"/>
+          <p:cNvPr id="147" name="CustomShape 1"/>
+          <p:cNvSpPr/>
           <p:nvPr/>
         </p:nvSpPr>
         <p:spPr>
           <a:xfrm>
             <a:off x="630000" y="704160"/>
-            <a:ext cx="11341080" cy="1142640"/>
+            <a:ext cx="11340720" cy="1142280"/>
           </a:xfrm>
           <a:prstGeom prst="rect">
             <a:avLst/>
@@ -10531,6 +9600,12 @@
             <a:noFill/>
           </a:ln>
         </p:spPr>
+        <p:style>
+          <a:lnRef idx="0"/>
+          <a:fillRef idx="0"/>
+          <a:effectRef idx="0"/>
+          <a:fontRef idx="minor"/>
+        </p:style>
         <p:txBody>
           <a:bodyPr lIns="0" rIns="0" tIns="45000" bIns="0" anchor="b"/>
           <a:p>
@@ -10540,7 +9615,7 @@
               </a:lnSpc>
             </a:pPr>
             <a:r>
-              <a:rPr b="0" lang="en-US" sz="5000" spc="-1" strike="noStrike">
+              <a:rPr b="0" lang="en-IN" sz="5000" spc="-1" strike="noStrike">
                 <a:solidFill>
                   <a:srgbClr val="04617b"/>
                 </a:solidFill>
@@ -10548,25 +9623,22 @@
               </a:rPr>
               <a:t>TECHNOLGY USED:</a:t>
             </a:r>
-            <a:endParaRPr b="0" lang="en-US" sz="5000" spc="-1" strike="noStrike">
-              <a:solidFill>
-                <a:srgbClr val="000000"/>
-              </a:solidFill>
-              <a:latin typeface="Constantia"/>
-            </a:endParaRPr>
-          </a:p>
-        </p:txBody>
-      </p:sp>
-      <p:sp>
-        <p:nvSpPr>
-          <p:cNvPr id="157" name="TextShape 2"/>
-          <p:cNvSpPr txBox="1"/>
+            <a:endParaRPr b="0" lang="en-IN" sz="5000" spc="-1" strike="noStrike">
+              <a:latin typeface="Arial"/>
+            </a:endParaRPr>
+          </a:p>
+        </p:txBody>
+      </p:sp>
+      <p:sp>
+        <p:nvSpPr>
+          <p:cNvPr id="148" name="CustomShape 2"/>
+          <p:cNvSpPr/>
           <p:nvPr/>
         </p:nvSpPr>
         <p:spPr>
           <a:xfrm>
             <a:off x="630000" y="1935360"/>
-            <a:ext cx="11341080" cy="4388760"/>
+            <a:ext cx="11340720" cy="4388400"/>
           </a:xfrm>
           <a:prstGeom prst="rect">
             <a:avLst/>
@@ -10576,10 +9648,16 @@
             <a:noFill/>
           </a:ln>
         </p:spPr>
+        <p:style>
+          <a:lnRef idx="0"/>
+          <a:fillRef idx="0"/>
+          <a:effectRef idx="0"/>
+          <a:fontRef idx="minor"/>
+        </p:style>
         <p:txBody>
           <a:bodyPr lIns="90000" rIns="90000" tIns="45000" bIns="45000"/>
           <a:p>
-            <a:pPr marL="274320" indent="-273960">
+            <a:pPr marL="274320" indent="-273600">
               <a:lnSpc>
                 <a:spcPct val="100000"/>
               </a:lnSpc>
@@ -10594,7 +9672,7 @@
               <a:buChar char=""/>
             </a:pPr>
             <a:r>
-              <a:rPr b="0" lang="en-US" sz="2600" spc="-1" strike="noStrike">
+              <a:rPr b="0" lang="en-IN" sz="2600" spc="-1" strike="noStrike">
                 <a:solidFill>
                   <a:srgbClr val="000000"/>
                 </a:solidFill>
@@ -10602,15 +9680,12 @@
               </a:rPr>
               <a:t>Machine Leaning:</a:t>
             </a:r>
-            <a:endParaRPr b="0" lang="en-US" sz="2600" spc="-1" strike="noStrike">
-              <a:solidFill>
-                <a:srgbClr val="000000"/>
-              </a:solidFill>
-              <a:latin typeface="Constantia"/>
-            </a:endParaRPr>
-          </a:p>
-          <a:p>
-            <a:pPr lvl="2" marL="914400" indent="-246600">
+            <a:endParaRPr b="0" lang="en-IN" sz="2600" spc="-1" strike="noStrike">
+              <a:latin typeface="Arial"/>
+            </a:endParaRPr>
+          </a:p>
+          <a:p>
+            <a:pPr lvl="2" marL="914400" indent="-246240">
               <a:lnSpc>
                 <a:spcPct val="100000"/>
               </a:lnSpc>
@@ -10625,7 +9700,7 @@
               <a:buChar char=""/>
             </a:pPr>
             <a:r>
-              <a:rPr b="0" lang="en-US" sz="2100" spc="-1" strike="noStrike">
+              <a:rPr b="0" lang="en-IN" sz="2100" spc="-1" strike="noStrike">
                 <a:solidFill>
                   <a:srgbClr val="000000"/>
                 </a:solidFill>
@@ -10633,15 +9708,12 @@
               </a:rPr>
               <a:t>Application of Artificial Intelligence.</a:t>
             </a:r>
-            <a:endParaRPr b="0" lang="en-US" sz="2100" spc="-1" strike="noStrike">
-              <a:solidFill>
-                <a:srgbClr val="000000"/>
-              </a:solidFill>
-              <a:latin typeface="Constantia"/>
-            </a:endParaRPr>
-          </a:p>
-          <a:p>
-            <a:pPr lvl="2" marL="914400" indent="-246600">
+            <a:endParaRPr b="0" lang="en-IN" sz="2100" spc="-1" strike="noStrike">
+              <a:latin typeface="Arial"/>
+            </a:endParaRPr>
+          </a:p>
+          <a:p>
+            <a:pPr lvl="2" marL="914400" indent="-246240">
               <a:lnSpc>
                 <a:spcPct val="100000"/>
               </a:lnSpc>
@@ -10656,7 +9728,7 @@
               <a:buChar char=""/>
             </a:pPr>
             <a:r>
-              <a:rPr b="0" lang="en-US" sz="2100" spc="-1" strike="noStrike">
+              <a:rPr b="0" lang="en-IN" sz="2100" spc="-1" strike="noStrike">
                 <a:solidFill>
                   <a:srgbClr val="000000"/>
                 </a:solidFill>
@@ -10664,15 +9736,12 @@
               </a:rPr>
               <a:t>Provides Systems ability to learn and improve from experience without being explicitly programmed.</a:t>
             </a:r>
-            <a:endParaRPr b="0" lang="en-US" sz="2100" spc="-1" strike="noStrike">
-              <a:solidFill>
-                <a:srgbClr val="000000"/>
-              </a:solidFill>
-              <a:latin typeface="Constantia"/>
-            </a:endParaRPr>
-          </a:p>
-          <a:p>
-            <a:pPr lvl="2" marL="914400" indent="-246600">
+            <a:endParaRPr b="0" lang="en-IN" sz="2100" spc="-1" strike="noStrike">
+              <a:latin typeface="Arial"/>
+            </a:endParaRPr>
+          </a:p>
+          <a:p>
+            <a:pPr lvl="2" marL="914400" indent="-246240">
               <a:lnSpc>
                 <a:spcPct val="100000"/>
               </a:lnSpc>
@@ -10687,7 +9756,7 @@
               <a:buChar char=""/>
             </a:pPr>
             <a:r>
-              <a:rPr b="0" lang="en-US" sz="2100" spc="-1" strike="noStrike">
+              <a:rPr b="0" lang="en-IN" sz="2100" spc="-1" strike="noStrike">
                 <a:solidFill>
                   <a:srgbClr val="000000"/>
                 </a:solidFill>
@@ -10695,15 +9764,12 @@
               </a:rPr>
               <a:t>Programs that can access data and use it to learn for themselves</a:t>
             </a:r>
-            <a:endParaRPr b="0" lang="en-US" sz="2100" spc="-1" strike="noStrike">
-              <a:solidFill>
-                <a:srgbClr val="000000"/>
-              </a:solidFill>
-              <a:latin typeface="Constantia"/>
-            </a:endParaRPr>
-          </a:p>
-          <a:p>
-            <a:pPr lvl="2" marL="914400" indent="-246600">
+            <a:endParaRPr b="0" lang="en-IN" sz="2100" spc="-1" strike="noStrike">
+              <a:latin typeface="Arial"/>
+            </a:endParaRPr>
+          </a:p>
+          <a:p>
+            <a:pPr lvl="2" marL="914400" indent="-246240">
               <a:lnSpc>
                 <a:spcPct val="100000"/>
               </a:lnSpc>
@@ -10718,7 +9784,7 @@
               <a:buChar char=""/>
             </a:pPr>
             <a:r>
-              <a:rPr b="0" lang="en-US" sz="2100" spc="-1" strike="noStrike">
+              <a:rPr b="0" lang="en-IN" sz="2100" spc="-1" strike="noStrike">
                 <a:solidFill>
                   <a:srgbClr val="000000"/>
                 </a:solidFill>
@@ -10726,15 +9792,12 @@
               </a:rPr>
               <a:t>Primary Aim is to allow computers to learn automatically without human intervention or assistance and adjust accordingly</a:t>
             </a:r>
-            <a:endParaRPr b="0" lang="en-US" sz="2100" spc="-1" strike="noStrike">
-              <a:solidFill>
-                <a:srgbClr val="000000"/>
-              </a:solidFill>
-              <a:latin typeface="Constantia"/>
-            </a:endParaRPr>
-          </a:p>
-          <a:p>
-            <a:pPr lvl="2" marL="914400" indent="-246600">
+            <a:endParaRPr b="0" lang="en-IN" sz="2100" spc="-1" strike="noStrike">
+              <a:latin typeface="Arial"/>
+            </a:endParaRPr>
+          </a:p>
+          <a:p>
+            <a:pPr lvl="2" marL="914400" indent="-246240">
               <a:lnSpc>
                 <a:spcPct val="100000"/>
               </a:lnSpc>
@@ -10749,7 +9812,7 @@
               <a:buChar char=""/>
             </a:pPr>
             <a:r>
-              <a:rPr b="0" lang="en-US" sz="2100" spc="-1" strike="noStrike">
+              <a:rPr b="0" lang="en-IN" sz="2100" spc="-1" strike="noStrike">
                 <a:solidFill>
                   <a:srgbClr val="000000"/>
                 </a:solidFill>
@@ -10757,19 +9820,18 @@
               </a:rPr>
               <a:t>Application in field of facial Recognition, Speech Recognition, Recommendation System, Image processing and etc.</a:t>
             </a:r>
-            <a:endParaRPr b="0" lang="en-US" sz="2100" spc="-1" strike="noStrike">
-              <a:solidFill>
-                <a:srgbClr val="000000"/>
-              </a:solidFill>
-              <a:latin typeface="Constantia"/>
-            </a:endParaRPr>
-          </a:p>
-          <a:p>
-            <a:endParaRPr b="0" lang="en-US" sz="2100" spc="-1" strike="noStrike">
-              <a:solidFill>
-                <a:srgbClr val="000000"/>
-              </a:solidFill>
-              <a:latin typeface="Constantia"/>
+            <a:endParaRPr b="0" lang="en-IN" sz="2100" spc="-1" strike="noStrike">
+              <a:latin typeface="Arial"/>
+            </a:endParaRPr>
+          </a:p>
+          <a:p>
+            <a:pPr>
+              <a:lnSpc>
+                <a:spcPct val="100000"/>
+              </a:lnSpc>
+            </a:pPr>
+            <a:endParaRPr b="0" lang="en-IN" sz="2100" spc="-1" strike="noStrike">
+              <a:latin typeface="Arial"/>
             </a:endParaRPr>
           </a:p>
         </p:txBody>
@@ -10825,14 +9887,14 @@
       </p:grpSpPr>
       <p:sp>
         <p:nvSpPr>
-          <p:cNvPr id="158" name="TextShape 1"/>
-          <p:cNvSpPr txBox="1"/>
+          <p:cNvPr id="149" name="CustomShape 1"/>
+          <p:cNvSpPr/>
           <p:nvPr/>
         </p:nvSpPr>
         <p:spPr>
           <a:xfrm>
             <a:off x="630000" y="704160"/>
-            <a:ext cx="11341080" cy="1142640"/>
+            <a:ext cx="11340720" cy="1142280"/>
           </a:xfrm>
           <a:prstGeom prst="rect">
             <a:avLst/>
@@ -10842,6 +9904,12 @@
             <a:noFill/>
           </a:ln>
         </p:spPr>
+        <p:style>
+          <a:lnRef idx="0"/>
+          <a:fillRef idx="0"/>
+          <a:effectRef idx="0"/>
+          <a:fontRef idx="minor"/>
+        </p:style>
         <p:txBody>
           <a:bodyPr lIns="0" rIns="0" tIns="45000" bIns="0" anchor="b">
             <a:normAutofit/>
@@ -10853,7 +9921,7 @@
               </a:lnSpc>
             </a:pPr>
             <a:r>
-              <a:rPr b="0" lang="en-US" sz="3600" spc="-1" strike="noStrike">
+              <a:rPr b="0" lang="en-IN" sz="3600" spc="-1" strike="noStrike">
                 <a:solidFill>
                   <a:srgbClr val="04617b"/>
                 </a:solidFill>
@@ -10861,25 +9929,22 @@
               </a:rPr>
               <a:t>Types of Machine Learning:</a:t>
             </a:r>
-            <a:endParaRPr b="0" lang="en-US" sz="3600" spc="-1" strike="noStrike">
-              <a:solidFill>
-                <a:srgbClr val="000000"/>
-              </a:solidFill>
-              <a:latin typeface="Constantia"/>
-            </a:endParaRPr>
-          </a:p>
-        </p:txBody>
-      </p:sp>
-      <p:sp>
-        <p:nvSpPr>
-          <p:cNvPr id="159" name="TextShape 2"/>
-          <p:cNvSpPr txBox="1"/>
+            <a:endParaRPr b="0" lang="en-IN" sz="3600" spc="-1" strike="noStrike">
+              <a:latin typeface="Arial"/>
+            </a:endParaRPr>
+          </a:p>
+        </p:txBody>
+      </p:sp>
+      <p:sp>
+        <p:nvSpPr>
+          <p:cNvPr id="150" name="CustomShape 2"/>
+          <p:cNvSpPr/>
           <p:nvPr/>
         </p:nvSpPr>
         <p:spPr>
           <a:xfrm>
             <a:off x="630000" y="1935360"/>
-            <a:ext cx="11341080" cy="4388760"/>
+            <a:ext cx="11340720" cy="4388400"/>
           </a:xfrm>
           <a:prstGeom prst="rect">
             <a:avLst/>
@@ -10889,10 +9954,16 @@
             <a:noFill/>
           </a:ln>
         </p:spPr>
+        <p:style>
+          <a:lnRef idx="0"/>
+          <a:fillRef idx="0"/>
+          <a:effectRef idx="0"/>
+          <a:fontRef idx="minor"/>
+        </p:style>
         <p:txBody>
           <a:bodyPr lIns="90000" rIns="90000" tIns="45000" bIns="45000"/>
           <a:p>
-            <a:pPr marL="274320" indent="-273960">
+            <a:pPr marL="274320" indent="-273600">
               <a:lnSpc>
                 <a:spcPct val="100000"/>
               </a:lnSpc>
@@ -10907,7 +9978,7 @@
               <a:buChar char=""/>
             </a:pPr>
             <a:r>
-              <a:rPr b="0" lang="en-US" sz="2600" spc="-1" strike="noStrike">
+              <a:rPr b="0" lang="en-IN" sz="2600" spc="-1" strike="noStrike">
                 <a:solidFill>
                   <a:srgbClr val="000000"/>
                 </a:solidFill>
@@ -10915,15 +9986,12 @@
               </a:rPr>
               <a:t>Supervised Learning:</a:t>
             </a:r>
-            <a:endParaRPr b="0" lang="en-US" sz="2600" spc="-1" strike="noStrike">
-              <a:solidFill>
-                <a:srgbClr val="000000"/>
-              </a:solidFill>
-              <a:latin typeface="Constantia"/>
-            </a:endParaRPr>
-          </a:p>
-          <a:p>
-            <a:pPr lvl="2" marL="914400" indent="-246600">
+            <a:endParaRPr b="0" lang="en-IN" sz="2600" spc="-1" strike="noStrike">
+              <a:latin typeface="Arial"/>
+            </a:endParaRPr>
+          </a:p>
+          <a:p>
+            <a:pPr lvl="2" marL="914400" indent="-246240">
               <a:lnSpc>
                 <a:spcPct val="100000"/>
               </a:lnSpc>
@@ -10938,7 +10006,7 @@
               <a:buChar char=""/>
             </a:pPr>
             <a:r>
-              <a:rPr b="0" lang="en-US" sz="2100" spc="-1" strike="noStrike">
+              <a:rPr b="0" lang="en-IN" sz="2100" spc="-1" strike="noStrike">
                 <a:solidFill>
                   <a:srgbClr val="000000"/>
                 </a:solidFill>
@@ -10946,15 +10014,12 @@
               </a:rPr>
               <a:t>Used when both input and output are known</a:t>
             </a:r>
-            <a:endParaRPr b="0" lang="en-US" sz="2100" spc="-1" strike="noStrike">
-              <a:solidFill>
-                <a:srgbClr val="000000"/>
-              </a:solidFill>
-              <a:latin typeface="Constantia"/>
-            </a:endParaRPr>
-          </a:p>
-          <a:p>
-            <a:pPr lvl="2" marL="914400" indent="-246600">
+            <a:endParaRPr b="0" lang="en-IN" sz="2100" spc="-1" strike="noStrike">
+              <a:latin typeface="Arial"/>
+            </a:endParaRPr>
+          </a:p>
+          <a:p>
+            <a:pPr lvl="2" marL="914400" indent="-246240">
               <a:lnSpc>
                 <a:spcPct val="100000"/>
               </a:lnSpc>
@@ -10969,7 +10034,7 @@
               <a:buChar char=""/>
             </a:pPr>
             <a:r>
-              <a:rPr b="0" lang="en-US" sz="2100" spc="-1" strike="noStrike">
+              <a:rPr b="0" lang="en-IN" sz="2100" spc="-1" strike="noStrike">
                 <a:solidFill>
                   <a:srgbClr val="000000"/>
                 </a:solidFill>
@@ -10977,15 +10042,12 @@
               </a:rPr>
               <a:t>Data is labeled</a:t>
             </a:r>
-            <a:endParaRPr b="0" lang="en-US" sz="2100" spc="-1" strike="noStrike">
-              <a:solidFill>
-                <a:srgbClr val="000000"/>
-              </a:solidFill>
-              <a:latin typeface="Constantia"/>
-            </a:endParaRPr>
-          </a:p>
-          <a:p>
-            <a:pPr marL="274320" indent="-273960">
+            <a:endParaRPr b="0" lang="en-IN" sz="2100" spc="-1" strike="noStrike">
+              <a:latin typeface="Arial"/>
+            </a:endParaRPr>
+          </a:p>
+          <a:p>
+            <a:pPr marL="274320" indent="-273600">
               <a:lnSpc>
                 <a:spcPct val="100000"/>
               </a:lnSpc>
@@ -11000,7 +10062,7 @@
               <a:buChar char=""/>
             </a:pPr>
             <a:r>
-              <a:rPr b="0" lang="en-US" sz="2600" spc="-1" strike="noStrike">
+              <a:rPr b="0" lang="en-IN" sz="2600" spc="-1" strike="noStrike">
                 <a:solidFill>
                   <a:srgbClr val="000000"/>
                 </a:solidFill>
@@ -11008,15 +10070,12 @@
               </a:rPr>
               <a:t>Unsupervised Learning:</a:t>
             </a:r>
-            <a:endParaRPr b="0" lang="en-US" sz="2600" spc="-1" strike="noStrike">
-              <a:solidFill>
-                <a:srgbClr val="000000"/>
-              </a:solidFill>
-              <a:latin typeface="Constantia"/>
-            </a:endParaRPr>
-          </a:p>
-          <a:p>
-            <a:pPr lvl="2" marL="914400" indent="-246600">
+            <a:endParaRPr b="0" lang="en-IN" sz="2600" spc="-1" strike="noStrike">
+              <a:latin typeface="Arial"/>
+            </a:endParaRPr>
+          </a:p>
+          <a:p>
+            <a:pPr lvl="2" marL="914400" indent="-246240">
               <a:lnSpc>
                 <a:spcPct val="100000"/>
               </a:lnSpc>
@@ -11031,7 +10090,7 @@
               <a:buChar char=""/>
             </a:pPr>
             <a:r>
-              <a:rPr b="0" lang="en-US" sz="2100" spc="-1" strike="noStrike">
+              <a:rPr b="0" lang="en-IN" sz="2100" spc="-1" strike="noStrike">
                 <a:solidFill>
                   <a:srgbClr val="000000"/>
                 </a:solidFill>
@@ -11039,15 +10098,12 @@
               </a:rPr>
               <a:t>Used when input is known but output is not known</a:t>
             </a:r>
-            <a:endParaRPr b="0" lang="en-US" sz="2100" spc="-1" strike="noStrike">
-              <a:solidFill>
-                <a:srgbClr val="000000"/>
-              </a:solidFill>
-              <a:latin typeface="Constantia"/>
-            </a:endParaRPr>
-          </a:p>
-          <a:p>
-            <a:pPr lvl="2" marL="914400" indent="-246600">
+            <a:endParaRPr b="0" lang="en-IN" sz="2100" spc="-1" strike="noStrike">
+              <a:latin typeface="Arial"/>
+            </a:endParaRPr>
+          </a:p>
+          <a:p>
+            <a:pPr lvl="2" marL="914400" indent="-246240">
               <a:lnSpc>
                 <a:spcPct val="100000"/>
               </a:lnSpc>
@@ -11062,7 +10118,7 @@
               <a:buChar char=""/>
             </a:pPr>
             <a:r>
-              <a:rPr b="0" lang="en-US" sz="2100" spc="-1" strike="noStrike">
+              <a:rPr b="0" lang="en-IN" sz="2100" spc="-1" strike="noStrike">
                 <a:solidFill>
                   <a:srgbClr val="000000"/>
                 </a:solidFill>
@@ -11070,15 +10126,12 @@
               </a:rPr>
               <a:t>Data is unlabeled</a:t>
             </a:r>
-            <a:endParaRPr b="0" lang="en-US" sz="2100" spc="-1" strike="noStrike">
-              <a:solidFill>
-                <a:srgbClr val="000000"/>
-              </a:solidFill>
-              <a:latin typeface="Constantia"/>
-            </a:endParaRPr>
-          </a:p>
-          <a:p>
-            <a:pPr marL="274320" indent="-273960">
+            <a:endParaRPr b="0" lang="en-IN" sz="2100" spc="-1" strike="noStrike">
+              <a:latin typeface="Arial"/>
+            </a:endParaRPr>
+          </a:p>
+          <a:p>
+            <a:pPr marL="274320" indent="-273600">
               <a:lnSpc>
                 <a:spcPct val="100000"/>
               </a:lnSpc>
@@ -11093,7 +10146,7 @@
               <a:buChar char=""/>
             </a:pPr>
             <a:r>
-              <a:rPr b="0" lang="en-US" sz="2600" spc="-1" strike="noStrike">
+              <a:rPr b="0" lang="en-IN" sz="2600" spc="-1" strike="noStrike">
                 <a:solidFill>
                   <a:srgbClr val="000000"/>
                 </a:solidFill>
@@ -11101,15 +10154,12 @@
               </a:rPr>
               <a:t>Reinforcement machine Learning:</a:t>
             </a:r>
-            <a:endParaRPr b="0" lang="en-US" sz="2600" spc="-1" strike="noStrike">
-              <a:solidFill>
-                <a:srgbClr val="000000"/>
-              </a:solidFill>
-              <a:latin typeface="Constantia"/>
-            </a:endParaRPr>
-          </a:p>
-          <a:p>
-            <a:pPr lvl="2" marL="914400" indent="-246600">
+            <a:endParaRPr b="0" lang="en-IN" sz="2600" spc="-1" strike="noStrike">
+              <a:latin typeface="Arial"/>
+            </a:endParaRPr>
+          </a:p>
+          <a:p>
+            <a:pPr lvl="2" marL="914400" indent="-246240">
               <a:lnSpc>
                 <a:spcPct val="100000"/>
               </a:lnSpc>
@@ -11124,7 +10174,7 @@
               <a:buChar char=""/>
             </a:pPr>
             <a:r>
-              <a:rPr b="0" lang="en-US" sz="2100" spc="-1" strike="noStrike">
+              <a:rPr b="0" lang="en-IN" sz="2100" spc="-1" strike="noStrike">
                 <a:solidFill>
                   <a:srgbClr val="000000"/>
                 </a:solidFill>
@@ -11132,15 +10182,12 @@
               </a:rPr>
               <a:t>Used when input and output for some input data, and  grade data is present</a:t>
             </a:r>
-            <a:endParaRPr b="0" lang="en-US" sz="2100" spc="-1" strike="noStrike">
-              <a:solidFill>
-                <a:srgbClr val="000000"/>
-              </a:solidFill>
-              <a:latin typeface="Constantia"/>
-            </a:endParaRPr>
-          </a:p>
-          <a:p>
-            <a:pPr lvl="2" marL="914400" indent="-246600">
+            <a:endParaRPr b="0" lang="en-IN" sz="2100" spc="-1" strike="noStrike">
+              <a:latin typeface="Arial"/>
+            </a:endParaRPr>
+          </a:p>
+          <a:p>
+            <a:pPr lvl="2" marL="914400" indent="-246240">
               <a:lnSpc>
                 <a:spcPct val="100000"/>
               </a:lnSpc>
@@ -11155,7 +10202,7 @@
               <a:buChar char=""/>
             </a:pPr>
             <a:r>
-              <a:rPr b="0" lang="en-US" sz="2100" spc="-1" strike="noStrike">
+              <a:rPr b="0" lang="en-IN" sz="2100" spc="-1" strike="noStrike">
                 <a:solidFill>
                   <a:srgbClr val="000000"/>
                 </a:solidFill>
@@ -11163,11 +10210,8 @@
               </a:rPr>
               <a:t>Learn its behavior by feedback from Environment</a:t>
             </a:r>
-            <a:endParaRPr b="0" lang="en-US" sz="2100" spc="-1" strike="noStrike">
-              <a:solidFill>
-                <a:srgbClr val="000000"/>
-              </a:solidFill>
-              <a:latin typeface="Constantia"/>
+            <a:endParaRPr b="0" lang="en-IN" sz="2100" spc="-1" strike="noStrike">
+              <a:latin typeface="Arial"/>
             </a:endParaRPr>
           </a:p>
         </p:txBody>
@@ -11223,14 +10267,14 @@
       </p:grpSpPr>
       <p:sp>
         <p:nvSpPr>
-          <p:cNvPr id="160" name="TextShape 1"/>
-          <p:cNvSpPr txBox="1"/>
+          <p:cNvPr id="151" name="CustomShape 1"/>
+          <p:cNvSpPr/>
           <p:nvPr/>
         </p:nvSpPr>
         <p:spPr>
           <a:xfrm>
             <a:off x="630000" y="704160"/>
-            <a:ext cx="11341080" cy="1142640"/>
+            <a:ext cx="11340720" cy="1142280"/>
           </a:xfrm>
           <a:prstGeom prst="rect">
             <a:avLst/>
@@ -11240,6 +10284,12 @@
             <a:noFill/>
           </a:ln>
         </p:spPr>
+        <p:style>
+          <a:lnRef idx="0"/>
+          <a:fillRef idx="0"/>
+          <a:effectRef idx="0"/>
+          <a:fontRef idx="minor"/>
+        </p:style>
         <p:txBody>
           <a:bodyPr lIns="0" rIns="0" tIns="45000" bIns="0" anchor="b"/>
           <a:p>
@@ -11249,7 +10299,7 @@
               </a:lnSpc>
             </a:pPr>
             <a:r>
-              <a:rPr b="0" lang="en-US" sz="5000" spc="-1" strike="noStrike">
+              <a:rPr b="0" lang="en-IN" sz="5000" spc="-1" strike="noStrike">
                 <a:solidFill>
                   <a:srgbClr val="04617b"/>
                 </a:solidFill>
@@ -11257,25 +10307,22 @@
               </a:rPr>
               <a:t>Neural Network:</a:t>
             </a:r>
-            <a:endParaRPr b="0" lang="en-US" sz="5000" spc="-1" strike="noStrike">
-              <a:solidFill>
-                <a:srgbClr val="000000"/>
-              </a:solidFill>
-              <a:latin typeface="Constantia"/>
-            </a:endParaRPr>
-          </a:p>
-        </p:txBody>
-      </p:sp>
-      <p:sp>
-        <p:nvSpPr>
-          <p:cNvPr id="161" name="TextShape 2"/>
-          <p:cNvSpPr txBox="1"/>
+            <a:endParaRPr b="0" lang="en-IN" sz="5000" spc="-1" strike="noStrike">
+              <a:latin typeface="Arial"/>
+            </a:endParaRPr>
+          </a:p>
+        </p:txBody>
+      </p:sp>
+      <p:sp>
+        <p:nvSpPr>
+          <p:cNvPr id="152" name="CustomShape 2"/>
+          <p:cNvSpPr/>
           <p:nvPr/>
         </p:nvSpPr>
         <p:spPr>
           <a:xfrm>
             <a:off x="630000" y="1935360"/>
-            <a:ext cx="11341080" cy="4388760"/>
+            <a:ext cx="11340720" cy="4388400"/>
           </a:xfrm>
           <a:prstGeom prst="rect">
             <a:avLst/>
@@ -11285,10 +10332,16 @@
             <a:noFill/>
           </a:ln>
         </p:spPr>
+        <p:style>
+          <a:lnRef idx="0"/>
+          <a:fillRef idx="0"/>
+          <a:effectRef idx="0"/>
+          <a:fontRef idx="minor"/>
+        </p:style>
         <p:txBody>
           <a:bodyPr lIns="90000" rIns="90000" tIns="45000" bIns="45000"/>
           <a:p>
-            <a:pPr marL="274320" indent="-273960">
+            <a:pPr marL="274320" indent="-273600">
               <a:lnSpc>
                 <a:spcPct val="100000"/>
               </a:lnSpc>
@@ -11303,7 +10356,7 @@
               <a:buChar char=""/>
             </a:pPr>
             <a:r>
-              <a:rPr b="0" lang="en-US" sz="2600" spc="-1" strike="noStrike">
+              <a:rPr b="0" lang="en-IN" sz="2600" spc="-1" strike="noStrike">
                 <a:solidFill>
                   <a:srgbClr val="000000"/>
                 </a:solidFill>
@@ -11311,15 +10364,12 @@
               </a:rPr>
               <a:t>It is a Information Processing paradigm that is inspired by the biological nervous system, such as the brain, process information.</a:t>
             </a:r>
-            <a:endParaRPr b="0" lang="en-US" sz="2600" spc="-1" strike="noStrike">
-              <a:solidFill>
-                <a:srgbClr val="000000"/>
-              </a:solidFill>
-              <a:latin typeface="Constantia"/>
-            </a:endParaRPr>
-          </a:p>
-          <a:p>
-            <a:pPr marL="274320" indent="-273960">
+            <a:endParaRPr b="0" lang="en-IN" sz="2600" spc="-1" strike="noStrike">
+              <a:latin typeface="Arial"/>
+            </a:endParaRPr>
+          </a:p>
+          <a:p>
+            <a:pPr marL="274320" indent="-273600">
               <a:lnSpc>
                 <a:spcPct val="100000"/>
               </a:lnSpc>
@@ -11334,7 +10384,7 @@
               <a:buChar char=""/>
             </a:pPr>
             <a:r>
-              <a:rPr b="0" lang="en-US" sz="2600" spc="-1" strike="noStrike">
+              <a:rPr b="0" lang="en-IN" sz="2600" spc="-1" strike="noStrike">
                 <a:solidFill>
                   <a:srgbClr val="000000"/>
                 </a:solidFill>
@@ -11342,11 +10392,8 @@
               </a:rPr>
               <a:t>The neural network itself isn’t and algorithm, but rather a framework for many different machine learning algorithms to work together and process complex data.</a:t>
             </a:r>
-            <a:endParaRPr b="0" lang="en-US" sz="2600" spc="-1" strike="noStrike">
-              <a:solidFill>
-                <a:srgbClr val="000000"/>
-              </a:solidFill>
-              <a:latin typeface="Constantia"/>
+            <a:endParaRPr b="0" lang="en-IN" sz="2600" spc="-1" strike="noStrike">
+              <a:latin typeface="Arial"/>
             </a:endParaRPr>
           </a:p>
           <a:p>
@@ -11358,18 +10405,15 @@
                 <a:spcPts val="519"/>
               </a:spcBef>
             </a:pPr>
-            <a:endParaRPr b="0" lang="en-US" sz="2600" spc="-1" strike="noStrike">
-              <a:solidFill>
-                <a:srgbClr val="000000"/>
-              </a:solidFill>
-              <a:latin typeface="Constantia"/>
+            <a:endParaRPr b="0" lang="en-IN" sz="2600" spc="-1" strike="noStrike">
+              <a:latin typeface="Arial"/>
             </a:endParaRPr>
           </a:p>
         </p:txBody>
       </p:sp>
       <p:pic>
         <p:nvPicPr>
-          <p:cNvPr id="162" name="Picture 3" descr=""/>
+          <p:cNvPr id="153" name="Picture 3" descr=""/>
           <p:cNvPicPr/>
           <p:nvPr/>
         </p:nvPicPr>
@@ -11380,7 +10424,7 @@
         <p:spPr>
           <a:xfrm>
             <a:off x="3924360" y="4077000"/>
-            <a:ext cx="4533480" cy="2448000"/>
+            <a:ext cx="4533120" cy="2447640"/>
           </a:xfrm>
           <a:prstGeom prst="rect">
             <a:avLst/>
@@ -11441,14 +10485,14 @@
       </p:grpSpPr>
       <p:sp>
         <p:nvSpPr>
-          <p:cNvPr id="163" name="TextShape 1"/>
-          <p:cNvSpPr txBox="1"/>
+          <p:cNvPr id="154" name="CustomShape 1"/>
+          <p:cNvSpPr/>
           <p:nvPr/>
         </p:nvSpPr>
         <p:spPr>
           <a:xfrm>
             <a:off x="630000" y="704160"/>
-            <a:ext cx="11341080" cy="1142640"/>
+            <a:ext cx="11340720" cy="1142280"/>
           </a:xfrm>
           <a:prstGeom prst="rect">
             <a:avLst/>
@@ -11458,6 +10502,12 @@
             <a:noFill/>
           </a:ln>
         </p:spPr>
+        <p:style>
+          <a:lnRef idx="0"/>
+          <a:fillRef idx="0"/>
+          <a:effectRef idx="0"/>
+          <a:fontRef idx="minor"/>
+        </p:style>
         <p:txBody>
           <a:bodyPr lIns="0" rIns="0" tIns="45000" bIns="0" anchor="b"/>
           <a:p>
@@ -11467,7 +10517,7 @@
               </a:lnSpc>
             </a:pPr>
             <a:r>
-              <a:rPr b="0" lang="en-US" sz="5000" spc="-1" strike="noStrike">
+              <a:rPr b="0" lang="en-IN" sz="5000" spc="-1" strike="noStrike">
                 <a:solidFill>
                   <a:srgbClr val="04617b"/>
                 </a:solidFill>
@@ -11475,25 +10525,22 @@
               </a:rPr>
               <a:t>Recurrent Neural Network(RNN):</a:t>
             </a:r>
-            <a:endParaRPr b="0" lang="en-US" sz="5000" spc="-1" strike="noStrike">
-              <a:solidFill>
-                <a:srgbClr val="000000"/>
-              </a:solidFill>
-              <a:latin typeface="Constantia"/>
-            </a:endParaRPr>
-          </a:p>
-        </p:txBody>
-      </p:sp>
-      <p:sp>
-        <p:nvSpPr>
-          <p:cNvPr id="164" name="TextShape 2"/>
-          <p:cNvSpPr txBox="1"/>
+            <a:endParaRPr b="0" lang="en-IN" sz="5000" spc="-1" strike="noStrike">
+              <a:latin typeface="Arial"/>
+            </a:endParaRPr>
+          </a:p>
+        </p:txBody>
+      </p:sp>
+      <p:sp>
+        <p:nvSpPr>
+          <p:cNvPr id="155" name="CustomShape 2"/>
+          <p:cNvSpPr/>
           <p:nvPr/>
         </p:nvSpPr>
         <p:spPr>
           <a:xfrm>
             <a:off x="630000" y="1935360"/>
-            <a:ext cx="11341080" cy="4388760"/>
+            <a:ext cx="11340720" cy="4388400"/>
           </a:xfrm>
           <a:prstGeom prst="rect">
             <a:avLst/>
@@ -11505,10 +10552,16 @@
             </a:solidFill>
           </a:ln>
         </p:spPr>
+        <p:style>
+          <a:lnRef idx="0"/>
+          <a:fillRef idx="0"/>
+          <a:effectRef idx="0"/>
+          <a:fontRef idx="minor"/>
+        </p:style>
         <p:txBody>
           <a:bodyPr lIns="90000" rIns="90000" tIns="45000" bIns="45000"/>
           <a:p>
-            <a:pPr marL="274320" indent="-273960">
+            <a:pPr marL="274320" indent="-273600">
               <a:lnSpc>
                 <a:spcPct val="100000"/>
               </a:lnSpc>
@@ -11523,32 +10576,20 @@
               <a:buChar char=""/>
             </a:pPr>
             <a:r>
-              <a:rPr b="0" lang="en-US" sz="2400" spc="-1" strike="noStrike">
+              <a:rPr b="0" lang="en-IN" sz="2400" spc="-1" strike="noStrike">
                 <a:solidFill>
                   <a:srgbClr val="000000"/>
                 </a:solidFill>
                 <a:latin typeface="Times New Roman"/>
               </a:rPr>
-              <a:t>RNNs are used in Deep Learning and in the development of models that simulate the </a:t>
-            </a:r>
-            <a:r>
-              <a:rPr b="0" lang="en-US" sz="2400" spc="-1" strike="noStrike">
-                <a:solidFill>
-                  <a:srgbClr val="000000"/>
-                </a:solidFill>
-                <a:latin typeface="Times New Roman"/>
-              </a:rPr>
-              <a:t>activity of neurons in the human brain</a:t>
-            </a:r>
-            <a:endParaRPr b="0" lang="en-US" sz="2400" spc="-1" strike="noStrike">
-              <a:solidFill>
-                <a:srgbClr val="000000"/>
-              </a:solidFill>
-              <a:latin typeface="Constantia"/>
-            </a:endParaRPr>
-          </a:p>
-          <a:p>
-            <a:pPr marL="274320" indent="-273960">
+              <a:t>RNNs are used in Deep Learning and in the development of models that simulate the activity of neurons in the human brain</a:t>
+            </a:r>
+            <a:endParaRPr b="0" lang="en-IN" sz="2400" spc="-1" strike="noStrike">
+              <a:latin typeface="Arial"/>
+            </a:endParaRPr>
+          </a:p>
+          <a:p>
+            <a:pPr marL="274320" indent="-273600">
               <a:lnSpc>
                 <a:spcPct val="100000"/>
               </a:lnSpc>
@@ -11563,7 +10604,7 @@
               <a:buChar char=""/>
             </a:pPr>
             <a:r>
-              <a:rPr b="0" lang="en-US" sz="2400" spc="-1" strike="noStrike">
+              <a:rPr b="0" lang="en-IN" sz="2400" spc="-1" strike="noStrike">
                 <a:solidFill>
                   <a:srgbClr val="000000"/>
                 </a:solidFill>
@@ -11571,15 +10612,12 @@
               </a:rPr>
               <a:t>layered to process information in two directions.</a:t>
             </a:r>
-            <a:endParaRPr b="0" lang="en-US" sz="2400" spc="-1" strike="noStrike">
-              <a:solidFill>
-                <a:srgbClr val="000000"/>
-              </a:solidFill>
-              <a:latin typeface="Constantia"/>
-            </a:endParaRPr>
-          </a:p>
-          <a:p>
-            <a:pPr marL="274320" indent="-273960">
+            <a:endParaRPr b="0" lang="en-IN" sz="2400" spc="-1" strike="noStrike">
+              <a:latin typeface="Arial"/>
+            </a:endParaRPr>
+          </a:p>
+          <a:p>
+            <a:pPr marL="274320" indent="-273600">
               <a:lnSpc>
                 <a:spcPct val="100000"/>
               </a:lnSpc>
@@ -11594,32 +10632,20 @@
               <a:buChar char=""/>
             </a:pPr>
             <a:r>
-              <a:rPr b="0" lang="en-US" sz="2400" spc="-1" strike="noStrike">
+              <a:rPr b="0" lang="en-IN" sz="2400" spc="-1" strike="noStrike">
                 <a:solidFill>
                   <a:srgbClr val="000000"/>
                 </a:solidFill>
                 <a:latin typeface="Times New Roman"/>
               </a:rPr>
-              <a:t>In RNN neuron stores the state of previous input and combines with the current input </a:t>
-            </a:r>
-            <a:r>
-              <a:rPr b="0" lang="en-US" sz="2400" spc="-1" strike="noStrike">
-                <a:solidFill>
-                  <a:srgbClr val="000000"/>
-                </a:solidFill>
-                <a:latin typeface="Times New Roman"/>
-              </a:rPr>
-              <a:t>thereby preserving some relationship of current input with the previous input.</a:t>
-            </a:r>
-            <a:endParaRPr b="0" lang="en-US" sz="2400" spc="-1" strike="noStrike">
-              <a:solidFill>
-                <a:srgbClr val="000000"/>
-              </a:solidFill>
-              <a:latin typeface="Constantia"/>
-            </a:endParaRPr>
-          </a:p>
-          <a:p>
-            <a:pPr marL="274320" indent="-273960">
+              <a:t>In RNN neuron stores the state of previous input and combines with the current input thereby preserving some relationship of current input with the previous input.</a:t>
+            </a:r>
+            <a:endParaRPr b="0" lang="en-IN" sz="2400" spc="-1" strike="noStrike">
+              <a:latin typeface="Arial"/>
+            </a:endParaRPr>
+          </a:p>
+          <a:p>
+            <a:pPr marL="274320" indent="-273600">
               <a:lnSpc>
                 <a:spcPct val="100000"/>
               </a:lnSpc>
@@ -11634,28 +10660,16 @@
               <a:buChar char=""/>
             </a:pPr>
             <a:r>
-              <a:rPr b="0" lang="en-US" sz="2400" spc="-1" strike="noStrike">
+              <a:rPr b="0" lang="en-IN" sz="2400" spc="-1" strike="noStrike">
                 <a:solidFill>
                   <a:srgbClr val="000000"/>
                 </a:solidFill>
                 <a:latin typeface="Times New Roman"/>
               </a:rPr>
-              <a:t>RNN basically used in Speech Recognition, Translation, Generating Image description, </a:t>
-            </a:r>
-            <a:r>
-              <a:rPr b="0" lang="en-US" sz="2400" spc="-1" strike="noStrike">
-                <a:solidFill>
-                  <a:srgbClr val="000000"/>
-                </a:solidFill>
-                <a:latin typeface="Times New Roman"/>
-              </a:rPr>
-              <a:t>Natural Language Processing</a:t>
-            </a:r>
-            <a:endParaRPr b="0" lang="en-US" sz="2400" spc="-1" strike="noStrike">
-              <a:solidFill>
-                <a:srgbClr val="000000"/>
-              </a:solidFill>
-              <a:latin typeface="Constantia"/>
+              <a:t>RNN basically used in Speech Recognition, Translation, Generating Image description, Natural Language Processing</a:t>
+            </a:r>
+            <a:endParaRPr b="0" lang="en-IN" sz="2400" spc="-1" strike="noStrike">
+              <a:latin typeface="Arial"/>
             </a:endParaRPr>
           </a:p>
           <a:p>
@@ -11667,18 +10681,15 @@
                 <a:spcPts val="519"/>
               </a:spcBef>
             </a:pPr>
-            <a:endParaRPr b="0" lang="en-US" sz="2400" spc="-1" strike="noStrike">
-              <a:solidFill>
-                <a:srgbClr val="000000"/>
-              </a:solidFill>
-              <a:latin typeface="Constantia"/>
+            <a:endParaRPr b="0" lang="en-IN" sz="2400" spc="-1" strike="noStrike">
+              <a:latin typeface="Arial"/>
             </a:endParaRPr>
           </a:p>
         </p:txBody>
       </p:sp>
       <p:pic>
         <p:nvPicPr>
-          <p:cNvPr id="165" name="Picture 3" descr=""/>
+          <p:cNvPr id="156" name="Picture 3" descr=""/>
           <p:cNvPicPr/>
           <p:nvPr/>
         </p:nvPicPr>
@@ -11689,7 +10700,7 @@
         <p:spPr>
           <a:xfrm>
             <a:off x="2988360" y="4725000"/>
-            <a:ext cx="6364080" cy="1800000"/>
+            <a:ext cx="6363720" cy="1799640"/>
           </a:xfrm>
           <a:prstGeom prst="rect">
             <a:avLst/>
